--- a/slides/cds431_week2_1.pptx
+++ b/slides/cds431_week2_1.pptx
@@ -5,44 +5,43 @@
     <p:sldMasterId id="2147483648" r:id="rId1"/>
   </p:sldMasterIdLst>
   <p:notesMasterIdLst>
-    <p:notesMasterId r:id="rId37"/>
+    <p:notesMasterId r:id="rId36"/>
   </p:notesMasterIdLst>
   <p:sldIdLst>
-    <p:sldId id="307" r:id="rId2"/>
-    <p:sldId id="382" r:id="rId3"/>
-    <p:sldId id="503" r:id="rId4"/>
-    <p:sldId id="509" r:id="rId5"/>
-    <p:sldId id="551" r:id="rId6"/>
-    <p:sldId id="510" r:id="rId7"/>
-    <p:sldId id="511" r:id="rId8"/>
-    <p:sldId id="512" r:id="rId9"/>
-    <p:sldId id="565" r:id="rId10"/>
-    <p:sldId id="256" r:id="rId11"/>
-    <p:sldId id="309" r:id="rId12"/>
-    <p:sldId id="257" r:id="rId13"/>
-    <p:sldId id="322" r:id="rId14"/>
-    <p:sldId id="333" r:id="rId15"/>
-    <p:sldId id="334" r:id="rId16"/>
-    <p:sldId id="260" r:id="rId17"/>
-    <p:sldId id="321" r:id="rId18"/>
-    <p:sldId id="324" r:id="rId19"/>
-    <p:sldId id="261" r:id="rId20"/>
-    <p:sldId id="262" r:id="rId21"/>
-    <p:sldId id="326" r:id="rId22"/>
-    <p:sldId id="265" r:id="rId23"/>
-    <p:sldId id="325" r:id="rId24"/>
-    <p:sldId id="327" r:id="rId25"/>
-    <p:sldId id="293" r:id="rId26"/>
-    <p:sldId id="294" r:id="rId27"/>
-    <p:sldId id="295" r:id="rId28"/>
-    <p:sldId id="296" r:id="rId29"/>
-    <p:sldId id="328" r:id="rId30"/>
-    <p:sldId id="298" r:id="rId31"/>
-    <p:sldId id="300" r:id="rId32"/>
-    <p:sldId id="329" r:id="rId33"/>
-    <p:sldId id="301" r:id="rId34"/>
-    <p:sldId id="318" r:id="rId35"/>
-    <p:sldId id="311" r:id="rId36"/>
+    <p:sldId id="382" r:id="rId2"/>
+    <p:sldId id="503" r:id="rId3"/>
+    <p:sldId id="509" r:id="rId4"/>
+    <p:sldId id="551" r:id="rId5"/>
+    <p:sldId id="510" r:id="rId6"/>
+    <p:sldId id="511" r:id="rId7"/>
+    <p:sldId id="512" r:id="rId8"/>
+    <p:sldId id="565" r:id="rId9"/>
+    <p:sldId id="256" r:id="rId10"/>
+    <p:sldId id="309" r:id="rId11"/>
+    <p:sldId id="257" r:id="rId12"/>
+    <p:sldId id="322" r:id="rId13"/>
+    <p:sldId id="333" r:id="rId14"/>
+    <p:sldId id="334" r:id="rId15"/>
+    <p:sldId id="260" r:id="rId16"/>
+    <p:sldId id="321" r:id="rId17"/>
+    <p:sldId id="324" r:id="rId18"/>
+    <p:sldId id="261" r:id="rId19"/>
+    <p:sldId id="262" r:id="rId20"/>
+    <p:sldId id="326" r:id="rId21"/>
+    <p:sldId id="265" r:id="rId22"/>
+    <p:sldId id="325" r:id="rId23"/>
+    <p:sldId id="327" r:id="rId24"/>
+    <p:sldId id="293" r:id="rId25"/>
+    <p:sldId id="294" r:id="rId26"/>
+    <p:sldId id="295" r:id="rId27"/>
+    <p:sldId id="296" r:id="rId28"/>
+    <p:sldId id="328" r:id="rId29"/>
+    <p:sldId id="298" r:id="rId30"/>
+    <p:sldId id="300" r:id="rId31"/>
+    <p:sldId id="329" r:id="rId32"/>
+    <p:sldId id="301" r:id="rId33"/>
+    <p:sldId id="318" r:id="rId34"/>
+    <p:sldId id="311" r:id="rId35"/>
   </p:sldIdLst>
   <p:sldSz cx="12192000" cy="6858000"/>
   <p:notesSz cx="6858000" cy="9144000"/>
@@ -231,7 +230,7 @@
           <a:p>
             <a:fld id="{B8A146C5-CC5B-0344-B847-8880661805FC}" type="datetimeFigureOut">
               <a:rPr lang="en-US" smtClean="0"/>
-              <a:t>1/11/22</a:t>
+              <a:t>3/29/22</a:t>
             </a:fld>
             <a:endParaRPr lang="en-US"/>
           </a:p>
@@ -542,10 +541,7 @@
           <a:bodyPr/>
           <a:lstStyle/>
           <a:p>
-            <a:r>
-              <a:rPr lang="en-US" dirty="0"/>
-              <a:t>Large group activity</a:t>
-            </a:r>
+            <a:endParaRPr lang="en-US" dirty="0"/>
           </a:p>
         </p:txBody>
       </p:sp>
@@ -556,7 +552,7 @@
             <a:spLocks noGrp="1"/>
           </p:cNvSpPr>
           <p:nvPr>
-            <p:ph type="sldNum" sz="quarter" idx="10"/>
+            <p:ph type="sldNum" sz="quarter" idx="5"/>
           </p:nvPr>
         </p:nvSpPr>
         <p:spPr/>
@@ -575,7 +571,7 @@
     </p:spTree>
     <p:extLst>
       <p:ext uri="{BB962C8B-B14F-4D97-AF65-F5344CB8AC3E}">
-        <p14:creationId xmlns:p14="http://schemas.microsoft.com/office/powerpoint/2010/main" val="1112789848"/>
+        <p14:creationId xmlns:p14="http://schemas.microsoft.com/office/powerpoint/2010/main" val="3836939478"/>
       </p:ext>
     </p:extLst>
   </p:cSld>
@@ -604,7 +600,7 @@
       </p:grpSpPr>
       <p:sp>
         <p:nvSpPr>
-          <p:cNvPr id="28674" name="Slide Image Placeholder 1"/>
+          <p:cNvPr id="31746" name="Slide Image Placeholder 1"/>
           <p:cNvSpPr>
             <a:spLocks noGrp="1" noRot="1" noChangeAspect="1"/>
           </p:cNvSpPr>
@@ -626,7 +622,7 @@
       </p:sp>
       <p:sp>
         <p:nvSpPr>
-          <p:cNvPr id="28675" name="Notes Placeholder 2"/>
+          <p:cNvPr id="31747" name="Notes Placeholder 2"/>
           <p:cNvSpPr>
             <a:spLocks noGrp="1"/>
           </p:cNvSpPr>
@@ -641,54 +637,21 @@
           <a:bodyPr/>
           <a:lstStyle/>
           <a:p>
-            <a:pPr eaLnBrk="1" hangingPunct="1"/>
-            <a:r>
-              <a:rPr lang="en-US">
-                <a:ea typeface="ＭＳ Ｐゴシック" pitchFamily="-111" charset="-128"/>
-                <a:cs typeface="ＭＳ Ｐゴシック" pitchFamily="-111" charset="-128"/>
-              </a:rPr>
-              <a:t>What is phonology?</a:t>
-            </a:r>
-          </a:p>
-          <a:p>
-            <a:pPr eaLnBrk="1" hangingPunct="1"/>
-            <a:endParaRPr lang="en-US">
+            <a:pPr eaLnBrk="1" hangingPunct="1">
+              <a:lnSpc>
+                <a:spcPct val="80000"/>
+              </a:lnSpc>
+            </a:pPr>
+            <a:endParaRPr lang="en-US" dirty="0">
               <a:ea typeface="ＭＳ Ｐゴシック" pitchFamily="-111" charset="-128"/>
               <a:cs typeface="ＭＳ Ｐゴシック" pitchFamily="-111" charset="-128"/>
             </a:endParaRPr>
           </a:p>
-          <a:p>
-            <a:pPr lvl="1" eaLnBrk="1" hangingPunct="1">
-              <a:buFontTx/>
-              <a:buChar char="•"/>
-            </a:pPr>
-            <a:r>
-              <a:rPr lang="en-US" sz="1600"/>
-              <a:t>Organic- attributable to physical conditions</a:t>
-            </a:r>
-          </a:p>
-          <a:p>
-            <a:pPr lvl="1" eaLnBrk="1" hangingPunct="1">
-              <a:buFontTx/>
-              <a:buChar char="•"/>
-            </a:pPr>
-            <a:r>
-              <a:rPr lang="en-US" sz="1600"/>
-              <a:t>Functional- no attributable physical cause </a:t>
-            </a:r>
-          </a:p>
-          <a:p>
-            <a:pPr eaLnBrk="1" hangingPunct="1"/>
-            <a:endParaRPr lang="en-US">
-              <a:ea typeface="ＭＳ Ｐゴシック" pitchFamily="-111" charset="-128"/>
-              <a:cs typeface="ＭＳ Ｐゴシック" pitchFamily="-111" charset="-128"/>
-            </a:endParaRPr>
-          </a:p>
-        </p:txBody>
-      </p:sp>
-      <p:sp>
-        <p:nvSpPr>
-          <p:cNvPr id="28676" name="Slide Number Placeholder 3"/>
+        </p:txBody>
+      </p:sp>
+      <p:sp>
+        <p:nvSpPr>
+          <p:cNvPr id="31748" name="Slide Number Placeholder 3"/>
           <p:cNvSpPr>
             <a:spLocks noGrp="1"/>
           </p:cNvSpPr>
@@ -708,14 +671,14 @@
           <a:bodyPr/>
           <a:lstStyle/>
           <a:p>
-            <a:fld id="{F86EE2FD-B38E-9545-BDA0-90EC07C07D41}" type="slidenum">
+            <a:fld id="{4E575F34-37EB-8C46-A580-6E2BE4F604C1}" type="slidenum">
               <a:rPr lang="en-US" smtClean="0">
                 <a:latin typeface="Arial" pitchFamily="-111" charset="0"/>
                 <a:ea typeface="ＭＳ Ｐゴシック" pitchFamily="-111" charset="-128"/>
                 <a:cs typeface="ＭＳ Ｐゴシック" pitchFamily="-111" charset="-128"/>
               </a:rPr>
               <a:pPr/>
-              <a:t>12</a:t>
+              <a:t>15</a:t>
             </a:fld>
             <a:endParaRPr lang="en-US">
               <a:latin typeface="Arial" pitchFamily="-111" charset="0"/>
@@ -728,7 +691,7 @@
     </p:spTree>
     <p:extLst>
       <p:ext uri="{BB962C8B-B14F-4D97-AF65-F5344CB8AC3E}">
-        <p14:creationId xmlns:p14="http://schemas.microsoft.com/office/powerpoint/2010/main" val="1060056159"/>
+        <p14:creationId xmlns:p14="http://schemas.microsoft.com/office/powerpoint/2010/main" val="839528801"/>
       </p:ext>
     </p:extLst>
   </p:cSld>
@@ -757,7 +720,7 @@
       </p:grpSpPr>
       <p:sp>
         <p:nvSpPr>
-          <p:cNvPr id="31746" name="Slide Image Placeholder 1"/>
+          <p:cNvPr id="35842" name="Slide Image Placeholder 1"/>
           <p:cNvSpPr>
             <a:spLocks noGrp="1" noRot="1" noChangeAspect="1"/>
           </p:cNvSpPr>
@@ -779,7 +742,7 @@
       </p:sp>
       <p:sp>
         <p:nvSpPr>
-          <p:cNvPr id="31747" name="Notes Placeholder 2"/>
+          <p:cNvPr id="3" name="Notes Placeholder 2"/>
           <p:cNvSpPr>
             <a:spLocks noGrp="1"/>
           </p:cNvSpPr>
@@ -787,28 +750,23 @@
             <p:ph type="body" idx="1"/>
           </p:nvPr>
         </p:nvSpPr>
-        <p:spPr bwMode="auto">
-          <a:noFill/>
-        </p:spPr>
-        <p:txBody>
-          <a:bodyPr/>
-          <a:lstStyle/>
-          <a:p>
-            <a:pPr eaLnBrk="1" hangingPunct="1">
-              <a:lnSpc>
-                <a:spcPct val="80000"/>
-              </a:lnSpc>
+        <p:spPr/>
+        <p:txBody>
+          <a:bodyPr>
+            <a:normAutofit/>
+          </a:bodyPr>
+          <a:lstStyle/>
+          <a:p>
+            <a:pPr>
+              <a:defRPr/>
             </a:pPr>
-            <a:endParaRPr lang="en-US" dirty="0">
-              <a:ea typeface="ＭＳ Ｐゴシック" pitchFamily="-111" charset="-128"/>
-              <a:cs typeface="ＭＳ Ｐゴシック" pitchFamily="-111" charset="-128"/>
-            </a:endParaRPr>
-          </a:p>
-        </p:txBody>
-      </p:sp>
-      <p:sp>
-        <p:nvSpPr>
-          <p:cNvPr id="31748" name="Slide Number Placeholder 3"/>
+            <a:endParaRPr lang="en-US" dirty="0"/>
+          </a:p>
+        </p:txBody>
+      </p:sp>
+      <p:sp>
+        <p:nvSpPr>
+          <p:cNvPr id="35844" name="Slide Number Placeholder 3"/>
           <p:cNvSpPr>
             <a:spLocks noGrp="1"/>
           </p:cNvSpPr>
@@ -828,14 +786,14 @@
           <a:bodyPr/>
           <a:lstStyle/>
           <a:p>
-            <a:fld id="{4E575F34-37EB-8C46-A580-6E2BE4F604C1}" type="slidenum">
+            <a:fld id="{ECD4CE99-E7C6-1B48-893B-9482BAC9E049}" type="slidenum">
               <a:rPr lang="en-US" smtClean="0">
                 <a:latin typeface="Arial" pitchFamily="-111" charset="0"/>
                 <a:ea typeface="ＭＳ Ｐゴシック" pitchFamily="-111" charset="-128"/>
                 <a:cs typeface="ＭＳ Ｐゴシック" pitchFamily="-111" charset="-128"/>
               </a:rPr>
               <a:pPr/>
-              <a:t>16</a:t>
+              <a:t>17</a:t>
             </a:fld>
             <a:endParaRPr lang="en-US">
               <a:latin typeface="Arial" pitchFamily="-111" charset="0"/>
@@ -848,7 +806,7 @@
     </p:spTree>
     <p:extLst>
       <p:ext uri="{BB962C8B-B14F-4D97-AF65-F5344CB8AC3E}">
-        <p14:creationId xmlns:p14="http://schemas.microsoft.com/office/powerpoint/2010/main" val="839528801"/>
+        <p14:creationId xmlns:p14="http://schemas.microsoft.com/office/powerpoint/2010/main" val="1215528082"/>
       </p:ext>
     </p:extLst>
   </p:cSld>
@@ -877,7 +835,7 @@
       </p:grpSpPr>
       <p:sp>
         <p:nvSpPr>
-          <p:cNvPr id="35842" name="Slide Image Placeholder 1"/>
+          <p:cNvPr id="37890" name="Slide Image Placeholder 1"/>
           <p:cNvSpPr>
             <a:spLocks noGrp="1" noRot="1" noChangeAspect="1"/>
           </p:cNvSpPr>
@@ -923,7 +881,7 @@
       </p:sp>
       <p:sp>
         <p:nvSpPr>
-          <p:cNvPr id="35844" name="Slide Number Placeholder 3"/>
+          <p:cNvPr id="37892" name="Slide Number Placeholder 3"/>
           <p:cNvSpPr>
             <a:spLocks noGrp="1"/>
           </p:cNvSpPr>
@@ -943,7 +901,7 @@
           <a:bodyPr/>
           <a:lstStyle/>
           <a:p>
-            <a:fld id="{ECD4CE99-E7C6-1B48-893B-9482BAC9E049}" type="slidenum">
+            <a:fld id="{CC570403-9E4B-A24E-A55F-045B484D3784}" type="slidenum">
               <a:rPr lang="en-US" smtClean="0">
                 <a:latin typeface="Arial" pitchFamily="-111" charset="0"/>
                 <a:ea typeface="ＭＳ Ｐゴシック" pitchFamily="-111" charset="-128"/>
@@ -963,7 +921,7 @@
     </p:spTree>
     <p:extLst>
       <p:ext uri="{BB962C8B-B14F-4D97-AF65-F5344CB8AC3E}">
-        <p14:creationId xmlns:p14="http://schemas.microsoft.com/office/powerpoint/2010/main" val="1215528082"/>
+        <p14:creationId xmlns:p14="http://schemas.microsoft.com/office/powerpoint/2010/main" val="368540263"/>
       </p:ext>
     </p:extLst>
   </p:cSld>
@@ -992,7 +950,7 @@
       </p:grpSpPr>
       <p:sp>
         <p:nvSpPr>
-          <p:cNvPr id="37890" name="Slide Image Placeholder 1"/>
+          <p:cNvPr id="41986" name="Slide Image Placeholder 1"/>
           <p:cNvSpPr>
             <a:spLocks noGrp="1" noRot="1" noChangeAspect="1"/>
           </p:cNvSpPr>
@@ -1038,7 +996,7 @@
       </p:sp>
       <p:sp>
         <p:nvSpPr>
-          <p:cNvPr id="37892" name="Slide Number Placeholder 3"/>
+          <p:cNvPr id="41988" name="Slide Number Placeholder 3"/>
           <p:cNvSpPr>
             <a:spLocks noGrp="1"/>
           </p:cNvSpPr>
@@ -1058,7 +1016,7 @@
           <a:bodyPr/>
           <a:lstStyle/>
           <a:p>
-            <a:fld id="{CC570403-9E4B-A24E-A55F-045B484D3784}" type="slidenum">
+            <a:fld id="{C79E38CB-EA31-5049-8E6D-60FBEFD2873E}" type="slidenum">
               <a:rPr lang="en-US" smtClean="0">
                 <a:latin typeface="Arial" pitchFamily="-111" charset="0"/>
                 <a:ea typeface="ＭＳ Ｐゴシック" pitchFamily="-111" charset="-128"/>
@@ -1078,7 +1036,7 @@
     </p:spTree>
     <p:extLst>
       <p:ext uri="{BB962C8B-B14F-4D97-AF65-F5344CB8AC3E}">
-        <p14:creationId xmlns:p14="http://schemas.microsoft.com/office/powerpoint/2010/main" val="368540263"/>
+        <p14:creationId xmlns:p14="http://schemas.microsoft.com/office/powerpoint/2010/main" val="713362293"/>
       </p:ext>
     </p:extLst>
   </p:cSld>
@@ -1107,7 +1065,7 @@
       </p:grpSpPr>
       <p:sp>
         <p:nvSpPr>
-          <p:cNvPr id="41986" name="Slide Image Placeholder 1"/>
+          <p:cNvPr id="45058" name="Slide Image Placeholder 1"/>
           <p:cNvSpPr>
             <a:spLocks noGrp="1" noRot="1" noChangeAspect="1"/>
           </p:cNvSpPr>
@@ -1129,7 +1087,7 @@
       </p:sp>
       <p:sp>
         <p:nvSpPr>
-          <p:cNvPr id="3" name="Notes Placeholder 2"/>
+          <p:cNvPr id="45059" name="Notes Placeholder 2"/>
           <p:cNvSpPr>
             <a:spLocks noGrp="1"/>
           </p:cNvSpPr>
@@ -1137,23 +1095,35 @@
             <p:ph type="body" idx="1"/>
           </p:nvPr>
         </p:nvSpPr>
-        <p:spPr/>
-        <p:txBody>
-          <a:bodyPr>
-            <a:normAutofit/>
-          </a:bodyPr>
-          <a:lstStyle/>
-          <a:p>
-            <a:pPr>
-              <a:defRPr/>
+        <p:spPr bwMode="auto">
+          <a:noFill/>
+        </p:spPr>
+        <p:txBody>
+          <a:bodyPr/>
+          <a:lstStyle/>
+          <a:p>
+            <a:pPr lvl="2" eaLnBrk="1" hangingPunct="1">
+              <a:lnSpc>
+                <a:spcPct val="80000"/>
+              </a:lnSpc>
+              <a:buFontTx/>
+              <a:buChar char="•"/>
             </a:pPr>
-            <a:endParaRPr lang="en-US" dirty="0"/>
-          </a:p>
-        </p:txBody>
-      </p:sp>
-      <p:sp>
-        <p:nvSpPr>
-          <p:cNvPr id="41988" name="Slide Number Placeholder 3"/>
+            <a:endParaRPr lang="en-US" sz="1600" dirty="0">
+              <a:ea typeface="ＭＳ Ｐゴシック" pitchFamily="-111" charset="-128"/>
+            </a:endParaRPr>
+          </a:p>
+          <a:p>
+            <a:endParaRPr lang="en-US" dirty="0">
+              <a:ea typeface="ＭＳ Ｐゴシック" pitchFamily="-111" charset="-128"/>
+              <a:cs typeface="ＭＳ Ｐゴシック" pitchFamily="-111" charset="-128"/>
+            </a:endParaRPr>
+          </a:p>
+        </p:txBody>
+      </p:sp>
+      <p:sp>
+        <p:nvSpPr>
+          <p:cNvPr id="45060" name="Slide Number Placeholder 3"/>
           <p:cNvSpPr>
             <a:spLocks noGrp="1"/>
           </p:cNvSpPr>
@@ -1173,14 +1143,14 @@
           <a:bodyPr/>
           <a:lstStyle/>
           <a:p>
-            <a:fld id="{C79E38CB-EA31-5049-8E6D-60FBEFD2873E}" type="slidenum">
+            <a:fld id="{9AF5F6E1-B986-4A42-888E-EC404E6C0EF2}" type="slidenum">
               <a:rPr lang="en-US" smtClean="0">
                 <a:latin typeface="Arial" pitchFamily="-111" charset="0"/>
                 <a:ea typeface="ＭＳ Ｐゴシック" pitchFamily="-111" charset="-128"/>
                 <a:cs typeface="ＭＳ Ｐゴシック" pitchFamily="-111" charset="-128"/>
               </a:rPr>
               <a:pPr/>
-              <a:t>20</a:t>
+              <a:t>21</a:t>
             </a:fld>
             <a:endParaRPr lang="en-US">
               <a:latin typeface="Arial" pitchFamily="-111" charset="0"/>
@@ -1193,7 +1163,7 @@
     </p:spTree>
     <p:extLst>
       <p:ext uri="{BB962C8B-B14F-4D97-AF65-F5344CB8AC3E}">
-        <p14:creationId xmlns:p14="http://schemas.microsoft.com/office/powerpoint/2010/main" val="713362293"/>
+        <p14:creationId xmlns:p14="http://schemas.microsoft.com/office/powerpoint/2010/main" val="78857250"/>
       </p:ext>
     </p:extLst>
   </p:cSld>
@@ -1222,7 +1192,7 @@
       </p:grpSpPr>
       <p:sp>
         <p:nvSpPr>
-          <p:cNvPr id="45058" name="Slide Image Placeholder 1"/>
+          <p:cNvPr id="48130" name="Slide Image Placeholder 1"/>
           <p:cNvSpPr>
             <a:spLocks noGrp="1" noRot="1" noChangeAspect="1"/>
           </p:cNvSpPr>
@@ -1244,7 +1214,7 @@
       </p:sp>
       <p:sp>
         <p:nvSpPr>
-          <p:cNvPr id="45059" name="Notes Placeholder 2"/>
+          <p:cNvPr id="48131" name="Notes Placeholder 2"/>
           <p:cNvSpPr>
             <a:spLocks noGrp="1"/>
           </p:cNvSpPr>
@@ -1259,18 +1229,11 @@
           <a:bodyPr/>
           <a:lstStyle/>
           <a:p>
-            <a:pPr lvl="2" eaLnBrk="1" hangingPunct="1">
-              <a:lnSpc>
-                <a:spcPct val="80000"/>
-              </a:lnSpc>
-              <a:buFontTx/>
-              <a:buChar char="•"/>
+            <a:pPr eaLnBrk="1" hangingPunct="1">
+              <a:spcBef>
+                <a:spcPct val="0"/>
+              </a:spcBef>
             </a:pPr>
-            <a:endParaRPr lang="en-US" sz="1600" dirty="0">
-              <a:ea typeface="ＭＳ Ｐゴシック" pitchFamily="-111" charset="-128"/>
-            </a:endParaRPr>
-          </a:p>
-          <a:p>
             <a:endParaRPr lang="en-US" dirty="0">
               <a:ea typeface="ＭＳ Ｐゴシック" pitchFamily="-111" charset="-128"/>
               <a:cs typeface="ＭＳ Ｐゴシック" pitchFamily="-111" charset="-128"/>
@@ -1280,7 +1243,7 @@
       </p:sp>
       <p:sp>
         <p:nvSpPr>
-          <p:cNvPr id="45060" name="Slide Number Placeholder 3"/>
+          <p:cNvPr id="48132" name="Slide Number Placeholder 3"/>
           <p:cNvSpPr>
             <a:spLocks noGrp="1"/>
           </p:cNvSpPr>
@@ -1300,14 +1263,14 @@
           <a:bodyPr/>
           <a:lstStyle/>
           <a:p>
-            <a:fld id="{9AF5F6E1-B986-4A42-888E-EC404E6C0EF2}" type="slidenum">
+            <a:fld id="{53FFE582-198B-5B4C-BED9-6236AB9F59E6}" type="slidenum">
               <a:rPr lang="en-US" smtClean="0">
                 <a:latin typeface="Arial" pitchFamily="-111" charset="0"/>
                 <a:ea typeface="ＭＳ Ｐゴシック" pitchFamily="-111" charset="-128"/>
                 <a:cs typeface="ＭＳ Ｐゴシック" pitchFamily="-111" charset="-128"/>
               </a:rPr>
               <a:pPr/>
-              <a:t>22</a:t>
+              <a:t>24</a:t>
             </a:fld>
             <a:endParaRPr lang="en-US">
               <a:latin typeface="Arial" pitchFamily="-111" charset="0"/>
@@ -1320,7 +1283,7 @@
     </p:spTree>
     <p:extLst>
       <p:ext uri="{BB962C8B-B14F-4D97-AF65-F5344CB8AC3E}">
-        <p14:creationId xmlns:p14="http://schemas.microsoft.com/office/powerpoint/2010/main" val="78857250"/>
+        <p14:creationId xmlns:p14="http://schemas.microsoft.com/office/powerpoint/2010/main" val="356390551"/>
       </p:ext>
     </p:extLst>
   </p:cSld>
@@ -1349,7 +1312,7 @@
       </p:grpSpPr>
       <p:sp>
         <p:nvSpPr>
-          <p:cNvPr id="48130" name="Slide Image Placeholder 1"/>
+          <p:cNvPr id="52226" name="Slide Image Placeholder 1"/>
           <p:cNvSpPr>
             <a:spLocks noGrp="1" noRot="1" noChangeAspect="1"/>
           </p:cNvSpPr>
@@ -1371,7 +1334,7 @@
       </p:sp>
       <p:sp>
         <p:nvSpPr>
-          <p:cNvPr id="48131" name="Notes Placeholder 2"/>
+          <p:cNvPr id="52227" name="Notes Placeholder 2"/>
           <p:cNvSpPr>
             <a:spLocks noGrp="1"/>
           </p:cNvSpPr>
@@ -1386,11 +1349,6 @@
           <a:bodyPr/>
           <a:lstStyle/>
           <a:p>
-            <a:pPr eaLnBrk="1" hangingPunct="1">
-              <a:spcBef>
-                <a:spcPct val="0"/>
-              </a:spcBef>
-            </a:pPr>
             <a:endParaRPr lang="en-US" dirty="0">
               <a:ea typeface="ＭＳ Ｐゴシック" pitchFamily="-111" charset="-128"/>
               <a:cs typeface="ＭＳ Ｐゴシック" pitchFamily="-111" charset="-128"/>
@@ -1400,7 +1358,7 @@
       </p:sp>
       <p:sp>
         <p:nvSpPr>
-          <p:cNvPr id="48132" name="Slide Number Placeholder 3"/>
+          <p:cNvPr id="52228" name="Slide Number Placeholder 3"/>
           <p:cNvSpPr>
             <a:spLocks noGrp="1"/>
           </p:cNvSpPr>
@@ -1420,14 +1378,14 @@
           <a:bodyPr/>
           <a:lstStyle/>
           <a:p>
-            <a:fld id="{53FFE582-198B-5B4C-BED9-6236AB9F59E6}" type="slidenum">
+            <a:fld id="{28466F46-DC67-F241-9E4A-13F00A659361}" type="slidenum">
               <a:rPr lang="en-US" smtClean="0">
                 <a:latin typeface="Arial" pitchFamily="-111" charset="0"/>
                 <a:ea typeface="ＭＳ Ｐゴシック" pitchFamily="-111" charset="-128"/>
                 <a:cs typeface="ＭＳ Ｐゴシック" pitchFamily="-111" charset="-128"/>
               </a:rPr>
               <a:pPr/>
-              <a:t>25</a:t>
+              <a:t>27</a:t>
             </a:fld>
             <a:endParaRPr lang="en-US">
               <a:latin typeface="Arial" pitchFamily="-111" charset="0"/>
@@ -1440,7 +1398,7 @@
     </p:spTree>
     <p:extLst>
       <p:ext uri="{BB962C8B-B14F-4D97-AF65-F5344CB8AC3E}">
-        <p14:creationId xmlns:p14="http://schemas.microsoft.com/office/powerpoint/2010/main" val="356390551"/>
+        <p14:creationId xmlns:p14="http://schemas.microsoft.com/office/powerpoint/2010/main" val="524099174"/>
       </p:ext>
     </p:extLst>
   </p:cSld>
@@ -1469,7 +1427,7 @@
       </p:grpSpPr>
       <p:sp>
         <p:nvSpPr>
-          <p:cNvPr id="52226" name="Slide Image Placeholder 1"/>
+          <p:cNvPr id="2" name="Slide Image Placeholder 1"/>
           <p:cNvSpPr>
             <a:spLocks noGrp="1" noRot="1" noChangeAspect="1"/>
           </p:cNvSpPr>
@@ -1477,21 +1435,11 @@
             <p:ph type="sldImg"/>
           </p:nvPr>
         </p:nvSpPr>
-        <p:spPr bwMode="auto">
-          <a:noFill/>
-          <a:ln>
-            <a:solidFill>
-              <a:srgbClr val="000000"/>
-            </a:solidFill>
-            <a:miter lim="800000"/>
-            <a:headEnd/>
-            <a:tailEnd/>
-          </a:ln>
-        </p:spPr>
-      </p:sp>
-      <p:sp>
-        <p:nvSpPr>
-          <p:cNvPr id="52227" name="Notes Placeholder 2"/>
+        <p:spPr/>
+      </p:sp>
+      <p:sp>
+        <p:nvSpPr>
+          <p:cNvPr id="3" name="Notes Placeholder 2"/>
           <p:cNvSpPr>
             <a:spLocks noGrp="1"/>
           </p:cNvSpPr>
@@ -1499,63 +1447,51 @@
             <p:ph type="body" idx="1"/>
           </p:nvPr>
         </p:nvSpPr>
-        <p:spPr bwMode="auto">
-          <a:noFill/>
-        </p:spPr>
+        <p:spPr/>
         <p:txBody>
           <a:bodyPr/>
           <a:lstStyle/>
           <a:p>
-            <a:endParaRPr lang="en-US" dirty="0">
-              <a:ea typeface="ＭＳ Ｐゴシック" pitchFamily="-111" charset="-128"/>
-              <a:cs typeface="ＭＳ Ｐゴシック" pitchFamily="-111" charset="-128"/>
-            </a:endParaRPr>
-          </a:p>
-        </p:txBody>
-      </p:sp>
-      <p:sp>
-        <p:nvSpPr>
-          <p:cNvPr id="52228" name="Slide Number Placeholder 3"/>
+            <a:r>
+              <a:rPr lang="en-US"/>
+              <a:t>Stopped here</a:t>
+            </a:r>
+          </a:p>
+        </p:txBody>
+      </p:sp>
+      <p:sp>
+        <p:nvSpPr>
+          <p:cNvPr id="4" name="Slide Number Placeholder 3"/>
           <p:cNvSpPr>
             <a:spLocks noGrp="1"/>
           </p:cNvSpPr>
           <p:nvPr>
-            <p:ph type="sldNum" sz="quarter" idx="5"/>
-          </p:nvPr>
-        </p:nvSpPr>
-        <p:spPr bwMode="auto">
-          <a:noFill/>
-          <a:ln>
-            <a:miter lim="800000"/>
-            <a:headEnd/>
-            <a:tailEnd/>
-          </a:ln>
-        </p:spPr>
+            <p:ph type="sldNum" sz="quarter" idx="10"/>
+          </p:nvPr>
+        </p:nvSpPr>
+        <p:spPr/>
         <p:txBody>
           <a:bodyPr/>
           <a:lstStyle/>
           <a:p>
-            <a:fld id="{28466F46-DC67-F241-9E4A-13F00A659361}" type="slidenum">
-              <a:rPr lang="en-US" smtClean="0">
-                <a:latin typeface="Arial" pitchFamily="-111" charset="0"/>
-                <a:ea typeface="ＭＳ Ｐゴシック" pitchFamily="-111" charset="-128"/>
-                <a:cs typeface="ＭＳ Ｐゴシック" pitchFamily="-111" charset="-128"/>
-              </a:rPr>
-              <a:pPr/>
-              <a:t>28</a:t>
+            <a:pPr>
+              <a:defRPr/>
+            </a:pPr>
+            <a:fld id="{6D73A2DA-E95A-AA45-AAB9-6B7375ED86E2}" type="slidenum">
+              <a:rPr lang="en-US" smtClean="0"/>
+              <a:pPr>
+                <a:defRPr/>
+              </a:pPr>
+              <a:t>33</a:t>
             </a:fld>
-            <a:endParaRPr lang="en-US">
-              <a:latin typeface="Arial" pitchFamily="-111" charset="0"/>
-              <a:ea typeface="ＭＳ Ｐゴシック" pitchFamily="-111" charset="-128"/>
-              <a:cs typeface="ＭＳ Ｐゴシック" pitchFamily="-111" charset="-128"/>
-            </a:endParaRPr>
+            <a:endParaRPr lang="en-US"/>
           </a:p>
         </p:txBody>
       </p:sp>
     </p:spTree>
     <p:extLst>
       <p:ext uri="{BB962C8B-B14F-4D97-AF65-F5344CB8AC3E}">
-        <p14:creationId xmlns:p14="http://schemas.microsoft.com/office/powerpoint/2010/main" val="524099174"/>
+        <p14:creationId xmlns:p14="http://schemas.microsoft.com/office/powerpoint/2010/main" val="2812741312"/>
       </p:ext>
     </p:extLst>
   </p:cSld>
@@ -1584,99 +1520,6 @@
       </p:grpSpPr>
       <p:sp>
         <p:nvSpPr>
-          <p:cNvPr id="2" name="Slide Image Placeholder 1"/>
-          <p:cNvSpPr>
-            <a:spLocks noGrp="1" noRot="1" noChangeAspect="1"/>
-          </p:cNvSpPr>
-          <p:nvPr>
-            <p:ph type="sldImg"/>
-          </p:nvPr>
-        </p:nvSpPr>
-        <p:spPr/>
-      </p:sp>
-      <p:sp>
-        <p:nvSpPr>
-          <p:cNvPr id="3" name="Notes Placeholder 2"/>
-          <p:cNvSpPr>
-            <a:spLocks noGrp="1"/>
-          </p:cNvSpPr>
-          <p:nvPr>
-            <p:ph type="body" idx="1"/>
-          </p:nvPr>
-        </p:nvSpPr>
-        <p:spPr/>
-        <p:txBody>
-          <a:bodyPr/>
-          <a:lstStyle/>
-          <a:p>
-            <a:r>
-              <a:rPr lang="en-US"/>
-              <a:t>Stopped here</a:t>
-            </a:r>
-          </a:p>
-        </p:txBody>
-      </p:sp>
-      <p:sp>
-        <p:nvSpPr>
-          <p:cNvPr id="4" name="Slide Number Placeholder 3"/>
-          <p:cNvSpPr>
-            <a:spLocks noGrp="1"/>
-          </p:cNvSpPr>
-          <p:nvPr>
-            <p:ph type="sldNum" sz="quarter" idx="10"/>
-          </p:nvPr>
-        </p:nvSpPr>
-        <p:spPr/>
-        <p:txBody>
-          <a:bodyPr/>
-          <a:lstStyle/>
-          <a:p>
-            <a:pPr>
-              <a:defRPr/>
-            </a:pPr>
-            <a:fld id="{6D73A2DA-E95A-AA45-AAB9-6B7375ED86E2}" type="slidenum">
-              <a:rPr lang="en-US" smtClean="0"/>
-              <a:pPr>
-                <a:defRPr/>
-              </a:pPr>
-              <a:t>34</a:t>
-            </a:fld>
-            <a:endParaRPr lang="en-US"/>
-          </a:p>
-        </p:txBody>
-      </p:sp>
-    </p:spTree>
-    <p:extLst>
-      <p:ext uri="{BB962C8B-B14F-4D97-AF65-F5344CB8AC3E}">
-        <p14:creationId xmlns:p14="http://schemas.microsoft.com/office/powerpoint/2010/main" val="2812741312"/>
-      </p:ext>
-    </p:extLst>
-  </p:cSld>
-  <p:clrMapOvr>
-    <a:masterClrMapping/>
-  </p:clrMapOvr>
-</p:notes>
-</file>
-
-<file path=ppt/notesSlides/notesSlide19.xml><?xml version="1.0" encoding="utf-8"?>
-<p:notes xmlns:a="http://schemas.openxmlformats.org/drawingml/2006/main" xmlns:r="http://schemas.openxmlformats.org/officeDocument/2006/relationships" xmlns:p="http://schemas.openxmlformats.org/presentationml/2006/main">
-  <p:cSld>
-    <p:spTree>
-      <p:nvGrpSpPr>
-        <p:cNvPr id="1" name=""/>
-        <p:cNvGrpSpPr/>
-        <p:nvPr/>
-      </p:nvGrpSpPr>
-      <p:grpSpPr>
-        <a:xfrm>
-          <a:off x="0" y="0"/>
-          <a:ext cx="0" cy="0"/>
-          <a:chOff x="0" y="0"/>
-          <a:chExt cx="0" cy="0"/>
-        </a:xfrm>
-      </p:grpSpPr>
-      <p:sp>
-        <p:nvSpPr>
           <p:cNvPr id="61442" name="Slide Image Placeholder 1"/>
           <p:cNvSpPr>
             <a:spLocks noGrp="1" noRot="1" noChangeAspect="1"/>
@@ -1751,7 +1594,7 @@
                 <a:cs typeface="ＭＳ Ｐゴシック" pitchFamily="-111" charset="-128"/>
               </a:rPr>
               <a:pPr/>
-              <a:t>35</a:t>
+              <a:t>34</a:t>
             </a:fld>
             <a:endParaRPr lang="en-US">
               <a:latin typeface="Times" pitchFamily="-111" charset="0"/>
@@ -1848,7 +1691,7 @@
     </p:spTree>
     <p:extLst>
       <p:ext uri="{BB962C8B-B14F-4D97-AF65-F5344CB8AC3E}">
-        <p14:creationId xmlns:p14="http://schemas.microsoft.com/office/powerpoint/2010/main" val="3836939478"/>
+        <p14:creationId xmlns:p14="http://schemas.microsoft.com/office/powerpoint/2010/main" val="717121468"/>
       </p:ext>
     </p:extLst>
   </p:cSld>
@@ -1923,7 +1766,7 @@
           <a:p>
             <a:fld id="{AA0A589D-B577-494C-AEB5-A5D4F1908003}" type="slidenum">
               <a:rPr lang="en-US" smtClean="0"/>
-              <a:t>3</a:t>
+              <a:t>4</a:t>
             </a:fld>
             <a:endParaRPr lang="en-US"/>
           </a:p>
@@ -1932,7 +1775,7 @@
     </p:spTree>
     <p:extLst>
       <p:ext uri="{BB962C8B-B14F-4D97-AF65-F5344CB8AC3E}">
-        <p14:creationId xmlns:p14="http://schemas.microsoft.com/office/powerpoint/2010/main" val="717121468"/>
+        <p14:creationId xmlns:p14="http://schemas.microsoft.com/office/powerpoint/2010/main" val="2342210"/>
       </p:ext>
     </p:extLst>
   </p:cSld>
@@ -2016,7 +1859,7 @@
     </p:spTree>
     <p:extLst>
       <p:ext uri="{BB962C8B-B14F-4D97-AF65-F5344CB8AC3E}">
-        <p14:creationId xmlns:p14="http://schemas.microsoft.com/office/powerpoint/2010/main" val="2342210"/>
+        <p14:creationId xmlns:p14="http://schemas.microsoft.com/office/powerpoint/2010/main" val="3836366048"/>
       </p:ext>
     </p:extLst>
   </p:cSld>
@@ -2100,7 +1943,7 @@
     </p:spTree>
     <p:extLst>
       <p:ext uri="{BB962C8B-B14F-4D97-AF65-F5344CB8AC3E}">
-        <p14:creationId xmlns:p14="http://schemas.microsoft.com/office/powerpoint/2010/main" val="3836366048"/>
+        <p14:creationId xmlns:p14="http://schemas.microsoft.com/office/powerpoint/2010/main" val="3412799224"/>
       </p:ext>
     </p:extLst>
   </p:cSld>
@@ -2184,7 +2027,7 @@
     </p:spTree>
     <p:extLst>
       <p:ext uri="{BB962C8B-B14F-4D97-AF65-F5344CB8AC3E}">
-        <p14:creationId xmlns:p14="http://schemas.microsoft.com/office/powerpoint/2010/main" val="3412799224"/>
+        <p14:creationId xmlns:p14="http://schemas.microsoft.com/office/powerpoint/2010/main" val="962229623"/>
       </p:ext>
     </p:extLst>
   </p:cSld>
@@ -2213,7 +2056,7 @@
       </p:grpSpPr>
       <p:sp>
         <p:nvSpPr>
-          <p:cNvPr id="2" name="Slide Image Placeholder 1"/>
+          <p:cNvPr id="23554" name="Slide Image Placeholder 1"/>
           <p:cNvSpPr>
             <a:spLocks noGrp="1" noRot="1" noChangeAspect="1"/>
           </p:cNvSpPr>
@@ -2221,11 +2064,21 @@
             <p:ph type="sldImg"/>
           </p:nvPr>
         </p:nvSpPr>
-        <p:spPr/>
-      </p:sp>
-      <p:sp>
-        <p:nvSpPr>
-          <p:cNvPr id="3" name="Notes Placeholder 2"/>
+        <p:spPr bwMode="auto">
+          <a:noFill/>
+          <a:ln>
+            <a:solidFill>
+              <a:srgbClr val="000000"/>
+            </a:solidFill>
+            <a:miter lim="800000"/>
+            <a:headEnd/>
+            <a:tailEnd/>
+          </a:ln>
+        </p:spPr>
+      </p:sp>
+      <p:sp>
+        <p:nvSpPr>
+          <p:cNvPr id="23555" name="Notes Placeholder 2"/>
           <p:cNvSpPr>
             <a:spLocks noGrp="1"/>
           </p:cNvSpPr>
@@ -2233,18 +2086,31 @@
             <p:ph type="body" idx="1"/>
           </p:nvPr>
         </p:nvSpPr>
-        <p:spPr/>
+        <p:spPr bwMode="auto">
+          <a:noFill/>
+        </p:spPr>
         <p:txBody>
           <a:bodyPr/>
           <a:lstStyle/>
           <a:p>
-            <a:endParaRPr lang="en-US" dirty="0"/>
-          </a:p>
-        </p:txBody>
-      </p:sp>
-      <p:sp>
-        <p:nvSpPr>
-          <p:cNvPr id="4" name="Slide Number Placeholder 3"/>
+            <a:pPr eaLnBrk="1" hangingPunct="1"/>
+            <a:endParaRPr lang="en-US">
+              <a:ea typeface="ＭＳ Ｐゴシック" pitchFamily="-111" charset="-128"/>
+              <a:cs typeface="ＭＳ Ｐゴシック" pitchFamily="-111" charset="-128"/>
+            </a:endParaRPr>
+          </a:p>
+          <a:p>
+            <a:pPr eaLnBrk="1" hangingPunct="1"/>
+            <a:endParaRPr lang="en-US">
+              <a:ea typeface="ＭＳ Ｐゴシック" pitchFamily="-111" charset="-128"/>
+              <a:cs typeface="ＭＳ Ｐゴシック" pitchFamily="-111" charset="-128"/>
+            </a:endParaRPr>
+          </a:p>
+        </p:txBody>
+      </p:sp>
+      <p:sp>
+        <p:nvSpPr>
+          <p:cNvPr id="23556" name="Slide Number Placeholder 3"/>
           <p:cNvSpPr>
             <a:spLocks noGrp="1"/>
           </p:cNvSpPr>
@@ -2252,23 +2118,39 @@
             <p:ph type="sldNum" sz="quarter" idx="5"/>
           </p:nvPr>
         </p:nvSpPr>
-        <p:spPr/>
+        <p:spPr bwMode="auto">
+          <a:noFill/>
+          <a:ln>
+            <a:miter lim="800000"/>
+            <a:headEnd/>
+            <a:tailEnd/>
+          </a:ln>
+        </p:spPr>
         <p:txBody>
           <a:bodyPr/>
           <a:lstStyle/>
           <a:p>
-            <a:fld id="{AA0A589D-B577-494C-AEB5-A5D4F1908003}" type="slidenum">
-              <a:rPr lang="en-US" smtClean="0"/>
-              <a:t>8</a:t>
+            <a:fld id="{1E46FCAA-0BE1-BE41-9AB6-0A7F39EECBF8}" type="slidenum">
+              <a:rPr lang="en-US" smtClean="0">
+                <a:latin typeface="Arial" pitchFamily="-111" charset="0"/>
+                <a:ea typeface="ＭＳ Ｐゴシック" pitchFamily="-111" charset="-128"/>
+                <a:cs typeface="ＭＳ Ｐゴシック" pitchFamily="-111" charset="-128"/>
+              </a:rPr>
+              <a:pPr/>
+              <a:t>9</a:t>
             </a:fld>
-            <a:endParaRPr lang="en-US"/>
+            <a:endParaRPr lang="en-US">
+              <a:latin typeface="Arial" pitchFamily="-111" charset="0"/>
+              <a:ea typeface="ＭＳ Ｐゴシック" pitchFamily="-111" charset="-128"/>
+              <a:cs typeface="ＭＳ Ｐゴシック" pitchFamily="-111" charset="-128"/>
+            </a:endParaRPr>
           </a:p>
         </p:txBody>
       </p:sp>
     </p:spTree>
     <p:extLst>
       <p:ext uri="{BB962C8B-B14F-4D97-AF65-F5344CB8AC3E}">
-        <p14:creationId xmlns:p14="http://schemas.microsoft.com/office/powerpoint/2010/main" val="962229623"/>
+        <p14:creationId xmlns:p14="http://schemas.microsoft.com/office/powerpoint/2010/main" val="429133341"/>
       </p:ext>
     </p:extLst>
   </p:cSld>
@@ -2297,63 +2179,9 @@
       </p:grpSpPr>
       <p:sp>
         <p:nvSpPr>
-          <p:cNvPr id="23554" name="Slide Image Placeholder 1"/>
-          <p:cNvSpPr>
-            <a:spLocks noGrp="1" noRot="1" noChangeAspect="1"/>
-          </p:cNvSpPr>
-          <p:nvPr>
-            <p:ph type="sldImg"/>
-          </p:nvPr>
-        </p:nvSpPr>
-        <p:spPr bwMode="auto">
-          <a:noFill/>
-          <a:ln>
-            <a:solidFill>
-              <a:srgbClr val="000000"/>
-            </a:solidFill>
-            <a:miter lim="800000"/>
-            <a:headEnd/>
-            <a:tailEnd/>
-          </a:ln>
-        </p:spPr>
-      </p:sp>
-      <p:sp>
-        <p:nvSpPr>
-          <p:cNvPr id="23555" name="Notes Placeholder 2"/>
-          <p:cNvSpPr>
-            <a:spLocks noGrp="1"/>
-          </p:cNvSpPr>
-          <p:nvPr>
-            <p:ph type="body" idx="1"/>
-          </p:nvPr>
-        </p:nvSpPr>
-        <p:spPr bwMode="auto">
-          <a:noFill/>
-        </p:spPr>
-        <p:txBody>
-          <a:bodyPr/>
-          <a:lstStyle/>
-          <a:p>
-            <a:pPr eaLnBrk="1" hangingPunct="1"/>
-            <a:endParaRPr lang="en-US">
-              <a:ea typeface="ＭＳ Ｐゴシック" pitchFamily="-111" charset="-128"/>
-              <a:cs typeface="ＭＳ Ｐゴシック" pitchFamily="-111" charset="-128"/>
-            </a:endParaRPr>
-          </a:p>
-          <a:p>
-            <a:pPr eaLnBrk="1" hangingPunct="1"/>
-            <a:endParaRPr lang="en-US">
-              <a:ea typeface="ＭＳ Ｐゴシック" pitchFamily="-111" charset="-128"/>
-              <a:cs typeface="ＭＳ Ｐゴシック" pitchFamily="-111" charset="-128"/>
-            </a:endParaRPr>
-          </a:p>
-        </p:txBody>
-      </p:sp>
-      <p:sp>
-        <p:nvSpPr>
-          <p:cNvPr id="23556" name="Slide Number Placeholder 3"/>
-          <p:cNvSpPr>
-            <a:spLocks noGrp="1"/>
+          <p:cNvPr id="26626" name="Rectangle 7"/>
+          <p:cNvSpPr>
+            <a:spLocks noGrp="1" noChangeArrowheads="1"/>
           </p:cNvSpPr>
           <p:nvPr>
             <p:ph type="sldNum" sz="quarter" idx="5"/>
@@ -2371,8 +2199,8 @@
           <a:bodyPr/>
           <a:lstStyle/>
           <a:p>
-            <a:fld id="{1E46FCAA-0BE1-BE41-9AB6-0A7F39EECBF8}" type="slidenum">
-              <a:rPr lang="en-US" smtClean="0">
+            <a:fld id="{1C7C80F8-04F5-F54D-A091-2DC6BCF0619E}" type="slidenum">
+              <a:rPr lang="en-US">
                 <a:latin typeface="Arial" pitchFamily="-111" charset="0"/>
                 <a:ea typeface="ＭＳ Ｐゴシック" pitchFamily="-111" charset="-128"/>
                 <a:cs typeface="ＭＳ Ｐゴシック" pitchFamily="-111" charset="-128"/>
@@ -2388,10 +2216,118 @@
           </a:p>
         </p:txBody>
       </p:sp>
+      <p:sp>
+        <p:nvSpPr>
+          <p:cNvPr id="26627" name="Rectangle 2"/>
+          <p:cNvSpPr>
+            <a:spLocks noGrp="1" noRot="1" noChangeAspect="1" noChangeArrowheads="1" noTextEdit="1"/>
+          </p:cNvSpPr>
+          <p:nvPr>
+            <p:ph type="sldImg"/>
+          </p:nvPr>
+        </p:nvSpPr>
+        <p:spPr bwMode="auto">
+          <a:noFill/>
+          <a:ln>
+            <a:solidFill>
+              <a:srgbClr val="000000"/>
+            </a:solidFill>
+            <a:miter lim="800000"/>
+            <a:headEnd/>
+            <a:tailEnd/>
+          </a:ln>
+        </p:spPr>
+      </p:sp>
+      <p:sp>
+        <p:nvSpPr>
+          <p:cNvPr id="26628" name="Rectangle 3"/>
+          <p:cNvSpPr>
+            <a:spLocks noGrp="1" noChangeArrowheads="1"/>
+          </p:cNvSpPr>
+          <p:nvPr>
+            <p:ph type="body" idx="1"/>
+          </p:nvPr>
+        </p:nvSpPr>
+        <p:spPr bwMode="auto">
+          <a:noFill/>
+        </p:spPr>
+        <p:txBody>
+          <a:bodyPr/>
+          <a:lstStyle/>
+          <a:p>
+            <a:r>
+              <a:rPr lang="en-US" sz="1600">
+                <a:ea typeface="ＭＳ Ｐゴシック" pitchFamily="-111" charset="-128"/>
+                <a:cs typeface="ＭＳ Ｐゴシック" pitchFamily="-111" charset="-128"/>
+              </a:rPr>
+              <a:t>Ask class for examples and provide some…</a:t>
+            </a:r>
+          </a:p>
+          <a:p>
+            <a:endParaRPr lang="en-US" sz="1600">
+              <a:ea typeface="ＭＳ Ｐゴシック" pitchFamily="-111" charset="-128"/>
+              <a:cs typeface="ＭＳ Ｐゴシック" pitchFamily="-111" charset="-128"/>
+            </a:endParaRPr>
+          </a:p>
+          <a:p>
+            <a:r>
+              <a:rPr lang="en-US" sz="1600">
+                <a:ea typeface="ＭＳ Ｐゴシック" pitchFamily="-111" charset="-128"/>
+                <a:cs typeface="ＭＳ Ｐゴシック" pitchFamily="-111" charset="-128"/>
+              </a:rPr>
+              <a:t>Communication</a:t>
+            </a:r>
+          </a:p>
+          <a:p>
+            <a:pPr>
+              <a:buFontTx/>
+              <a:buChar char="•"/>
+            </a:pPr>
+            <a:r>
+              <a:rPr lang="en-US" sz="1600">
+                <a:ea typeface="ＭＳ Ｐゴシック" pitchFamily="-111" charset="-128"/>
+                <a:cs typeface="ＭＳ Ｐゴシック" pitchFamily="-111" charset="-128"/>
+              </a:rPr>
+              <a:t>emails, written communication, conversations, signed conversations, gestures, nonverbal actions</a:t>
+            </a:r>
+          </a:p>
+          <a:p>
+            <a:r>
+              <a:rPr lang="en-US" sz="1600">
+                <a:ea typeface="ＭＳ Ｐゴシック" pitchFamily="-111" charset="-128"/>
+                <a:cs typeface="ＭＳ Ｐゴシック" pitchFamily="-111" charset="-128"/>
+              </a:rPr>
+              <a:t>Language</a:t>
+            </a:r>
+          </a:p>
+          <a:p>
+            <a:pPr>
+              <a:buFontTx/>
+              <a:buChar char="•"/>
+            </a:pPr>
+            <a:r>
+              <a:rPr lang="en-US" sz="1600">
+                <a:ea typeface="ＭＳ Ｐゴシック" pitchFamily="-111" charset="-128"/>
+                <a:cs typeface="ＭＳ Ｐゴシック" pitchFamily="-111" charset="-128"/>
+              </a:rPr>
+              <a:t>Different languages, manual sign language</a:t>
+            </a:r>
+          </a:p>
+          <a:p>
+            <a:r>
+              <a:rPr lang="en-US" sz="1600">
+                <a:ea typeface="ＭＳ Ｐゴシック" pitchFamily="-111" charset="-128"/>
+                <a:cs typeface="ＭＳ Ｐゴシック" pitchFamily="-111" charset="-128"/>
+              </a:rPr>
+              <a:t>Speech</a:t>
+            </a:r>
+          </a:p>
+        </p:txBody>
+      </p:sp>
     </p:spTree>
     <p:extLst>
       <p:ext uri="{BB962C8B-B14F-4D97-AF65-F5344CB8AC3E}">
-        <p14:creationId xmlns:p14="http://schemas.microsoft.com/office/powerpoint/2010/main" val="429133341"/>
+        <p14:creationId xmlns:p14="http://schemas.microsoft.com/office/powerpoint/2010/main" val="1193975561"/>
       </p:ext>
     </p:extLst>
   </p:cSld>
@@ -2420,9 +2356,93 @@
       </p:grpSpPr>
       <p:sp>
         <p:nvSpPr>
-          <p:cNvPr id="26626" name="Rectangle 7"/>
-          <p:cNvSpPr>
-            <a:spLocks noGrp="1" noChangeArrowheads="1"/>
+          <p:cNvPr id="28674" name="Slide Image Placeholder 1"/>
+          <p:cNvSpPr>
+            <a:spLocks noGrp="1" noRot="1" noChangeAspect="1"/>
+          </p:cNvSpPr>
+          <p:nvPr>
+            <p:ph type="sldImg"/>
+          </p:nvPr>
+        </p:nvSpPr>
+        <p:spPr bwMode="auto">
+          <a:noFill/>
+          <a:ln>
+            <a:solidFill>
+              <a:srgbClr val="000000"/>
+            </a:solidFill>
+            <a:miter lim="800000"/>
+            <a:headEnd/>
+            <a:tailEnd/>
+          </a:ln>
+        </p:spPr>
+      </p:sp>
+      <p:sp>
+        <p:nvSpPr>
+          <p:cNvPr id="28675" name="Notes Placeholder 2"/>
+          <p:cNvSpPr>
+            <a:spLocks noGrp="1"/>
+          </p:cNvSpPr>
+          <p:nvPr>
+            <p:ph type="body" idx="1"/>
+          </p:nvPr>
+        </p:nvSpPr>
+        <p:spPr bwMode="auto">
+          <a:noFill/>
+        </p:spPr>
+        <p:txBody>
+          <a:bodyPr/>
+          <a:lstStyle/>
+          <a:p>
+            <a:pPr eaLnBrk="1" hangingPunct="1"/>
+            <a:r>
+              <a:rPr lang="en-US">
+                <a:ea typeface="ＭＳ Ｐゴシック" pitchFamily="-111" charset="-128"/>
+                <a:cs typeface="ＭＳ Ｐゴシック" pitchFamily="-111" charset="-128"/>
+              </a:rPr>
+              <a:t>What is phonology?</a:t>
+            </a:r>
+          </a:p>
+          <a:p>
+            <a:pPr eaLnBrk="1" hangingPunct="1"/>
+            <a:endParaRPr lang="en-US">
+              <a:ea typeface="ＭＳ Ｐゴシック" pitchFamily="-111" charset="-128"/>
+              <a:cs typeface="ＭＳ Ｐゴシック" pitchFamily="-111" charset="-128"/>
+            </a:endParaRPr>
+          </a:p>
+          <a:p>
+            <a:pPr lvl="1" eaLnBrk="1" hangingPunct="1">
+              <a:buFontTx/>
+              <a:buChar char="•"/>
+            </a:pPr>
+            <a:r>
+              <a:rPr lang="en-US" sz="1600"/>
+              <a:t>Organic- attributable to physical conditions</a:t>
+            </a:r>
+          </a:p>
+          <a:p>
+            <a:pPr lvl="1" eaLnBrk="1" hangingPunct="1">
+              <a:buFontTx/>
+              <a:buChar char="•"/>
+            </a:pPr>
+            <a:r>
+              <a:rPr lang="en-US" sz="1600"/>
+              <a:t>Functional- no attributable physical cause </a:t>
+            </a:r>
+          </a:p>
+          <a:p>
+            <a:pPr eaLnBrk="1" hangingPunct="1"/>
+            <a:endParaRPr lang="en-US">
+              <a:ea typeface="ＭＳ Ｐゴシック" pitchFamily="-111" charset="-128"/>
+              <a:cs typeface="ＭＳ Ｐゴシック" pitchFamily="-111" charset="-128"/>
+            </a:endParaRPr>
+          </a:p>
+        </p:txBody>
+      </p:sp>
+      <p:sp>
+        <p:nvSpPr>
+          <p:cNvPr id="28676" name="Slide Number Placeholder 3"/>
+          <p:cNvSpPr>
+            <a:spLocks noGrp="1"/>
           </p:cNvSpPr>
           <p:nvPr>
             <p:ph type="sldNum" sz="quarter" idx="5"/>
@@ -2440,8 +2460,8 @@
           <a:bodyPr/>
           <a:lstStyle/>
           <a:p>
-            <a:fld id="{1C7C80F8-04F5-F54D-A091-2DC6BCF0619E}" type="slidenum">
-              <a:rPr lang="en-US">
+            <a:fld id="{F86EE2FD-B38E-9545-BDA0-90EC07C07D41}" type="slidenum">
+              <a:rPr lang="en-US" smtClean="0">
                 <a:latin typeface="Arial" pitchFamily="-111" charset="0"/>
                 <a:ea typeface="ＭＳ Ｐゴシック" pitchFamily="-111" charset="-128"/>
                 <a:cs typeface="ＭＳ Ｐゴシック" pitchFamily="-111" charset="-128"/>
@@ -2457,118 +2477,10 @@
           </a:p>
         </p:txBody>
       </p:sp>
-      <p:sp>
-        <p:nvSpPr>
-          <p:cNvPr id="26627" name="Rectangle 2"/>
-          <p:cNvSpPr>
-            <a:spLocks noGrp="1" noRot="1" noChangeAspect="1" noChangeArrowheads="1" noTextEdit="1"/>
-          </p:cNvSpPr>
-          <p:nvPr>
-            <p:ph type="sldImg"/>
-          </p:nvPr>
-        </p:nvSpPr>
-        <p:spPr bwMode="auto">
-          <a:noFill/>
-          <a:ln>
-            <a:solidFill>
-              <a:srgbClr val="000000"/>
-            </a:solidFill>
-            <a:miter lim="800000"/>
-            <a:headEnd/>
-            <a:tailEnd/>
-          </a:ln>
-        </p:spPr>
-      </p:sp>
-      <p:sp>
-        <p:nvSpPr>
-          <p:cNvPr id="26628" name="Rectangle 3"/>
-          <p:cNvSpPr>
-            <a:spLocks noGrp="1" noChangeArrowheads="1"/>
-          </p:cNvSpPr>
-          <p:nvPr>
-            <p:ph type="body" idx="1"/>
-          </p:nvPr>
-        </p:nvSpPr>
-        <p:spPr bwMode="auto">
-          <a:noFill/>
-        </p:spPr>
-        <p:txBody>
-          <a:bodyPr/>
-          <a:lstStyle/>
-          <a:p>
-            <a:r>
-              <a:rPr lang="en-US" sz="1600">
-                <a:ea typeface="ＭＳ Ｐゴシック" pitchFamily="-111" charset="-128"/>
-                <a:cs typeface="ＭＳ Ｐゴシック" pitchFamily="-111" charset="-128"/>
-              </a:rPr>
-              <a:t>Ask class for examples and provide some…</a:t>
-            </a:r>
-          </a:p>
-          <a:p>
-            <a:endParaRPr lang="en-US" sz="1600">
-              <a:ea typeface="ＭＳ Ｐゴシック" pitchFamily="-111" charset="-128"/>
-              <a:cs typeface="ＭＳ Ｐゴシック" pitchFamily="-111" charset="-128"/>
-            </a:endParaRPr>
-          </a:p>
-          <a:p>
-            <a:r>
-              <a:rPr lang="en-US" sz="1600">
-                <a:ea typeface="ＭＳ Ｐゴシック" pitchFamily="-111" charset="-128"/>
-                <a:cs typeface="ＭＳ Ｐゴシック" pitchFamily="-111" charset="-128"/>
-              </a:rPr>
-              <a:t>Communication</a:t>
-            </a:r>
-          </a:p>
-          <a:p>
-            <a:pPr>
-              <a:buFontTx/>
-              <a:buChar char="•"/>
-            </a:pPr>
-            <a:r>
-              <a:rPr lang="en-US" sz="1600">
-                <a:ea typeface="ＭＳ Ｐゴシック" pitchFamily="-111" charset="-128"/>
-                <a:cs typeface="ＭＳ Ｐゴシック" pitchFamily="-111" charset="-128"/>
-              </a:rPr>
-              <a:t>emails, written communication, conversations, signed conversations, gestures, nonverbal actions</a:t>
-            </a:r>
-          </a:p>
-          <a:p>
-            <a:r>
-              <a:rPr lang="en-US" sz="1600">
-                <a:ea typeface="ＭＳ Ｐゴシック" pitchFamily="-111" charset="-128"/>
-                <a:cs typeface="ＭＳ Ｐゴシック" pitchFamily="-111" charset="-128"/>
-              </a:rPr>
-              <a:t>Language</a:t>
-            </a:r>
-          </a:p>
-          <a:p>
-            <a:pPr>
-              <a:buFontTx/>
-              <a:buChar char="•"/>
-            </a:pPr>
-            <a:r>
-              <a:rPr lang="en-US" sz="1600">
-                <a:ea typeface="ＭＳ Ｐゴシック" pitchFamily="-111" charset="-128"/>
-                <a:cs typeface="ＭＳ Ｐゴシック" pitchFamily="-111" charset="-128"/>
-              </a:rPr>
-              <a:t>Different languages, manual sign language</a:t>
-            </a:r>
-          </a:p>
-          <a:p>
-            <a:r>
-              <a:rPr lang="en-US" sz="1600">
-                <a:ea typeface="ＭＳ Ｐゴシック" pitchFamily="-111" charset="-128"/>
-                <a:cs typeface="ＭＳ Ｐゴシック" pitchFamily="-111" charset="-128"/>
-              </a:rPr>
-              <a:t>Speech</a:t>
-            </a:r>
-          </a:p>
-        </p:txBody>
-      </p:sp>
     </p:spTree>
     <p:extLst>
       <p:ext uri="{BB962C8B-B14F-4D97-AF65-F5344CB8AC3E}">
-        <p14:creationId xmlns:p14="http://schemas.microsoft.com/office/powerpoint/2010/main" val="1193975561"/>
+        <p14:creationId xmlns:p14="http://schemas.microsoft.com/office/powerpoint/2010/main" val="1060056159"/>
       </p:ext>
     </p:extLst>
   </p:cSld>
@@ -2725,7 +2637,7 @@
           <a:p>
             <a:fld id="{27E4FE3C-EBCA-A740-8729-6A883ECA46DC}" type="datetimeFigureOut">
               <a:rPr lang="en-US" smtClean="0"/>
-              <a:t>1/11/22</a:t>
+              <a:t>3/29/22</a:t>
             </a:fld>
             <a:endParaRPr lang="en-US"/>
           </a:p>
@@ -2923,7 +2835,7 @@
           <a:p>
             <a:fld id="{27E4FE3C-EBCA-A740-8729-6A883ECA46DC}" type="datetimeFigureOut">
               <a:rPr lang="en-US" smtClean="0"/>
-              <a:t>1/11/22</a:t>
+              <a:t>3/29/22</a:t>
             </a:fld>
             <a:endParaRPr lang="en-US"/>
           </a:p>
@@ -3131,7 +3043,7 @@
           <a:p>
             <a:fld id="{27E4FE3C-EBCA-A740-8729-6A883ECA46DC}" type="datetimeFigureOut">
               <a:rPr lang="en-US" smtClean="0"/>
-              <a:t>1/11/22</a:t>
+              <a:t>3/29/22</a:t>
             </a:fld>
             <a:endParaRPr lang="en-US"/>
           </a:p>
@@ -3329,7 +3241,7 @@
           <a:p>
             <a:fld id="{27E4FE3C-EBCA-A740-8729-6A883ECA46DC}" type="datetimeFigureOut">
               <a:rPr lang="en-US" smtClean="0"/>
-              <a:t>1/11/22</a:t>
+              <a:t>3/29/22</a:t>
             </a:fld>
             <a:endParaRPr lang="en-US"/>
           </a:p>
@@ -3604,7 +3516,7 @@
           <a:p>
             <a:fld id="{27E4FE3C-EBCA-A740-8729-6A883ECA46DC}" type="datetimeFigureOut">
               <a:rPr lang="en-US" smtClean="0"/>
-              <a:t>1/11/22</a:t>
+              <a:t>3/29/22</a:t>
             </a:fld>
             <a:endParaRPr lang="en-US"/>
           </a:p>
@@ -3869,7 +3781,7 @@
           <a:p>
             <a:fld id="{27E4FE3C-EBCA-A740-8729-6A883ECA46DC}" type="datetimeFigureOut">
               <a:rPr lang="en-US" smtClean="0"/>
-              <a:t>1/11/22</a:t>
+              <a:t>3/29/22</a:t>
             </a:fld>
             <a:endParaRPr lang="en-US"/>
           </a:p>
@@ -4281,7 +4193,7 @@
           <a:p>
             <a:fld id="{27E4FE3C-EBCA-A740-8729-6A883ECA46DC}" type="datetimeFigureOut">
               <a:rPr lang="en-US" smtClean="0"/>
-              <a:t>1/11/22</a:t>
+              <a:t>3/29/22</a:t>
             </a:fld>
             <a:endParaRPr lang="en-US"/>
           </a:p>
@@ -4422,7 +4334,7 @@
           <a:p>
             <a:fld id="{27E4FE3C-EBCA-A740-8729-6A883ECA46DC}" type="datetimeFigureOut">
               <a:rPr lang="en-US" smtClean="0"/>
-              <a:t>1/11/22</a:t>
+              <a:t>3/29/22</a:t>
             </a:fld>
             <a:endParaRPr lang="en-US"/>
           </a:p>
@@ -4535,7 +4447,7 @@
           <a:p>
             <a:fld id="{27E4FE3C-EBCA-A740-8729-6A883ECA46DC}" type="datetimeFigureOut">
               <a:rPr lang="en-US" smtClean="0"/>
-              <a:t>1/11/22</a:t>
+              <a:t>3/29/22</a:t>
             </a:fld>
             <a:endParaRPr lang="en-US"/>
           </a:p>
@@ -4846,7 +4758,7 @@
           <a:p>
             <a:fld id="{27E4FE3C-EBCA-A740-8729-6A883ECA46DC}" type="datetimeFigureOut">
               <a:rPr lang="en-US" smtClean="0"/>
-              <a:t>1/11/22</a:t>
+              <a:t>3/29/22</a:t>
             </a:fld>
             <a:endParaRPr lang="en-US"/>
           </a:p>
@@ -5134,7 +5046,7 @@
           <a:p>
             <a:fld id="{27E4FE3C-EBCA-A740-8729-6A883ECA46DC}" type="datetimeFigureOut">
               <a:rPr lang="en-US" smtClean="0"/>
-              <a:t>1/11/22</a:t>
+              <a:t>3/29/22</a:t>
             </a:fld>
             <a:endParaRPr lang="en-US"/>
           </a:p>
@@ -5405,7 +5317,7 @@
           <a:p>
             <a:fld id="{27E4FE3C-EBCA-A740-8729-6A883ECA46DC}" type="datetimeFigureOut">
               <a:rPr lang="en-US" smtClean="0"/>
-              <a:t>1/11/22</a:t>
+              <a:t>3/29/22</a:t>
             </a:fld>
             <a:endParaRPr lang="en-US"/>
           </a:p>
@@ -5832,9 +5744,16 @@
             <p:ph type="title"/>
           </p:nvPr>
         </p:nvSpPr>
-        <p:spPr/>
-        <p:txBody>
-          <a:bodyPr/>
+        <p:spPr>
+          <a:xfrm>
+            <a:off x="1927412" y="365127"/>
+            <a:ext cx="8337176" cy="1325563"/>
+          </a:xfrm>
+        </p:spPr>
+        <p:txBody>
+          <a:bodyPr>
+            <a:normAutofit fontScale="90000"/>
+          </a:bodyPr>
           <a:lstStyle/>
           <a:p>
             <a:r>
@@ -5843,316 +5762,120 @@
                   <a:srgbClr val="FF0000"/>
                 </a:solidFill>
               </a:rPr>
-              <a:t>Activity #2:  Specify Reasons for Assessment</a:t>
+              <a:t>Activity #3:  Speech Sound Disorder Review</a:t>
             </a:r>
             <a:br>
               <a:rPr lang="en-US" dirty="0"/>
             </a:br>
             <a:r>
-              <a:rPr lang="en-US" sz="1800" dirty="0"/>
+              <a:rPr lang="en-US" sz="2000" dirty="0"/>
               <a:t>Large Group Activity</a:t>
             </a:r>
             <a:endParaRPr lang="en-US" dirty="0"/>
           </a:p>
         </p:txBody>
       </p:sp>
-      <p:graphicFrame>
-        <p:nvGraphicFramePr>
-          <p:cNvPr id="4" name="Table 3"/>
-          <p:cNvGraphicFramePr>
-            <a:graphicFrameLocks noGrp="1"/>
-          </p:cNvGraphicFramePr>
-          <p:nvPr/>
-        </p:nvGraphicFramePr>
-        <p:xfrm>
-          <a:off x="2029945" y="1962718"/>
-          <a:ext cx="8009405" cy="4023360"/>
-        </p:xfrm>
-        <a:graphic>
-          <a:graphicData uri="http://schemas.openxmlformats.org/drawingml/2006/table">
-            <a:tbl>
-              <a:tblPr firstRow="1" firstCol="1" lastRow="1" lastCol="1" bandRow="1" bandCol="1">
-                <a:tableStyleId>{5C22544A-7EE6-4342-B048-85BDC9FD1C3A}</a:tableStyleId>
-              </a:tblPr>
-              <a:tblGrid>
-                <a:gridCol w="3900232">
-                  <a:extLst>
-                    <a:ext uri="{9D8B030D-6E8A-4147-A177-3AD203B41FA5}">
-                      <a16:colId xmlns:a16="http://schemas.microsoft.com/office/drawing/2014/main" val="20000"/>
-                    </a:ext>
-                  </a:extLst>
-                </a:gridCol>
-                <a:gridCol w="4109173">
-                  <a:extLst>
-                    <a:ext uri="{9D8B030D-6E8A-4147-A177-3AD203B41FA5}">
-                      <a16:colId xmlns:a16="http://schemas.microsoft.com/office/drawing/2014/main" val="20001"/>
-                    </a:ext>
-                  </a:extLst>
-                </a:gridCol>
-              </a:tblGrid>
-              <a:tr h="3523681">
-                <a:tc>
-                  <a:txBody>
-                    <a:bodyPr/>
-                    <a:lstStyle/>
-                    <a:p>
-                      <a:pPr marL="0" marR="0">
-                        <a:spcBef>
-                          <a:spcPts val="0"/>
-                        </a:spcBef>
-                        <a:spcAft>
-                          <a:spcPts val="0"/>
-                        </a:spcAft>
-                      </a:pPr>
-                      <a:r>
-                        <a:rPr lang="en-US" sz="2400" dirty="0">
-                          <a:effectLst/>
-                        </a:rPr>
-                        <a:t>Diagnostic:</a:t>
-                      </a:r>
-                    </a:p>
-                    <a:p>
-                      <a:pPr marL="0" marR="0">
-                        <a:spcBef>
-                          <a:spcPts val="0"/>
-                        </a:spcBef>
-                        <a:spcAft>
-                          <a:spcPts val="0"/>
-                        </a:spcAft>
-                      </a:pPr>
-                      <a:r>
-                        <a:rPr lang="en-US" sz="2400" dirty="0">
-                          <a:effectLst/>
-                        </a:rPr>
-                        <a:t>__Make a (new) diagnosis</a:t>
-                      </a:r>
-                    </a:p>
-                    <a:p>
-                      <a:pPr marL="0" marR="0">
-                        <a:spcBef>
-                          <a:spcPts val="0"/>
-                        </a:spcBef>
-                        <a:spcAft>
-                          <a:spcPts val="0"/>
-                        </a:spcAft>
-                      </a:pPr>
-                      <a:r>
-                        <a:rPr lang="en-US" sz="2400" dirty="0">
-                          <a:effectLst/>
-                        </a:rPr>
-                        <a:t>__Determine whether a diagnosis is still present</a:t>
-                      </a:r>
-                    </a:p>
-                    <a:p>
-                      <a:pPr marL="0" marR="0">
-                        <a:spcBef>
-                          <a:spcPts val="0"/>
-                        </a:spcBef>
-                        <a:spcAft>
-                          <a:spcPts val="0"/>
-                        </a:spcAft>
-                      </a:pPr>
-                      <a:r>
-                        <a:rPr lang="en-US" sz="2400" dirty="0">
-                          <a:effectLst/>
-                        </a:rPr>
-                        <a:t>__Determine (ongoing) eligibility/need for service</a:t>
-                      </a:r>
-                    </a:p>
-                    <a:p>
-                      <a:pPr marL="0" marR="0">
-                        <a:spcBef>
-                          <a:spcPts val="0"/>
-                        </a:spcBef>
-                        <a:spcAft>
-                          <a:spcPts val="0"/>
-                        </a:spcAft>
-                      </a:pPr>
-                      <a:r>
-                        <a:rPr lang="en-US" sz="2400" dirty="0">
-                          <a:effectLst/>
-                        </a:rPr>
-                        <a:t>__ Other: </a:t>
-                      </a:r>
-                    </a:p>
-                    <a:p>
-                      <a:pPr marL="0" marR="0">
-                        <a:spcBef>
-                          <a:spcPts val="0"/>
-                        </a:spcBef>
-                        <a:spcAft>
-                          <a:spcPts val="0"/>
-                        </a:spcAft>
-                      </a:pPr>
-                      <a:r>
-                        <a:rPr lang="en-US" sz="2400" dirty="0">
-                          <a:effectLst/>
-                        </a:rPr>
-                        <a:t> </a:t>
-                      </a:r>
-                    </a:p>
-                    <a:p>
-                      <a:pPr marL="0" marR="0">
-                        <a:spcBef>
-                          <a:spcPts val="0"/>
-                        </a:spcBef>
-                        <a:spcAft>
-                          <a:spcPts val="0"/>
-                        </a:spcAft>
-                      </a:pPr>
-                      <a:r>
-                        <a:rPr lang="en-US" sz="2400" dirty="0">
-                          <a:effectLst/>
-                        </a:rPr>
-                        <a:t> </a:t>
-                      </a:r>
-                      <a:endParaRPr lang="en-US" sz="2400" dirty="0">
-                        <a:effectLst/>
-                        <a:latin typeface="Times New Roman" charset="0"/>
-                        <a:ea typeface="Times New Roman" charset="0"/>
-                      </a:endParaRPr>
-                    </a:p>
-                  </a:txBody>
-                  <a:tcPr marL="68580" marR="68580" marT="0" marB="0"/>
-                </a:tc>
-                <a:tc>
-                  <a:txBody>
-                    <a:bodyPr/>
-                    <a:lstStyle/>
-                    <a:p>
-                      <a:pPr marL="0" marR="0">
-                        <a:spcBef>
-                          <a:spcPts val="0"/>
-                        </a:spcBef>
-                        <a:spcAft>
-                          <a:spcPts val="0"/>
-                        </a:spcAft>
-                      </a:pPr>
-                      <a:r>
-                        <a:rPr lang="en-US" sz="2400" dirty="0">
-                          <a:effectLst/>
-                        </a:rPr>
-                        <a:t>Programmatic:</a:t>
-                      </a:r>
-                    </a:p>
-                    <a:p>
-                      <a:pPr marL="0" marR="0">
-                        <a:spcBef>
-                          <a:spcPts val="0"/>
-                        </a:spcBef>
-                        <a:spcAft>
-                          <a:spcPts val="0"/>
-                        </a:spcAft>
-                      </a:pPr>
-                      <a:r>
-                        <a:rPr lang="en-US" sz="2400" dirty="0">
-                          <a:effectLst/>
-                        </a:rPr>
-                        <a:t>__Establish (new) goals</a:t>
-                      </a:r>
-                    </a:p>
-                    <a:p>
-                      <a:pPr marL="0" marR="0">
-                        <a:spcBef>
-                          <a:spcPts val="0"/>
-                        </a:spcBef>
-                        <a:spcAft>
-                          <a:spcPts val="0"/>
-                        </a:spcAft>
-                      </a:pPr>
-                      <a:r>
-                        <a:rPr lang="en-US" sz="2400" dirty="0">
-                          <a:effectLst/>
-                        </a:rPr>
-                        <a:t>__Determine (new) intervention approach </a:t>
-                      </a:r>
-                    </a:p>
-                    <a:p>
-                      <a:pPr marL="0" marR="0">
-                        <a:spcBef>
-                          <a:spcPts val="0"/>
-                        </a:spcBef>
-                        <a:spcAft>
-                          <a:spcPts val="0"/>
-                        </a:spcAft>
-                      </a:pPr>
-                      <a:r>
-                        <a:rPr lang="en-US" sz="2400" dirty="0">
-                          <a:effectLst/>
-                        </a:rPr>
-                        <a:t>__Establish a (new) baseline of performance </a:t>
-                      </a:r>
-                    </a:p>
-                    <a:p>
-                      <a:pPr marL="0" marR="0">
-                        <a:spcBef>
-                          <a:spcPts val="0"/>
-                        </a:spcBef>
-                        <a:spcAft>
-                          <a:spcPts val="0"/>
-                        </a:spcAft>
-                      </a:pPr>
-                      <a:r>
-                        <a:rPr lang="en-US" sz="2400" dirty="0">
-                          <a:effectLst/>
-                        </a:rPr>
-                        <a:t>__Document progress on current goals</a:t>
-                      </a:r>
-                    </a:p>
-                    <a:p>
-                      <a:pPr marL="0" marR="0">
-                        <a:spcBef>
-                          <a:spcPts val="0"/>
-                        </a:spcBef>
-                        <a:spcAft>
-                          <a:spcPts val="0"/>
-                        </a:spcAft>
-                      </a:pPr>
-                      <a:r>
-                        <a:rPr lang="en-US" sz="2400" dirty="0">
-                          <a:effectLst/>
-                        </a:rPr>
-                        <a:t>__Document progress in areas currently not targeted</a:t>
-                      </a:r>
-                    </a:p>
-                    <a:p>
-                      <a:pPr marL="0" marR="0">
-                        <a:spcBef>
-                          <a:spcPts val="0"/>
-                        </a:spcBef>
-                        <a:spcAft>
-                          <a:spcPts val="0"/>
-                        </a:spcAft>
-                      </a:pPr>
-                      <a:r>
-                        <a:rPr lang="en-US" sz="2400" dirty="0">
-                          <a:effectLst/>
-                        </a:rPr>
-                        <a:t>__Other:</a:t>
-                      </a:r>
-                      <a:endParaRPr lang="en-US" sz="2400" dirty="0">
-                        <a:effectLst/>
-                        <a:latin typeface="Times New Roman" charset="0"/>
-                        <a:ea typeface="Times New Roman" charset="0"/>
-                      </a:endParaRPr>
-                    </a:p>
-                  </a:txBody>
-                  <a:tcPr marL="68580" marR="68580" marT="0" marB="0"/>
-                </a:tc>
-                <a:extLst>
-                  <a:ext uri="{0D108BD9-81ED-4DB2-BD59-A6C34878D82A}">
-                    <a16:rowId xmlns:a16="http://schemas.microsoft.com/office/drawing/2014/main" val="10000"/>
-                  </a:ext>
-                </a:extLst>
-              </a:tr>
-            </a:tbl>
-          </a:graphicData>
-        </a:graphic>
-      </p:graphicFrame>
+      <p:sp>
+        <p:nvSpPr>
+          <p:cNvPr id="3" name="Content Placeholder 2"/>
+          <p:cNvSpPr>
+            <a:spLocks noGrp="1"/>
+          </p:cNvSpPr>
+          <p:nvPr>
+            <p:ph idx="1"/>
+          </p:nvPr>
+        </p:nvSpPr>
+        <p:spPr>
+          <a:xfrm>
+            <a:off x="2152650" y="1457635"/>
+            <a:ext cx="7829550" cy="5161826"/>
+          </a:xfrm>
+        </p:spPr>
+        <p:txBody>
+          <a:bodyPr>
+            <a:normAutofit fontScale="85000" lnSpcReduction="20000"/>
+          </a:bodyPr>
+          <a:lstStyle/>
+          <a:p>
+            <a:pPr marL="342900" lvl="1" indent="0">
+              <a:buNone/>
+            </a:pPr>
+            <a:endParaRPr lang="en-US" dirty="0"/>
+          </a:p>
+          <a:p>
+            <a:pPr marL="342900" lvl="1" indent="0">
+              <a:buNone/>
+            </a:pPr>
+            <a:r>
+              <a:rPr lang="en-US" sz="4000" b="1" dirty="0">
+                <a:latin typeface="+mj-lt"/>
+              </a:rPr>
+              <a:t>Define Speech Sound Disorder (SSD)</a:t>
+            </a:r>
+          </a:p>
+          <a:p>
+            <a:pPr marL="342900" lvl="1" indent="0">
+              <a:buNone/>
+            </a:pPr>
+            <a:endParaRPr lang="en-US" sz="4000" b="1" dirty="0">
+              <a:latin typeface="+mj-lt"/>
+            </a:endParaRPr>
+          </a:p>
+          <a:p>
+            <a:pPr lvl="2"/>
+            <a:r>
+              <a:rPr lang="en-US" sz="3700" dirty="0">
+                <a:latin typeface="+mj-lt"/>
+              </a:rPr>
+              <a:t>Umbrella term referring to any difficulty or combination of difficulties with perception, motor production, or phonological representation of speech sounds.</a:t>
+            </a:r>
+          </a:p>
+          <a:p>
+            <a:pPr lvl="2"/>
+            <a:endParaRPr lang="en-US" sz="3700" dirty="0">
+              <a:latin typeface="+mj-lt"/>
+            </a:endParaRPr>
+          </a:p>
+          <a:p>
+            <a:pPr lvl="2"/>
+            <a:r>
+              <a:rPr lang="en-US" sz="3700" dirty="0">
+                <a:latin typeface="+mj-lt"/>
+              </a:rPr>
+              <a:t>32% of all communication disorders are speech sounds</a:t>
+            </a:r>
+          </a:p>
+          <a:p>
+            <a:pPr lvl="2"/>
+            <a:endParaRPr lang="en-US" sz="3700" dirty="0">
+              <a:latin typeface="+mj-lt"/>
+            </a:endParaRPr>
+          </a:p>
+          <a:p>
+            <a:pPr lvl="2"/>
+            <a:r>
+              <a:rPr lang="en-US" sz="3700" dirty="0">
+                <a:latin typeface="+mj-lt"/>
+              </a:rPr>
+              <a:t>2-6% of school age children have SSD</a:t>
+            </a:r>
+          </a:p>
+          <a:p>
+            <a:pPr lvl="2"/>
+            <a:endParaRPr lang="en-US" sz="3700" i="1" dirty="0"/>
+          </a:p>
+          <a:p>
+            <a:pPr marL="0" indent="0">
+              <a:buNone/>
+            </a:pPr>
+            <a:endParaRPr lang="en-US" dirty="0"/>
+          </a:p>
+        </p:txBody>
+      </p:sp>
     </p:spTree>
     <p:extLst>
       <p:ext uri="{BB962C8B-B14F-4D97-AF65-F5344CB8AC3E}">
-        <p14:creationId xmlns:p14="http://schemas.microsoft.com/office/powerpoint/2010/main" val="959160148"/>
+        <p14:creationId xmlns:p14="http://schemas.microsoft.com/office/powerpoint/2010/main" val="1322518942"/>
       </p:ext>
     </p:extLst>
   </p:cSld>
@@ -6181,105 +5904,6 @@
       </p:grpSpPr>
       <p:sp>
         <p:nvSpPr>
-          <p:cNvPr id="22530" name="Title 1"/>
-          <p:cNvSpPr>
-            <a:spLocks noGrp="1"/>
-          </p:cNvSpPr>
-          <p:nvPr>
-            <p:ph type="ctrTitle"/>
-          </p:nvPr>
-        </p:nvSpPr>
-        <p:spPr>
-          <a:xfrm>
-            <a:off x="2209800" y="4219575"/>
-            <a:ext cx="7772400" cy="2076450"/>
-          </a:xfrm>
-        </p:spPr>
-        <p:txBody>
-          <a:bodyPr/>
-          <a:lstStyle/>
-          <a:p>
-            <a:r>
-              <a:rPr lang="en-US" sz="4100">
-                <a:ea typeface="ＭＳ Ｐゴシック" pitchFamily="-111" charset="-128"/>
-                <a:cs typeface="ＭＳ Ｐゴシック" pitchFamily="-111" charset="-128"/>
-              </a:rPr>
-              <a:t>Speech Sound Disorders</a:t>
-            </a:r>
-            <a:br>
-              <a:rPr lang="en-US" sz="4100">
-                <a:ea typeface="ＭＳ Ｐゴシック" pitchFamily="-111" charset="-128"/>
-                <a:cs typeface="ＭＳ Ｐゴシック" pitchFamily="-111" charset="-128"/>
-              </a:rPr>
-            </a:br>
-            <a:endParaRPr lang="en-US" sz="4100">
-              <a:ea typeface="ＭＳ Ｐゴシック" pitchFamily="-111" charset="-128"/>
-              <a:cs typeface="ＭＳ Ｐゴシック" pitchFamily="-111" charset="-128"/>
-            </a:endParaRPr>
-          </a:p>
-        </p:txBody>
-      </p:sp>
-      <p:sp>
-        <p:nvSpPr>
-          <p:cNvPr id="22531" name="Subtitle 2"/>
-          <p:cNvSpPr>
-            <a:spLocks noGrp="1"/>
-          </p:cNvSpPr>
-          <p:nvPr>
-            <p:ph type="subTitle" idx="1"/>
-          </p:nvPr>
-        </p:nvSpPr>
-        <p:spPr>
-          <a:xfrm>
-            <a:off x="4724401" y="5673725"/>
-            <a:ext cx="5459413" cy="622300"/>
-          </a:xfrm>
-        </p:spPr>
-        <p:txBody>
-          <a:bodyPr/>
-          <a:lstStyle/>
-          <a:p>
-            <a:pPr>
-              <a:spcBef>
-                <a:spcPct val="0"/>
-              </a:spcBef>
-              <a:buFont typeface="Arial" pitchFamily="-111" charset="0"/>
-              <a:buNone/>
-            </a:pPr>
-            <a:endParaRPr lang="en-US">
-              <a:ea typeface="ＭＳ Ｐゴシック" pitchFamily="-111" charset="-128"/>
-              <a:cs typeface="ＭＳ Ｐゴシック" pitchFamily="-111" charset="-128"/>
-            </a:endParaRPr>
-          </a:p>
-        </p:txBody>
-      </p:sp>
-    </p:spTree>
-  </p:cSld>
-  <p:clrMapOvr>
-    <a:masterClrMapping/>
-  </p:clrMapOvr>
-</p:sld>
-</file>
-
-<file path=ppt/slides/slide11.xml><?xml version="1.0" encoding="utf-8"?>
-<p:sld xmlns:a="http://schemas.openxmlformats.org/drawingml/2006/main" xmlns:r="http://schemas.openxmlformats.org/officeDocument/2006/relationships" xmlns:p="http://schemas.openxmlformats.org/presentationml/2006/main">
-  <p:cSld>
-    <p:spTree>
-      <p:nvGrpSpPr>
-        <p:cNvPr id="1" name=""/>
-        <p:cNvGrpSpPr/>
-        <p:nvPr/>
-      </p:nvGrpSpPr>
-      <p:grpSpPr>
-        <a:xfrm>
-          <a:off x="0" y="0"/>
-          <a:ext cx="0" cy="0"/>
-          <a:chOff x="0" y="0"/>
-          <a:chExt cx="0" cy="0"/>
-        </a:xfrm>
-      </p:grpSpPr>
-      <p:sp>
-        <p:nvSpPr>
           <p:cNvPr id="12290" name="Rectangle 2"/>
           <p:cNvSpPr>
             <a:spLocks noGrp="1" noChangeArrowheads="1"/>
@@ -6347,7 +5971,7 @@
                 <a:cs typeface="ＭＳ Ｐゴシック" pitchFamily="-111" charset="-128"/>
               </a:rPr>
               <a:pPr/>
-              <a:t>1/11/22</a:t>
+              <a:t>3/29/22</a:t>
             </a:fld>
             <a:endParaRPr lang="en-US">
               <a:solidFill>
@@ -6392,7 +6016,7 @@
                 <a:cs typeface="ＭＳ Ｐゴシック" pitchFamily="-111" charset="-128"/>
               </a:rPr>
               <a:pPr/>
-              <a:t>11</a:t>
+              <a:t>10</a:t>
             </a:fld>
             <a:endParaRPr lang="en-US">
               <a:solidFill>
@@ -7092,7 +6716,7 @@
 </p:sld>
 </file>
 
-<file path=ppt/slides/slide12.xml><?xml version="1.0" encoding="utf-8"?>
+<file path=ppt/slides/slide11.xml><?xml version="1.0" encoding="utf-8"?>
 <p:sld xmlns:a="http://schemas.openxmlformats.org/drawingml/2006/main" xmlns:r="http://schemas.openxmlformats.org/officeDocument/2006/relationships" xmlns:p="http://schemas.openxmlformats.org/presentationml/2006/main">
   <p:cSld>
     <p:spTree>
@@ -7998,7 +7622,7 @@
 </p:sld>
 </file>
 
-<file path=ppt/slides/slide13.xml><?xml version="1.0" encoding="utf-8"?>
+<file path=ppt/slides/slide12.xml><?xml version="1.0" encoding="utf-8"?>
 <p:sld xmlns:a="http://schemas.openxmlformats.org/drawingml/2006/main" xmlns:r="http://schemas.openxmlformats.org/officeDocument/2006/relationships" xmlns:p="http://schemas.openxmlformats.org/presentationml/2006/main">
   <p:cSld>
     <p:spTree>
@@ -8175,7 +7799,7 @@
 </p:sld>
 </file>
 
-<file path=ppt/slides/slide14.xml><?xml version="1.0" encoding="utf-8"?>
+<file path=ppt/slides/slide13.xml><?xml version="1.0" encoding="utf-8"?>
 <p:sld xmlns:a="http://schemas.openxmlformats.org/drawingml/2006/main" xmlns:r="http://schemas.openxmlformats.org/officeDocument/2006/relationships" xmlns:p="http://schemas.openxmlformats.org/presentationml/2006/main">
   <p:cSld>
     <p:spTree>
@@ -8358,7 +7982,7 @@
 </p:sld>
 </file>
 
-<file path=ppt/slides/slide15.xml><?xml version="1.0" encoding="utf-8"?>
+<file path=ppt/slides/slide14.xml><?xml version="1.0" encoding="utf-8"?>
 <p:sld xmlns:a="http://schemas.openxmlformats.org/drawingml/2006/main" xmlns:r="http://schemas.openxmlformats.org/officeDocument/2006/relationships" xmlns:p="http://schemas.openxmlformats.org/presentationml/2006/main">
   <p:cSld>
     <p:spTree>
@@ -8541,7 +8165,7 @@
 </p:sld>
 </file>
 
-<file path=ppt/slides/slide16.xml><?xml version="1.0" encoding="utf-8"?>
+<file path=ppt/slides/slide15.xml><?xml version="1.0" encoding="utf-8"?>
 <p:sld xmlns:a="http://schemas.openxmlformats.org/drawingml/2006/main" xmlns:r="http://schemas.openxmlformats.org/officeDocument/2006/relationships" xmlns:p="http://schemas.openxmlformats.org/presentationml/2006/main">
   <p:cSld>
     <p:spTree>
@@ -9277,6 +8901,156 @@
 </p:sld>
 </file>
 
+<file path=ppt/slides/slide16.xml><?xml version="1.0" encoding="utf-8"?>
+<p:sld xmlns:a="http://schemas.openxmlformats.org/drawingml/2006/main" xmlns:r="http://schemas.openxmlformats.org/officeDocument/2006/relationships" xmlns:p="http://schemas.openxmlformats.org/presentationml/2006/main">
+  <p:cSld>
+    <p:spTree>
+      <p:nvGrpSpPr>
+        <p:cNvPr id="1" name=""/>
+        <p:cNvGrpSpPr/>
+        <p:nvPr/>
+      </p:nvGrpSpPr>
+      <p:grpSpPr>
+        <a:xfrm>
+          <a:off x="0" y="0"/>
+          <a:ext cx="0" cy="0"/>
+          <a:chOff x="0" y="0"/>
+          <a:chExt cx="0" cy="0"/>
+        </a:xfrm>
+      </p:grpSpPr>
+      <p:sp>
+        <p:nvSpPr>
+          <p:cNvPr id="32770" name="Title 1"/>
+          <p:cNvSpPr>
+            <a:spLocks noGrp="1"/>
+          </p:cNvSpPr>
+          <p:nvPr>
+            <p:ph type="title"/>
+          </p:nvPr>
+        </p:nvSpPr>
+        <p:spPr/>
+        <p:txBody>
+          <a:bodyPr/>
+          <a:lstStyle/>
+          <a:p>
+            <a:r>
+              <a:rPr lang="en-US">
+                <a:ea typeface="ＭＳ Ｐゴシック" pitchFamily="-111" charset="-128"/>
+                <a:cs typeface="ＭＳ Ｐゴシック" pitchFamily="-111" charset="-128"/>
+              </a:rPr>
+              <a:t>Articulation Development</a:t>
+            </a:r>
+          </a:p>
+        </p:txBody>
+      </p:sp>
+      <p:sp>
+        <p:nvSpPr>
+          <p:cNvPr id="32771" name="Content Placeholder 2"/>
+          <p:cNvSpPr>
+            <a:spLocks noGrp="1"/>
+          </p:cNvSpPr>
+          <p:nvPr>
+            <p:ph idx="1"/>
+          </p:nvPr>
+        </p:nvSpPr>
+        <p:spPr/>
+        <p:txBody>
+          <a:bodyPr/>
+          <a:lstStyle/>
+          <a:p>
+            <a:pPr eaLnBrk="1" hangingPunct="1">
+              <a:buFontTx/>
+              <a:buNone/>
+            </a:pPr>
+            <a:r>
+              <a:rPr lang="en-US">
+                <a:ea typeface="ＭＳ Ｐゴシック" pitchFamily="-111" charset="-128"/>
+                <a:cs typeface="ＭＳ Ｐゴシック" pitchFamily="-111" charset="-128"/>
+              </a:rPr>
+              <a:t>2 years	p, h, n, b, k</a:t>
+            </a:r>
+          </a:p>
+          <a:p>
+            <a:pPr eaLnBrk="1" hangingPunct="1">
+              <a:buFontTx/>
+              <a:buNone/>
+            </a:pPr>
+            <a:r>
+              <a:rPr lang="en-US">
+                <a:ea typeface="ＭＳ Ｐゴシック" pitchFamily="-111" charset="-128"/>
+                <a:cs typeface="ＭＳ Ｐゴシック" pitchFamily="-111" charset="-128"/>
+              </a:rPr>
+              <a:t>3 years	m, w, g, f, d</a:t>
+            </a:r>
+          </a:p>
+          <a:p>
+            <a:pPr eaLnBrk="1" hangingPunct="1">
+              <a:buFontTx/>
+              <a:buNone/>
+            </a:pPr>
+            <a:r>
+              <a:rPr lang="en-US">
+                <a:ea typeface="ＭＳ Ｐゴシック" pitchFamily="-111" charset="-128"/>
+                <a:cs typeface="ＭＳ Ｐゴシック" pitchFamily="-111" charset="-128"/>
+              </a:rPr>
+              <a:t>4 years	t, “sh”, j  (“y”)</a:t>
+            </a:r>
+          </a:p>
+          <a:p>
+            <a:pPr eaLnBrk="1" hangingPunct="1">
+              <a:buFontTx/>
+              <a:buNone/>
+            </a:pPr>
+            <a:r>
+              <a:rPr lang="en-US">
+                <a:ea typeface="ＭＳ Ｐゴシック" pitchFamily="-111" charset="-128"/>
+                <a:cs typeface="ＭＳ Ｐゴシック" pitchFamily="-111" charset="-128"/>
+              </a:rPr>
+              <a:t>5 years	s, v, “ng”, r, l, “ch”, z</a:t>
+            </a:r>
+          </a:p>
+          <a:p>
+            <a:pPr eaLnBrk="1" hangingPunct="1">
+              <a:buFontTx/>
+              <a:buNone/>
+            </a:pPr>
+            <a:r>
+              <a:rPr lang="en-US">
+                <a:ea typeface="ＭＳ Ｐゴシック" pitchFamily="-111" charset="-128"/>
+                <a:cs typeface="ＭＳ Ｐゴシック" pitchFamily="-111" charset="-128"/>
+              </a:rPr>
+              <a:t>6 years	“th”</a:t>
+            </a:r>
+          </a:p>
+          <a:p>
+            <a:pPr eaLnBrk="1" hangingPunct="1">
+              <a:buFontTx/>
+              <a:buNone/>
+            </a:pPr>
+            <a:r>
+              <a:rPr lang="en-US">
+                <a:ea typeface="ＭＳ Ｐゴシック" pitchFamily="-111" charset="-128"/>
+                <a:cs typeface="ＭＳ Ｐゴシック" pitchFamily="-111" charset="-128"/>
+              </a:rPr>
+              <a:t>7 years	consonant blends and clusters</a:t>
+            </a:r>
+          </a:p>
+          <a:p>
+            <a:endParaRPr lang="en-US">
+              <a:ea typeface="ＭＳ Ｐゴシック" pitchFamily="-111" charset="-128"/>
+              <a:cs typeface="ＭＳ Ｐゴシック" pitchFamily="-111" charset="-128"/>
+            </a:endParaRPr>
+          </a:p>
+        </p:txBody>
+      </p:sp>
+    </p:spTree>
+  </p:cSld>
+  <p:clrMapOvr>
+    <a:masterClrMapping/>
+  </p:clrMapOvr>
+</p:sld>
+</file>
+
 <file path=ppt/slides/slide17.xml><?xml version="1.0" encoding="utf-8"?>
 <p:sld xmlns:a="http://schemas.openxmlformats.org/drawingml/2006/main" xmlns:r="http://schemas.openxmlformats.org/officeDocument/2006/relationships" xmlns:p="http://schemas.openxmlformats.org/presentationml/2006/main">
   <p:cSld>
@@ -9296,7 +9070,7 @@
       </p:grpSpPr>
       <p:sp>
         <p:nvSpPr>
-          <p:cNvPr id="32770" name="Title 1"/>
+          <p:cNvPr id="34818" name="Title 1"/>
           <p:cNvSpPr>
             <a:spLocks noGrp="1"/>
           </p:cNvSpPr>
@@ -9314,14 +9088,14 @@
                 <a:ea typeface="ＭＳ Ｐゴシック" pitchFamily="-111" charset="-128"/>
                 <a:cs typeface="ＭＳ Ｐゴシック" pitchFamily="-111" charset="-128"/>
               </a:rPr>
-              <a:t>Articulation Development</a:t>
-            </a:r>
-          </a:p>
-        </p:txBody>
-      </p:sp>
-      <p:sp>
-        <p:nvSpPr>
-          <p:cNvPr id="32771" name="Content Placeholder 2"/>
+              <a:t>Factors associated (or not!) with Articulation</a:t>
+            </a:r>
+          </a:p>
+        </p:txBody>
+      </p:sp>
+      <p:sp>
+        <p:nvSpPr>
+          <p:cNvPr id="34819" name="Content Placeholder 2"/>
           <p:cNvSpPr>
             <a:spLocks noGrp="1"/>
           </p:cNvSpPr>
@@ -9334,81 +9108,37 @@
           <a:bodyPr/>
           <a:lstStyle/>
           <a:p>
-            <a:pPr eaLnBrk="1" hangingPunct="1">
-              <a:buFontTx/>
-              <a:buNone/>
-            </a:pPr>
-            <a:r>
-              <a:rPr lang="en-US">
+            <a:pPr eaLnBrk="1" hangingPunct="1"/>
+            <a:r>
+              <a:rPr lang="en-US" b="1">
                 <a:ea typeface="ＭＳ Ｐゴシック" pitchFamily="-111" charset="-128"/>
                 <a:cs typeface="ＭＳ Ｐゴシック" pitchFamily="-111" charset="-128"/>
               </a:rPr>
-              <a:t>2 years	p, h, n, b, k</a:t>
-            </a:r>
-          </a:p>
-          <a:p>
-            <a:pPr eaLnBrk="1" hangingPunct="1">
-              <a:buFontTx/>
-              <a:buNone/>
-            </a:pPr>
-            <a:r>
-              <a:rPr lang="en-US">
+              <a:t>Dentition</a:t>
+            </a:r>
+          </a:p>
+          <a:p>
+            <a:pPr eaLnBrk="1" hangingPunct="1"/>
+            <a:r>
+              <a:rPr lang="en-US" b="1">
                 <a:ea typeface="ＭＳ Ｐゴシック" pitchFamily="-111" charset="-128"/>
                 <a:cs typeface="ＭＳ Ｐゴシック" pitchFamily="-111" charset="-128"/>
               </a:rPr>
-              <a:t>3 years	m, w, g, f, d</a:t>
+              <a:t>Oral Mechanism</a:t>
             </a:r>
           </a:p>
           <a:p>
             <a:pPr eaLnBrk="1" hangingPunct="1">
-              <a:buFontTx/>
-              <a:buNone/>
+              <a:lnSpc>
+                <a:spcPct val="80000"/>
+              </a:lnSpc>
             </a:pPr>
             <a:r>
-              <a:rPr lang="en-US">
+              <a:rPr lang="en-US" sz="2200" b="1">
                 <a:ea typeface="ＭＳ Ｐゴシック" pitchFamily="-111" charset="-128"/>
                 <a:cs typeface="ＭＳ Ｐゴシック" pitchFamily="-111" charset="-128"/>
               </a:rPr>
-              <a:t>4 years	t, “sh”, j  (“y”)</a:t>
-            </a:r>
-          </a:p>
-          <a:p>
-            <a:pPr eaLnBrk="1" hangingPunct="1">
-              <a:buFontTx/>
-              <a:buNone/>
-            </a:pPr>
-            <a:r>
-              <a:rPr lang="en-US">
-                <a:ea typeface="ＭＳ Ｐゴシック" pitchFamily="-111" charset="-128"/>
-                <a:cs typeface="ＭＳ Ｐゴシック" pitchFamily="-111" charset="-128"/>
-              </a:rPr>
-              <a:t>5 years	s, v, “ng”, r, l, “ch”, z</a:t>
-            </a:r>
-          </a:p>
-          <a:p>
-            <a:pPr eaLnBrk="1" hangingPunct="1">
-              <a:buFontTx/>
-              <a:buNone/>
-            </a:pPr>
-            <a:r>
-              <a:rPr lang="en-US">
-                <a:ea typeface="ＭＳ Ｐゴシック" pitchFamily="-111" charset="-128"/>
-                <a:cs typeface="ＭＳ Ｐゴシック" pitchFamily="-111" charset="-128"/>
-              </a:rPr>
-              <a:t>6 years	“th”</a:t>
-            </a:r>
-          </a:p>
-          <a:p>
-            <a:pPr eaLnBrk="1" hangingPunct="1">
-              <a:buFontTx/>
-              <a:buNone/>
-            </a:pPr>
-            <a:r>
-              <a:rPr lang="en-US">
-                <a:ea typeface="ＭＳ Ｐゴシック" pitchFamily="-111" charset="-128"/>
-                <a:cs typeface="ＭＳ Ｐゴシック" pitchFamily="-111" charset="-128"/>
-              </a:rPr>
-              <a:t>7 years	consonant blends and clusters</a:t>
+              <a:t>Nonspeech tasks</a:t>
             </a:r>
           </a:p>
           <a:p>
@@ -9428,112 +9158,6 @@
 </file>
 
 <file path=ppt/slides/slide18.xml><?xml version="1.0" encoding="utf-8"?>
-<p:sld xmlns:a="http://schemas.openxmlformats.org/drawingml/2006/main" xmlns:r="http://schemas.openxmlformats.org/officeDocument/2006/relationships" xmlns:p="http://schemas.openxmlformats.org/presentationml/2006/main">
-  <p:cSld>
-    <p:spTree>
-      <p:nvGrpSpPr>
-        <p:cNvPr id="1" name=""/>
-        <p:cNvGrpSpPr/>
-        <p:nvPr/>
-      </p:nvGrpSpPr>
-      <p:grpSpPr>
-        <a:xfrm>
-          <a:off x="0" y="0"/>
-          <a:ext cx="0" cy="0"/>
-          <a:chOff x="0" y="0"/>
-          <a:chExt cx="0" cy="0"/>
-        </a:xfrm>
-      </p:grpSpPr>
-      <p:sp>
-        <p:nvSpPr>
-          <p:cNvPr id="34818" name="Title 1"/>
-          <p:cNvSpPr>
-            <a:spLocks noGrp="1"/>
-          </p:cNvSpPr>
-          <p:nvPr>
-            <p:ph type="title"/>
-          </p:nvPr>
-        </p:nvSpPr>
-        <p:spPr/>
-        <p:txBody>
-          <a:bodyPr/>
-          <a:lstStyle/>
-          <a:p>
-            <a:r>
-              <a:rPr lang="en-US">
-                <a:ea typeface="ＭＳ Ｐゴシック" pitchFamily="-111" charset="-128"/>
-                <a:cs typeface="ＭＳ Ｐゴシック" pitchFamily="-111" charset="-128"/>
-              </a:rPr>
-              <a:t>Factors associated (or not!) with Articulation</a:t>
-            </a:r>
-          </a:p>
-        </p:txBody>
-      </p:sp>
-      <p:sp>
-        <p:nvSpPr>
-          <p:cNvPr id="34819" name="Content Placeholder 2"/>
-          <p:cNvSpPr>
-            <a:spLocks noGrp="1"/>
-          </p:cNvSpPr>
-          <p:nvPr>
-            <p:ph idx="1"/>
-          </p:nvPr>
-        </p:nvSpPr>
-        <p:spPr/>
-        <p:txBody>
-          <a:bodyPr/>
-          <a:lstStyle/>
-          <a:p>
-            <a:pPr eaLnBrk="1" hangingPunct="1"/>
-            <a:r>
-              <a:rPr lang="en-US" b="1">
-                <a:ea typeface="ＭＳ Ｐゴシック" pitchFamily="-111" charset="-128"/>
-                <a:cs typeface="ＭＳ Ｐゴシック" pitchFamily="-111" charset="-128"/>
-              </a:rPr>
-              <a:t>Dentition</a:t>
-            </a:r>
-          </a:p>
-          <a:p>
-            <a:pPr eaLnBrk="1" hangingPunct="1"/>
-            <a:r>
-              <a:rPr lang="en-US" b="1">
-                <a:ea typeface="ＭＳ Ｐゴシック" pitchFamily="-111" charset="-128"/>
-                <a:cs typeface="ＭＳ Ｐゴシック" pitchFamily="-111" charset="-128"/>
-              </a:rPr>
-              <a:t>Oral Mechanism</a:t>
-            </a:r>
-          </a:p>
-          <a:p>
-            <a:pPr eaLnBrk="1" hangingPunct="1">
-              <a:lnSpc>
-                <a:spcPct val="80000"/>
-              </a:lnSpc>
-            </a:pPr>
-            <a:r>
-              <a:rPr lang="en-US" sz="2200" b="1">
-                <a:ea typeface="ＭＳ Ｐゴシック" pitchFamily="-111" charset="-128"/>
-                <a:cs typeface="ＭＳ Ｐゴシック" pitchFamily="-111" charset="-128"/>
-              </a:rPr>
-              <a:t>Nonspeech tasks</a:t>
-            </a:r>
-          </a:p>
-          <a:p>
-            <a:endParaRPr lang="en-US">
-              <a:ea typeface="ＭＳ Ｐゴシック" pitchFamily="-111" charset="-128"/>
-              <a:cs typeface="ＭＳ Ｐゴシック" pitchFamily="-111" charset="-128"/>
-            </a:endParaRPr>
-          </a:p>
-        </p:txBody>
-      </p:sp>
-    </p:spTree>
-  </p:cSld>
-  <p:clrMapOvr>
-    <a:masterClrMapping/>
-  </p:clrMapOvr>
-</p:sld>
-</file>
-
-<file path=ppt/slides/slide19.xml><?xml version="1.0" encoding="utf-8"?>
 <p:sld xmlns:a="http://schemas.openxmlformats.org/drawingml/2006/main" xmlns:r="http://schemas.openxmlformats.org/officeDocument/2006/relationships" xmlns:p="http://schemas.openxmlformats.org/presentationml/2006/main">
   <p:cSld>
     <p:spTree>
@@ -10201,175 +9825,7 @@
 </p:sld>
 </file>
 
-<file path=ppt/slides/slide2.xml><?xml version="1.0" encoding="utf-8"?>
-<p:sld xmlns:a="http://schemas.openxmlformats.org/drawingml/2006/main" xmlns:r="http://schemas.openxmlformats.org/officeDocument/2006/relationships" xmlns:p="http://schemas.openxmlformats.org/presentationml/2006/main">
-  <p:cSld>
-    <p:spTree>
-      <p:nvGrpSpPr>
-        <p:cNvPr id="1" name=""/>
-        <p:cNvGrpSpPr/>
-        <p:nvPr/>
-      </p:nvGrpSpPr>
-      <p:grpSpPr>
-        <a:xfrm>
-          <a:off x="0" y="0"/>
-          <a:ext cx="0" cy="0"/>
-          <a:chOff x="0" y="0"/>
-          <a:chExt cx="0" cy="0"/>
-        </a:xfrm>
-      </p:grpSpPr>
-      <p:sp>
-        <p:nvSpPr>
-          <p:cNvPr id="2" name="Title 1"/>
-          <p:cNvSpPr>
-            <a:spLocks noGrp="1"/>
-          </p:cNvSpPr>
-          <p:nvPr>
-            <p:ph type="title"/>
-          </p:nvPr>
-        </p:nvSpPr>
-        <p:spPr>
-          <a:xfrm>
-            <a:off x="1927412" y="365127"/>
-            <a:ext cx="8337176" cy="1325563"/>
-          </a:xfrm>
-        </p:spPr>
-        <p:txBody>
-          <a:bodyPr>
-            <a:normAutofit fontScale="90000"/>
-          </a:bodyPr>
-          <a:lstStyle/>
-          <a:p>
-            <a:r>
-              <a:rPr lang="en-US" b="1" dirty="0">
-                <a:solidFill>
-                  <a:srgbClr val="FF0000"/>
-                </a:solidFill>
-              </a:rPr>
-              <a:t>Activity #3:  Speech Sound Disorder Review</a:t>
-            </a:r>
-            <a:br>
-              <a:rPr lang="en-US" dirty="0"/>
-            </a:br>
-            <a:r>
-              <a:rPr lang="en-US" sz="2000" dirty="0"/>
-              <a:t>Large Group Activity</a:t>
-            </a:r>
-            <a:endParaRPr lang="en-US" dirty="0"/>
-          </a:p>
-        </p:txBody>
-      </p:sp>
-      <p:sp>
-        <p:nvSpPr>
-          <p:cNvPr id="3" name="Content Placeholder 2"/>
-          <p:cNvSpPr>
-            <a:spLocks noGrp="1"/>
-          </p:cNvSpPr>
-          <p:nvPr>
-            <p:ph idx="1"/>
-          </p:nvPr>
-        </p:nvSpPr>
-        <p:spPr>
-          <a:xfrm>
-            <a:off x="2152650" y="1457635"/>
-            <a:ext cx="7829550" cy="5161826"/>
-          </a:xfrm>
-        </p:spPr>
-        <p:txBody>
-          <a:bodyPr>
-            <a:normAutofit fontScale="85000" lnSpcReduction="20000"/>
-          </a:bodyPr>
-          <a:lstStyle/>
-          <a:p>
-            <a:pPr marL="342900" lvl="1" indent="0">
-              <a:buNone/>
-            </a:pPr>
-            <a:endParaRPr lang="en-US" dirty="0"/>
-          </a:p>
-          <a:p>
-            <a:pPr marL="342900" lvl="1" indent="0">
-              <a:buNone/>
-            </a:pPr>
-            <a:r>
-              <a:rPr lang="en-US" sz="4000" b="1" dirty="0">
-                <a:latin typeface="+mj-lt"/>
-              </a:rPr>
-              <a:t>Define Speech Sound Disorder (SSD)</a:t>
-            </a:r>
-          </a:p>
-          <a:p>
-            <a:pPr marL="342900" lvl="1" indent="0">
-              <a:buNone/>
-            </a:pPr>
-            <a:endParaRPr lang="en-US" sz="4000" b="1" dirty="0">
-              <a:latin typeface="+mj-lt"/>
-            </a:endParaRPr>
-          </a:p>
-          <a:p>
-            <a:pPr lvl="2"/>
-            <a:r>
-              <a:rPr lang="en-US" sz="3700" dirty="0">
-                <a:latin typeface="+mj-lt"/>
-              </a:rPr>
-              <a:t>Umbrella term referring to any difficulty or combination of difficulties with perception, motor production, or phonological representation of speech sounds.</a:t>
-            </a:r>
-          </a:p>
-          <a:p>
-            <a:pPr lvl="2"/>
-            <a:endParaRPr lang="en-US" sz="3700" dirty="0">
-              <a:latin typeface="+mj-lt"/>
-            </a:endParaRPr>
-          </a:p>
-          <a:p>
-            <a:pPr lvl="2"/>
-            <a:r>
-              <a:rPr lang="en-US" sz="3700" dirty="0">
-                <a:latin typeface="+mj-lt"/>
-              </a:rPr>
-              <a:t>32% of all communication disorders are speech sounds</a:t>
-            </a:r>
-          </a:p>
-          <a:p>
-            <a:pPr lvl="2"/>
-            <a:endParaRPr lang="en-US" sz="3700" dirty="0">
-              <a:latin typeface="+mj-lt"/>
-            </a:endParaRPr>
-          </a:p>
-          <a:p>
-            <a:pPr lvl="2"/>
-            <a:r>
-              <a:rPr lang="en-US" sz="3700" dirty="0">
-                <a:latin typeface="+mj-lt"/>
-              </a:rPr>
-              <a:t>2-6% of school age children have SSD</a:t>
-            </a:r>
-          </a:p>
-          <a:p>
-            <a:pPr lvl="2"/>
-            <a:endParaRPr lang="en-US" sz="3700" i="1" dirty="0"/>
-          </a:p>
-          <a:p>
-            <a:pPr marL="0" indent="0">
-              <a:buNone/>
-            </a:pPr>
-            <a:endParaRPr lang="en-US" dirty="0"/>
-          </a:p>
-        </p:txBody>
-      </p:sp>
-    </p:spTree>
-    <p:extLst>
-      <p:ext uri="{BB962C8B-B14F-4D97-AF65-F5344CB8AC3E}">
-        <p14:creationId xmlns:p14="http://schemas.microsoft.com/office/powerpoint/2010/main" val="1322518942"/>
-      </p:ext>
-    </p:extLst>
-  </p:cSld>
-  <p:clrMapOvr>
-    <a:masterClrMapping/>
-  </p:clrMapOvr>
-</p:sld>
-</file>
-
-<file path=ppt/slides/slide20.xml><?xml version="1.0" encoding="utf-8"?>
+<file path=ppt/slides/slide19.xml><?xml version="1.0" encoding="utf-8"?>
 <p:sld xmlns:a="http://schemas.openxmlformats.org/drawingml/2006/main" xmlns:r="http://schemas.openxmlformats.org/officeDocument/2006/relationships" xmlns:p="http://schemas.openxmlformats.org/presentationml/2006/main">
   <p:cSld>
     <p:spTree>
@@ -10853,7 +10309,105 @@
 </p:sld>
 </file>
 
-<file path=ppt/slides/slide21.xml><?xml version="1.0" encoding="utf-8"?>
+<file path=ppt/slides/slide2.xml><?xml version="1.0" encoding="utf-8"?>
+<p:sld xmlns:a="http://schemas.openxmlformats.org/drawingml/2006/main" xmlns:r="http://schemas.openxmlformats.org/officeDocument/2006/relationships" xmlns:p="http://schemas.openxmlformats.org/presentationml/2006/main">
+  <p:cSld>
+    <p:spTree>
+      <p:nvGrpSpPr>
+        <p:cNvPr id="1" name=""/>
+        <p:cNvGrpSpPr/>
+        <p:nvPr/>
+      </p:nvGrpSpPr>
+      <p:grpSpPr>
+        <a:xfrm>
+          <a:off x="0" y="0"/>
+          <a:ext cx="0" cy="0"/>
+          <a:chOff x="0" y="0"/>
+          <a:chExt cx="0" cy="0"/>
+        </a:xfrm>
+      </p:grpSpPr>
+      <p:pic>
+        <p:nvPicPr>
+          <p:cNvPr id="3" name="Picture 2">
+            <a:extLst>
+              <a:ext uri="{FF2B5EF4-FFF2-40B4-BE49-F238E27FC236}">
+                <a16:creationId xmlns:a16="http://schemas.microsoft.com/office/drawing/2014/main" id="{B62A080B-B862-C145-9EC0-E1ED7D2E5FAE}"/>
+              </a:ext>
+            </a:extLst>
+          </p:cNvPr>
+          <p:cNvPicPr>
+            <a:picLocks noChangeAspect="1"/>
+          </p:cNvPicPr>
+          <p:nvPr/>
+        </p:nvPicPr>
+        <p:blipFill>
+          <a:blip r:embed="rId3"/>
+          <a:stretch>
+            <a:fillRect/>
+          </a:stretch>
+        </p:blipFill>
+        <p:spPr>
+          <a:xfrm>
+            <a:off x="1615440" y="50075"/>
+            <a:ext cx="9052560" cy="6353513"/>
+          </a:xfrm>
+          <a:prstGeom prst="rect">
+            <a:avLst/>
+          </a:prstGeom>
+        </p:spPr>
+      </p:pic>
+      <p:sp>
+        <p:nvSpPr>
+          <p:cNvPr id="5" name="TextBox 4">
+            <a:extLst>
+              <a:ext uri="{FF2B5EF4-FFF2-40B4-BE49-F238E27FC236}">
+                <a16:creationId xmlns:a16="http://schemas.microsoft.com/office/drawing/2014/main" id="{2C32575B-8699-9645-9D99-0427B49DE9B3}"/>
+              </a:ext>
+            </a:extLst>
+          </p:cNvPr>
+          <p:cNvSpPr txBox="1"/>
+          <p:nvPr/>
+        </p:nvSpPr>
+        <p:spPr>
+          <a:xfrm>
+            <a:off x="2304585" y="6403587"/>
+            <a:ext cx="7871194" cy="369332"/>
+          </a:xfrm>
+          <a:prstGeom prst="rect">
+            <a:avLst/>
+          </a:prstGeom>
+          <a:noFill/>
+        </p:spPr>
+        <p:txBody>
+          <a:bodyPr wrap="none" rtlCol="0">
+            <a:spAutoFit/>
+          </a:bodyPr>
+          <a:lstStyle/>
+          <a:p>
+            <a:r>
+              <a:rPr lang="en-US" dirty="0">
+                <a:hlinkClick r:id="rId4"/>
+              </a:rPr>
+              <a:t>https://www.asha.org/Practice-Portal/Clinical-Topics/Articulation-and-Phonology/</a:t>
+            </a:r>
+            <a:endParaRPr lang="en-US" dirty="0"/>
+          </a:p>
+        </p:txBody>
+      </p:sp>
+    </p:spTree>
+    <p:extLst>
+      <p:ext uri="{BB962C8B-B14F-4D97-AF65-F5344CB8AC3E}">
+        <p14:creationId xmlns:p14="http://schemas.microsoft.com/office/powerpoint/2010/main" val="3888280937"/>
+      </p:ext>
+    </p:extLst>
+  </p:cSld>
+  <p:clrMapOvr>
+    <a:masterClrMapping/>
+  </p:clrMapOvr>
+</p:sld>
+</file>
+
+<file path=ppt/slides/slide20.xml><?xml version="1.0" encoding="utf-8"?>
 <p:sld xmlns:a="http://schemas.openxmlformats.org/drawingml/2006/main" xmlns:r="http://schemas.openxmlformats.org/officeDocument/2006/relationships" xmlns:p="http://schemas.openxmlformats.org/presentationml/2006/main">
   <p:cSld>
     <p:spTree>
@@ -11030,7 +10584,7 @@
 </p:sld>
 </file>
 
-<file path=ppt/slides/slide22.xml><?xml version="1.0" encoding="utf-8"?>
+<file path=ppt/slides/slide21.xml><?xml version="1.0" encoding="utf-8"?>
 <p:sld xmlns:a="http://schemas.openxmlformats.org/drawingml/2006/main" xmlns:r="http://schemas.openxmlformats.org/officeDocument/2006/relationships" xmlns:p="http://schemas.openxmlformats.org/presentationml/2006/main">
   <p:cSld>
     <p:spTree>
@@ -11292,6 +10846,233 @@
 </p:sld>
 </file>
 
+<file path=ppt/slides/slide22.xml><?xml version="1.0" encoding="utf-8"?>
+<p:sld xmlns:a="http://schemas.openxmlformats.org/drawingml/2006/main" xmlns:r="http://schemas.openxmlformats.org/officeDocument/2006/relationships" xmlns:p="http://schemas.openxmlformats.org/presentationml/2006/main">
+  <p:cSld>
+    <p:spTree>
+      <p:nvGrpSpPr>
+        <p:cNvPr id="1" name=""/>
+        <p:cNvGrpSpPr/>
+        <p:nvPr/>
+      </p:nvGrpSpPr>
+      <p:grpSpPr>
+        <a:xfrm>
+          <a:off x="0" y="0"/>
+          <a:ext cx="0" cy="0"/>
+          <a:chOff x="0" y="0"/>
+          <a:chExt cx="0" cy="0"/>
+        </a:xfrm>
+      </p:grpSpPr>
+      <p:sp>
+        <p:nvSpPr>
+          <p:cNvPr id="5" name="Title 4"/>
+          <p:cNvSpPr>
+            <a:spLocks noGrp="1"/>
+          </p:cNvSpPr>
+          <p:nvPr>
+            <p:ph type="title"/>
+          </p:nvPr>
+        </p:nvSpPr>
+        <p:spPr/>
+        <p:txBody>
+          <a:bodyPr/>
+          <a:lstStyle/>
+          <a:p>
+            <a:r>
+              <a:rPr lang="en-US" sz="2800" dirty="0"/>
+              <a:t>Developmental Apraxia of Speech (DAS) Or Childhood Apraxia of speech (CAS)</a:t>
+            </a:r>
+          </a:p>
+        </p:txBody>
+      </p:sp>
+      <p:sp>
+        <p:nvSpPr>
+          <p:cNvPr id="46083" name="Content Placeholder 2"/>
+          <p:cNvSpPr>
+            <a:spLocks noGrp="1"/>
+          </p:cNvSpPr>
+          <p:nvPr>
+            <p:ph idx="1"/>
+          </p:nvPr>
+        </p:nvSpPr>
+        <p:spPr/>
+        <p:txBody>
+          <a:bodyPr>
+            <a:normAutofit/>
+          </a:bodyPr>
+          <a:lstStyle/>
+          <a:p>
+            <a:pPr lvl="2" eaLnBrk="1" hangingPunct="1">
+              <a:lnSpc>
+                <a:spcPct val="80000"/>
+              </a:lnSpc>
+              <a:buFont typeface="Arial" pitchFamily="-111" charset="0"/>
+              <a:buChar char="•"/>
+            </a:pPr>
+            <a:r>
+              <a:rPr lang="en-US" dirty="0">
+                <a:ea typeface="ＭＳ Ｐゴシック" pitchFamily="-111" charset="-128"/>
+              </a:rPr>
+              <a:t>Characteristics</a:t>
+            </a:r>
+          </a:p>
+          <a:p>
+            <a:pPr lvl="3" eaLnBrk="1" hangingPunct="1">
+              <a:lnSpc>
+                <a:spcPct val="80000"/>
+              </a:lnSpc>
+              <a:buFont typeface="Arial" pitchFamily="-111" charset="0"/>
+              <a:buChar char="•"/>
+            </a:pPr>
+            <a:r>
+              <a:rPr lang="en-US" sz="2000" dirty="0">
+                <a:ea typeface="ＭＳ Ｐゴシック" pitchFamily="-111" charset="-128"/>
+              </a:rPr>
+              <a:t>Difficulty sequencing motor movements to produce speech sounds/syllables</a:t>
+            </a:r>
+          </a:p>
+          <a:p>
+            <a:pPr lvl="3" eaLnBrk="1" hangingPunct="1">
+              <a:lnSpc>
+                <a:spcPct val="80000"/>
+              </a:lnSpc>
+              <a:buFont typeface="Arial" pitchFamily="-111" charset="0"/>
+              <a:buChar char="•"/>
+            </a:pPr>
+            <a:r>
+              <a:rPr lang="en-US" sz="2000" dirty="0">
+                <a:ea typeface="ＭＳ Ｐゴシック" pitchFamily="-111" charset="-128"/>
+              </a:rPr>
+              <a:t>Inconsistent errors</a:t>
+            </a:r>
+          </a:p>
+          <a:p>
+            <a:pPr lvl="3" eaLnBrk="1" hangingPunct="1">
+              <a:lnSpc>
+                <a:spcPct val="80000"/>
+              </a:lnSpc>
+              <a:buFont typeface="Arial" pitchFamily="-111" charset="0"/>
+              <a:buChar char="•"/>
+            </a:pPr>
+            <a:r>
+              <a:rPr lang="en-US" sz="2000" dirty="0">
+                <a:ea typeface="ＭＳ Ｐゴシック" pitchFamily="-111" charset="-128"/>
+              </a:rPr>
+              <a:t>Less common errors</a:t>
+            </a:r>
+          </a:p>
+          <a:p>
+            <a:pPr lvl="4" eaLnBrk="1" hangingPunct="1">
+              <a:lnSpc>
+                <a:spcPct val="80000"/>
+              </a:lnSpc>
+              <a:buFont typeface="Arial" pitchFamily="-111" charset="0"/>
+              <a:buChar char="•"/>
+            </a:pPr>
+            <a:r>
+              <a:rPr lang="en-US" sz="2000" dirty="0">
+                <a:ea typeface="ＭＳ Ｐゴシック" pitchFamily="-111" charset="-128"/>
+              </a:rPr>
+              <a:t>syllable omissions</a:t>
+            </a:r>
+          </a:p>
+          <a:p>
+            <a:pPr lvl="4" eaLnBrk="1" hangingPunct="1">
+              <a:lnSpc>
+                <a:spcPct val="80000"/>
+              </a:lnSpc>
+              <a:buFont typeface="Arial" pitchFamily="-111" charset="0"/>
+              <a:buChar char="•"/>
+            </a:pPr>
+            <a:r>
+              <a:rPr lang="en-US" sz="2000" dirty="0">
+                <a:ea typeface="ＭＳ Ｐゴシック" pitchFamily="-111" charset="-128"/>
+              </a:rPr>
+              <a:t>consonant substitutions</a:t>
+            </a:r>
+          </a:p>
+          <a:p>
+            <a:pPr lvl="4" eaLnBrk="1" hangingPunct="1">
+              <a:lnSpc>
+                <a:spcPct val="80000"/>
+              </a:lnSpc>
+              <a:buFont typeface="Arial" pitchFamily="-111" charset="0"/>
+              <a:buChar char="•"/>
+            </a:pPr>
+            <a:r>
+              <a:rPr lang="en-US" sz="2000" dirty="0">
+                <a:ea typeface="ＭＳ Ｐゴシック" pitchFamily="-111" charset="-128"/>
+              </a:rPr>
+              <a:t>vowel errors</a:t>
+            </a:r>
+          </a:p>
+          <a:p>
+            <a:pPr lvl="2" eaLnBrk="1" hangingPunct="1">
+              <a:lnSpc>
+                <a:spcPct val="80000"/>
+              </a:lnSpc>
+              <a:buFont typeface="Arial" pitchFamily="-111" charset="0"/>
+              <a:buChar char="•"/>
+            </a:pPr>
+            <a:r>
+              <a:rPr lang="en-US" dirty="0">
+                <a:ea typeface="ＭＳ Ｐゴシック" pitchFamily="-111" charset="-128"/>
+              </a:rPr>
+              <a:t>Developmental, not due to known neurological impairment</a:t>
+            </a:r>
+          </a:p>
+          <a:p>
+            <a:pPr lvl="2" eaLnBrk="1" hangingPunct="1">
+              <a:lnSpc>
+                <a:spcPct val="80000"/>
+              </a:lnSpc>
+              <a:buFont typeface="Arial" pitchFamily="-111" charset="0"/>
+              <a:buChar char="•"/>
+            </a:pPr>
+            <a:r>
+              <a:rPr lang="en-US" dirty="0">
+                <a:ea typeface="ＭＳ Ｐゴシック" pitchFamily="-111" charset="-128"/>
+              </a:rPr>
+              <a:t>Make very slow progress in therapy, tends to run in families</a:t>
+            </a:r>
+          </a:p>
+          <a:p>
+            <a:pPr lvl="2" eaLnBrk="1" hangingPunct="1">
+              <a:lnSpc>
+                <a:spcPct val="80000"/>
+              </a:lnSpc>
+              <a:buFont typeface="Arial" pitchFamily="-111" charset="0"/>
+              <a:buChar char="•"/>
+            </a:pPr>
+            <a:r>
+              <a:rPr lang="en-US" dirty="0">
+                <a:ea typeface="ＭＳ Ｐゴシック" pitchFamily="-111" charset="-128"/>
+              </a:rPr>
+              <a:t>Controversial and </a:t>
+            </a:r>
+            <a:r>
+              <a:rPr lang="en-US" dirty="0" err="1">
+                <a:ea typeface="ＭＳ Ｐゴシック" pitchFamily="-111" charset="-128"/>
+              </a:rPr>
+              <a:t>Overdiagnosed</a:t>
+            </a:r>
+            <a:r>
+              <a:rPr lang="en-US" dirty="0">
+                <a:ea typeface="ＭＳ Ｐゴシック" pitchFamily="-111" charset="-128"/>
+              </a:rPr>
+              <a:t>!!!</a:t>
+            </a:r>
+          </a:p>
+        </p:txBody>
+      </p:sp>
+    </p:spTree>
+  </p:cSld>
+  <p:clrMapOvr>
+    <a:masterClrMapping/>
+  </p:clrMapOvr>
+</p:sld>
+</file>
+
 <file path=ppt/slides/slide23.xml><?xml version="1.0" encoding="utf-8"?>
 <p:sld xmlns:a="http://schemas.openxmlformats.org/drawingml/2006/main" xmlns:r="http://schemas.openxmlformats.org/officeDocument/2006/relationships" xmlns:p="http://schemas.openxmlformats.org/presentationml/2006/main">
   <p:cSld>
@@ -11311,233 +11092,6 @@
       </p:grpSpPr>
       <p:sp>
         <p:nvSpPr>
-          <p:cNvPr id="5" name="Title 4"/>
-          <p:cNvSpPr>
-            <a:spLocks noGrp="1"/>
-          </p:cNvSpPr>
-          <p:nvPr>
-            <p:ph type="title"/>
-          </p:nvPr>
-        </p:nvSpPr>
-        <p:spPr/>
-        <p:txBody>
-          <a:bodyPr/>
-          <a:lstStyle/>
-          <a:p>
-            <a:r>
-              <a:rPr lang="en-US" sz="2800" dirty="0"/>
-              <a:t>Developmental Apraxia of Speech (DAS) Or Childhood Apraxia of speech (CAS)</a:t>
-            </a:r>
-          </a:p>
-        </p:txBody>
-      </p:sp>
-      <p:sp>
-        <p:nvSpPr>
-          <p:cNvPr id="46083" name="Content Placeholder 2"/>
-          <p:cNvSpPr>
-            <a:spLocks noGrp="1"/>
-          </p:cNvSpPr>
-          <p:nvPr>
-            <p:ph idx="1"/>
-          </p:nvPr>
-        </p:nvSpPr>
-        <p:spPr/>
-        <p:txBody>
-          <a:bodyPr>
-            <a:normAutofit/>
-          </a:bodyPr>
-          <a:lstStyle/>
-          <a:p>
-            <a:pPr lvl="2" eaLnBrk="1" hangingPunct="1">
-              <a:lnSpc>
-                <a:spcPct val="80000"/>
-              </a:lnSpc>
-              <a:buFont typeface="Arial" pitchFamily="-111" charset="0"/>
-              <a:buChar char="•"/>
-            </a:pPr>
-            <a:r>
-              <a:rPr lang="en-US" dirty="0">
-                <a:ea typeface="ＭＳ Ｐゴシック" pitchFamily="-111" charset="-128"/>
-              </a:rPr>
-              <a:t>Characteristics</a:t>
-            </a:r>
-          </a:p>
-          <a:p>
-            <a:pPr lvl="3" eaLnBrk="1" hangingPunct="1">
-              <a:lnSpc>
-                <a:spcPct val="80000"/>
-              </a:lnSpc>
-              <a:buFont typeface="Arial" pitchFamily="-111" charset="0"/>
-              <a:buChar char="•"/>
-            </a:pPr>
-            <a:r>
-              <a:rPr lang="en-US" sz="2000" dirty="0">
-                <a:ea typeface="ＭＳ Ｐゴシック" pitchFamily="-111" charset="-128"/>
-              </a:rPr>
-              <a:t>Difficulty sequencing motor movements to produce speech sounds/syllables</a:t>
-            </a:r>
-          </a:p>
-          <a:p>
-            <a:pPr lvl="3" eaLnBrk="1" hangingPunct="1">
-              <a:lnSpc>
-                <a:spcPct val="80000"/>
-              </a:lnSpc>
-              <a:buFont typeface="Arial" pitchFamily="-111" charset="0"/>
-              <a:buChar char="•"/>
-            </a:pPr>
-            <a:r>
-              <a:rPr lang="en-US" sz="2000" dirty="0">
-                <a:ea typeface="ＭＳ Ｐゴシック" pitchFamily="-111" charset="-128"/>
-              </a:rPr>
-              <a:t>Inconsistent errors</a:t>
-            </a:r>
-          </a:p>
-          <a:p>
-            <a:pPr lvl="3" eaLnBrk="1" hangingPunct="1">
-              <a:lnSpc>
-                <a:spcPct val="80000"/>
-              </a:lnSpc>
-              <a:buFont typeface="Arial" pitchFamily="-111" charset="0"/>
-              <a:buChar char="•"/>
-            </a:pPr>
-            <a:r>
-              <a:rPr lang="en-US" sz="2000" dirty="0">
-                <a:ea typeface="ＭＳ Ｐゴシック" pitchFamily="-111" charset="-128"/>
-              </a:rPr>
-              <a:t>Less common errors</a:t>
-            </a:r>
-          </a:p>
-          <a:p>
-            <a:pPr lvl="4" eaLnBrk="1" hangingPunct="1">
-              <a:lnSpc>
-                <a:spcPct val="80000"/>
-              </a:lnSpc>
-              <a:buFont typeface="Arial" pitchFamily="-111" charset="0"/>
-              <a:buChar char="•"/>
-            </a:pPr>
-            <a:r>
-              <a:rPr lang="en-US" sz="2000" dirty="0">
-                <a:ea typeface="ＭＳ Ｐゴシック" pitchFamily="-111" charset="-128"/>
-              </a:rPr>
-              <a:t>syllable omissions</a:t>
-            </a:r>
-          </a:p>
-          <a:p>
-            <a:pPr lvl="4" eaLnBrk="1" hangingPunct="1">
-              <a:lnSpc>
-                <a:spcPct val="80000"/>
-              </a:lnSpc>
-              <a:buFont typeface="Arial" pitchFamily="-111" charset="0"/>
-              <a:buChar char="•"/>
-            </a:pPr>
-            <a:r>
-              <a:rPr lang="en-US" sz="2000" dirty="0">
-                <a:ea typeface="ＭＳ Ｐゴシック" pitchFamily="-111" charset="-128"/>
-              </a:rPr>
-              <a:t>consonant substitutions</a:t>
-            </a:r>
-          </a:p>
-          <a:p>
-            <a:pPr lvl="4" eaLnBrk="1" hangingPunct="1">
-              <a:lnSpc>
-                <a:spcPct val="80000"/>
-              </a:lnSpc>
-              <a:buFont typeface="Arial" pitchFamily="-111" charset="0"/>
-              <a:buChar char="•"/>
-            </a:pPr>
-            <a:r>
-              <a:rPr lang="en-US" sz="2000" dirty="0">
-                <a:ea typeface="ＭＳ Ｐゴシック" pitchFamily="-111" charset="-128"/>
-              </a:rPr>
-              <a:t>vowel errors</a:t>
-            </a:r>
-          </a:p>
-          <a:p>
-            <a:pPr lvl="2" eaLnBrk="1" hangingPunct="1">
-              <a:lnSpc>
-                <a:spcPct val="80000"/>
-              </a:lnSpc>
-              <a:buFont typeface="Arial" pitchFamily="-111" charset="0"/>
-              <a:buChar char="•"/>
-            </a:pPr>
-            <a:r>
-              <a:rPr lang="en-US" dirty="0">
-                <a:ea typeface="ＭＳ Ｐゴシック" pitchFamily="-111" charset="-128"/>
-              </a:rPr>
-              <a:t>Developmental, not due to known neurological impairment</a:t>
-            </a:r>
-          </a:p>
-          <a:p>
-            <a:pPr lvl="2" eaLnBrk="1" hangingPunct="1">
-              <a:lnSpc>
-                <a:spcPct val="80000"/>
-              </a:lnSpc>
-              <a:buFont typeface="Arial" pitchFamily="-111" charset="0"/>
-              <a:buChar char="•"/>
-            </a:pPr>
-            <a:r>
-              <a:rPr lang="en-US" dirty="0">
-                <a:ea typeface="ＭＳ Ｐゴシック" pitchFamily="-111" charset="-128"/>
-              </a:rPr>
-              <a:t>Make very slow progress in therapy, tends to run in families</a:t>
-            </a:r>
-          </a:p>
-          <a:p>
-            <a:pPr lvl="2" eaLnBrk="1" hangingPunct="1">
-              <a:lnSpc>
-                <a:spcPct val="80000"/>
-              </a:lnSpc>
-              <a:buFont typeface="Arial" pitchFamily="-111" charset="0"/>
-              <a:buChar char="•"/>
-            </a:pPr>
-            <a:r>
-              <a:rPr lang="en-US" dirty="0">
-                <a:ea typeface="ＭＳ Ｐゴシック" pitchFamily="-111" charset="-128"/>
-              </a:rPr>
-              <a:t>Controversial and </a:t>
-            </a:r>
-            <a:r>
-              <a:rPr lang="en-US" dirty="0" err="1">
-                <a:ea typeface="ＭＳ Ｐゴシック" pitchFamily="-111" charset="-128"/>
-              </a:rPr>
-              <a:t>Overdiagnosed</a:t>
-            </a:r>
-            <a:r>
-              <a:rPr lang="en-US" dirty="0">
-                <a:ea typeface="ＭＳ Ｐゴシック" pitchFamily="-111" charset="-128"/>
-              </a:rPr>
-              <a:t>!!!</a:t>
-            </a:r>
-          </a:p>
-        </p:txBody>
-      </p:sp>
-    </p:spTree>
-  </p:cSld>
-  <p:clrMapOvr>
-    <a:masterClrMapping/>
-  </p:clrMapOvr>
-</p:sld>
-</file>
-
-<file path=ppt/slides/slide24.xml><?xml version="1.0" encoding="utf-8"?>
-<p:sld xmlns:a="http://schemas.openxmlformats.org/drawingml/2006/main" xmlns:r="http://schemas.openxmlformats.org/officeDocument/2006/relationships" xmlns:p="http://schemas.openxmlformats.org/presentationml/2006/main">
-  <p:cSld>
-    <p:spTree>
-      <p:nvGrpSpPr>
-        <p:cNvPr id="1" name=""/>
-        <p:cNvGrpSpPr/>
-        <p:nvPr/>
-      </p:nvGrpSpPr>
-      <p:grpSpPr>
-        <a:xfrm>
-          <a:off x="0" y="0"/>
-          <a:ext cx="0" cy="0"/>
-          <a:chOff x="0" y="0"/>
-          <a:chExt cx="0" cy="0"/>
-        </a:xfrm>
-      </p:grpSpPr>
-      <p:sp>
-        <p:nvSpPr>
           <p:cNvPr id="2" name="Title 1"/>
           <p:cNvSpPr>
             <a:spLocks noGrp="1"/>
@@ -11605,7 +11159,7 @@
 </p:sld>
 </file>
 
-<file path=ppt/slides/slide25.xml><?xml version="1.0" encoding="utf-8"?>
+<file path=ppt/slides/slide24.xml><?xml version="1.0" encoding="utf-8"?>
 <p:sld xmlns:a="http://schemas.openxmlformats.org/drawingml/2006/main" xmlns:r="http://schemas.openxmlformats.org/officeDocument/2006/relationships" xmlns:p="http://schemas.openxmlformats.org/presentationml/2006/main">
   <p:cSld>
     <p:spTree>
@@ -12310,7 +11864,7 @@
 </p:sld>
 </file>
 
-<file path=ppt/slides/slide26.xml><?xml version="1.0" encoding="utf-8"?>
+<file path=ppt/slides/slide25.xml><?xml version="1.0" encoding="utf-8"?>
 <p:sld xmlns:a="http://schemas.openxmlformats.org/drawingml/2006/main" xmlns:r="http://schemas.openxmlformats.org/officeDocument/2006/relationships" xmlns:p="http://schemas.openxmlformats.org/presentationml/2006/main">
   <p:cSld>
     <p:spTree>
@@ -12464,7 +12018,7 @@
 </p:sld>
 </file>
 
-<file path=ppt/slides/slide27.xml><?xml version="1.0" encoding="utf-8"?>
+<file path=ppt/slides/slide26.xml><?xml version="1.0" encoding="utf-8"?>
 <p:sld xmlns:a="http://schemas.openxmlformats.org/drawingml/2006/main" xmlns:r="http://schemas.openxmlformats.org/officeDocument/2006/relationships" xmlns:p="http://schemas.openxmlformats.org/presentationml/2006/main">
   <p:cSld>
     <p:spTree>
@@ -12687,7 +12241,7 @@
 </p:sld>
 </file>
 
-<file path=ppt/slides/slide28.xml><?xml version="1.0" encoding="utf-8"?>
+<file path=ppt/slides/slide27.xml><?xml version="1.0" encoding="utf-8"?>
 <p:sld xmlns:a="http://schemas.openxmlformats.org/drawingml/2006/main" xmlns:r="http://schemas.openxmlformats.org/officeDocument/2006/relationships" xmlns:p="http://schemas.openxmlformats.org/presentationml/2006/main">
   <p:cSld>
     <p:spTree>
@@ -13198,7 +12752,7 @@
 </p:sld>
 </file>
 
-<file path=ppt/slides/slide29.xml><?xml version="1.0" encoding="utf-8"?>
+<file path=ppt/slides/slide28.xml><?xml version="1.0" encoding="utf-8"?>
 <p:sld xmlns:a="http://schemas.openxmlformats.org/drawingml/2006/main" xmlns:r="http://schemas.openxmlformats.org/officeDocument/2006/relationships" xmlns:p="http://schemas.openxmlformats.org/presentationml/2006/main">
   <p:cSld>
     <p:spTree>
@@ -13298,105 +12852,7 @@
 </p:sld>
 </file>
 
-<file path=ppt/slides/slide3.xml><?xml version="1.0" encoding="utf-8"?>
-<p:sld xmlns:a="http://schemas.openxmlformats.org/drawingml/2006/main" xmlns:r="http://schemas.openxmlformats.org/officeDocument/2006/relationships" xmlns:p="http://schemas.openxmlformats.org/presentationml/2006/main">
-  <p:cSld>
-    <p:spTree>
-      <p:nvGrpSpPr>
-        <p:cNvPr id="1" name=""/>
-        <p:cNvGrpSpPr/>
-        <p:nvPr/>
-      </p:nvGrpSpPr>
-      <p:grpSpPr>
-        <a:xfrm>
-          <a:off x="0" y="0"/>
-          <a:ext cx="0" cy="0"/>
-          <a:chOff x="0" y="0"/>
-          <a:chExt cx="0" cy="0"/>
-        </a:xfrm>
-      </p:grpSpPr>
-      <p:pic>
-        <p:nvPicPr>
-          <p:cNvPr id="3" name="Picture 2">
-            <a:extLst>
-              <a:ext uri="{FF2B5EF4-FFF2-40B4-BE49-F238E27FC236}">
-                <a16:creationId xmlns:a16="http://schemas.microsoft.com/office/drawing/2014/main" id="{B62A080B-B862-C145-9EC0-E1ED7D2E5FAE}"/>
-              </a:ext>
-            </a:extLst>
-          </p:cNvPr>
-          <p:cNvPicPr>
-            <a:picLocks noChangeAspect="1"/>
-          </p:cNvPicPr>
-          <p:nvPr/>
-        </p:nvPicPr>
-        <p:blipFill>
-          <a:blip r:embed="rId3"/>
-          <a:stretch>
-            <a:fillRect/>
-          </a:stretch>
-        </p:blipFill>
-        <p:spPr>
-          <a:xfrm>
-            <a:off x="1615440" y="50075"/>
-            <a:ext cx="9052560" cy="6353513"/>
-          </a:xfrm>
-          <a:prstGeom prst="rect">
-            <a:avLst/>
-          </a:prstGeom>
-        </p:spPr>
-      </p:pic>
-      <p:sp>
-        <p:nvSpPr>
-          <p:cNvPr id="5" name="TextBox 4">
-            <a:extLst>
-              <a:ext uri="{FF2B5EF4-FFF2-40B4-BE49-F238E27FC236}">
-                <a16:creationId xmlns:a16="http://schemas.microsoft.com/office/drawing/2014/main" id="{2C32575B-8699-9645-9D99-0427B49DE9B3}"/>
-              </a:ext>
-            </a:extLst>
-          </p:cNvPr>
-          <p:cNvSpPr txBox="1"/>
-          <p:nvPr/>
-        </p:nvSpPr>
-        <p:spPr>
-          <a:xfrm>
-            <a:off x="2304585" y="6403587"/>
-            <a:ext cx="7871194" cy="369332"/>
-          </a:xfrm>
-          <a:prstGeom prst="rect">
-            <a:avLst/>
-          </a:prstGeom>
-          <a:noFill/>
-        </p:spPr>
-        <p:txBody>
-          <a:bodyPr wrap="none" rtlCol="0">
-            <a:spAutoFit/>
-          </a:bodyPr>
-          <a:lstStyle/>
-          <a:p>
-            <a:r>
-              <a:rPr lang="en-US" dirty="0">
-                <a:hlinkClick r:id="rId4"/>
-              </a:rPr>
-              <a:t>https://www.asha.org/Practice-Portal/Clinical-Topics/Articulation-and-Phonology/</a:t>
-            </a:r>
-            <a:endParaRPr lang="en-US" dirty="0"/>
-          </a:p>
-        </p:txBody>
-      </p:sp>
-    </p:spTree>
-    <p:extLst>
-      <p:ext uri="{BB962C8B-B14F-4D97-AF65-F5344CB8AC3E}">
-        <p14:creationId xmlns:p14="http://schemas.microsoft.com/office/powerpoint/2010/main" val="3888280937"/>
-      </p:ext>
-    </p:extLst>
-  </p:cSld>
-  <p:clrMapOvr>
-    <a:masterClrMapping/>
-  </p:clrMapOvr>
-</p:sld>
-</file>
-
-<file path=ppt/slides/slide30.xml><?xml version="1.0" encoding="utf-8"?>
+<file path=ppt/slides/slide29.xml><?xml version="1.0" encoding="utf-8"?>
 <p:sld xmlns:a="http://schemas.openxmlformats.org/drawingml/2006/main" xmlns:r="http://schemas.openxmlformats.org/officeDocument/2006/relationships" xmlns:p="http://schemas.openxmlformats.org/presentationml/2006/main">
   <p:cSld>
     <p:spTree>
@@ -13873,6 +13329,209 @@
 </p:sld>
 </file>
 
+<file path=ppt/slides/slide3.xml><?xml version="1.0" encoding="utf-8"?>
+<p:sld xmlns:a="http://schemas.openxmlformats.org/drawingml/2006/main" xmlns:r="http://schemas.openxmlformats.org/officeDocument/2006/relationships" xmlns:p="http://schemas.openxmlformats.org/presentationml/2006/main">
+  <p:cSld>
+    <p:spTree>
+      <p:nvGrpSpPr>
+        <p:cNvPr id="1" name=""/>
+        <p:cNvGrpSpPr/>
+        <p:nvPr/>
+      </p:nvGrpSpPr>
+      <p:grpSpPr>
+        <a:xfrm>
+          <a:off x="0" y="0"/>
+          <a:ext cx="0" cy="0"/>
+          <a:chOff x="0" y="0"/>
+          <a:chExt cx="0" cy="0"/>
+        </a:xfrm>
+      </p:grpSpPr>
+      <p:sp>
+        <p:nvSpPr>
+          <p:cNvPr id="3" name="Rectangle 2">
+            <a:extLst>
+              <a:ext uri="{FF2B5EF4-FFF2-40B4-BE49-F238E27FC236}">
+                <a16:creationId xmlns:a16="http://schemas.microsoft.com/office/drawing/2014/main" id="{976EB552-DD1D-B443-8BD6-64BC1DA008E4}"/>
+              </a:ext>
+            </a:extLst>
+          </p:cNvPr>
+          <p:cNvSpPr/>
+          <p:nvPr/>
+        </p:nvSpPr>
+        <p:spPr>
+          <a:xfrm>
+            <a:off x="2137954" y="901337"/>
+            <a:ext cx="7837715" cy="1938992"/>
+          </a:xfrm>
+          <a:prstGeom prst="rect">
+            <a:avLst/>
+          </a:prstGeom>
+        </p:spPr>
+        <p:txBody>
+          <a:bodyPr wrap="square">
+            <a:spAutoFit/>
+          </a:bodyPr>
+          <a:lstStyle/>
+          <a:p>
+            <a:pPr marL="342900" indent="-342900" algn="ctr">
+              <a:buFont typeface="Symbol" pitchFamily="2" charset="2"/>
+              <a:buChar char=""/>
+            </a:pPr>
+            <a:r>
+              <a:rPr lang="en-US" sz="4000" b="1" i="1" dirty="0">
+                <a:latin typeface="Garamond" panose="02020404030301010803" pitchFamily="18" charset="0"/>
+                <a:ea typeface="Calibri" panose="020F0502020204030204" pitchFamily="34" charset="0"/>
+              </a:rPr>
+              <a:t>Contrast the difference between Phonological Disorders and Articulation Disorders</a:t>
+            </a:r>
+            <a:endParaRPr lang="en-US" sz="4000" b="1" dirty="0">
+              <a:latin typeface="Times New Roman" panose="02020603050405020304" pitchFamily="18" charset="0"/>
+              <a:ea typeface="Calibri" panose="020F0502020204030204" pitchFamily="34" charset="0"/>
+            </a:endParaRPr>
+          </a:p>
+        </p:txBody>
+      </p:sp>
+      <p:sp>
+        <p:nvSpPr>
+          <p:cNvPr id="2" name="TextBox 1">
+            <a:extLst>
+              <a:ext uri="{FF2B5EF4-FFF2-40B4-BE49-F238E27FC236}">
+                <a16:creationId xmlns:a16="http://schemas.microsoft.com/office/drawing/2014/main" id="{321128BA-F93E-0248-ACCA-8A43CD4F5B21}"/>
+              </a:ext>
+            </a:extLst>
+          </p:cNvPr>
+          <p:cNvSpPr txBox="1"/>
+          <p:nvPr/>
+        </p:nvSpPr>
+        <p:spPr>
+          <a:xfrm>
+            <a:off x="2274628" y="2975213"/>
+            <a:ext cx="7837715" cy="2554545"/>
+          </a:xfrm>
+          <a:prstGeom prst="rect">
+            <a:avLst/>
+          </a:prstGeom>
+          <a:noFill/>
+        </p:spPr>
+        <p:txBody>
+          <a:bodyPr wrap="square" rtlCol="0">
+            <a:spAutoFit/>
+          </a:bodyPr>
+          <a:lstStyle/>
+          <a:p>
+            <a:r>
+              <a:rPr lang="en-US" sz="3200" b="1" dirty="0"/>
+              <a:t>Articulation</a:t>
+            </a:r>
+            <a:r>
+              <a:rPr lang="en-US" sz="3200" dirty="0"/>
+              <a:t>:  errors (distortions, substitutions) of individual speech sounds</a:t>
+            </a:r>
+          </a:p>
+          <a:p>
+            <a:endParaRPr lang="en-US" sz="3200" dirty="0"/>
+          </a:p>
+          <a:p>
+            <a:r>
+              <a:rPr lang="en-US" sz="3200" b="1" dirty="0"/>
+              <a:t>Phonological: </a:t>
+            </a:r>
+            <a:r>
+              <a:rPr lang="en-US" sz="3200" dirty="0"/>
+              <a:t>predictable, rule-based patterns that impact more than one sound.</a:t>
+            </a:r>
+            <a:endParaRPr lang="en-US" sz="3200" b="1" dirty="0"/>
+          </a:p>
+        </p:txBody>
+      </p:sp>
+    </p:spTree>
+    <p:extLst>
+      <p:ext uri="{BB962C8B-B14F-4D97-AF65-F5344CB8AC3E}">
+        <p14:creationId xmlns:p14="http://schemas.microsoft.com/office/powerpoint/2010/main" val="4165466082"/>
+      </p:ext>
+    </p:extLst>
+  </p:cSld>
+  <p:clrMapOvr>
+    <a:masterClrMapping/>
+  </p:clrMapOvr>
+</p:sld>
+</file>
+
+<file path=ppt/slides/slide30.xml><?xml version="1.0" encoding="utf-8"?>
+<p:sld xmlns:a="http://schemas.openxmlformats.org/drawingml/2006/main" xmlns:r="http://schemas.openxmlformats.org/officeDocument/2006/relationships" xmlns:p="http://schemas.openxmlformats.org/presentationml/2006/main">
+  <p:cSld>
+    <p:spTree>
+      <p:nvGrpSpPr>
+        <p:cNvPr id="1" name=""/>
+        <p:cNvGrpSpPr/>
+        <p:nvPr/>
+      </p:nvGrpSpPr>
+      <p:grpSpPr>
+        <a:xfrm>
+          <a:off x="0" y="0"/>
+          <a:ext cx="0" cy="0"/>
+          <a:chOff x="0" y="0"/>
+          <a:chExt cx="0" cy="0"/>
+        </a:xfrm>
+      </p:grpSpPr>
+      <p:sp>
+        <p:nvSpPr>
+          <p:cNvPr id="32770" name="Title 1"/>
+          <p:cNvSpPr>
+            <a:spLocks noGrp="1"/>
+          </p:cNvSpPr>
+          <p:nvPr>
+            <p:ph type="title"/>
+          </p:nvPr>
+        </p:nvSpPr>
+        <p:spPr/>
+        <p:txBody>
+          <a:bodyPr/>
+          <a:lstStyle/>
+          <a:p>
+            <a:pPr eaLnBrk="1" hangingPunct="1">
+              <a:defRPr/>
+            </a:pPr>
+            <a:r>
+              <a:rPr lang="en-US" dirty="0">
+                <a:effectLst>
+                  <a:outerShdw blurRad="38100" dist="38100" dir="2700000" algn="tl">
+                    <a:srgbClr val="DDDDDD"/>
+                  </a:outerShdw>
+                </a:effectLst>
+              </a:rPr>
+              <a:t>Traditional Articulation Therapy</a:t>
+            </a:r>
+          </a:p>
+        </p:txBody>
+      </p:sp>
+      <p:sp>
+        <p:nvSpPr>
+          <p:cNvPr id="2" name="Content Placeholder 1"/>
+          <p:cNvSpPr>
+            <a:spLocks noGrp="1"/>
+          </p:cNvSpPr>
+          <p:nvPr>
+            <p:ph idx="1"/>
+          </p:nvPr>
+        </p:nvSpPr>
+        <p:spPr/>
+        <p:txBody>
+          <a:bodyPr/>
+          <a:lstStyle/>
+          <a:p>
+            <a:endParaRPr lang="en-US"/>
+          </a:p>
+        </p:txBody>
+      </p:sp>
+    </p:spTree>
+  </p:cSld>
+  <p:clrMapOvr>
+    <a:masterClrMapping/>
+  </p:clrMapOvr>
+</p:sld>
+</file>
+
 <file path=ppt/slides/slide31.xml><?xml version="1.0" encoding="utf-8"?>
 <p:sld xmlns:a="http://schemas.openxmlformats.org/drawingml/2006/main" xmlns:r="http://schemas.openxmlformats.org/officeDocument/2006/relationships" xmlns:p="http://schemas.openxmlformats.org/presentationml/2006/main">
   <p:cSld>
@@ -13892,7 +13551,7 @@
       </p:grpSpPr>
       <p:sp>
         <p:nvSpPr>
-          <p:cNvPr id="32770" name="Title 1"/>
+          <p:cNvPr id="2" name="Title 1"/>
           <p:cNvSpPr>
             <a:spLocks noGrp="1"/>
           </p:cNvSpPr>
@@ -13905,25 +13564,16 @@
           <a:bodyPr/>
           <a:lstStyle/>
           <a:p>
-            <a:pPr eaLnBrk="1" hangingPunct="1">
-              <a:defRPr/>
-            </a:pPr>
-            <a:r>
-              <a:rPr lang="en-US" dirty="0">
-                <a:effectLst>
-                  <a:outerShdw blurRad="38100" dist="38100" dir="2700000" algn="tl">
-                    <a:srgbClr val="DDDDDD"/>
-                  </a:outerShdw>
-                </a:effectLst>
-              </a:rPr>
-              <a:t>Traditional Articulation Therapy</a:t>
-            </a:r>
-          </a:p>
-        </p:txBody>
-      </p:sp>
-      <p:sp>
-        <p:nvSpPr>
-          <p:cNvPr id="2" name="Content Placeholder 1"/>
+            <a:r>
+              <a:rPr lang="en-US" dirty="0"/>
+              <a:t>5-minute Articulation Therapy</a:t>
+            </a:r>
+          </a:p>
+        </p:txBody>
+      </p:sp>
+      <p:sp>
+        <p:nvSpPr>
+          <p:cNvPr id="3" name="Content Placeholder 2"/>
           <p:cNvSpPr>
             <a:spLocks noGrp="1"/>
           </p:cNvSpPr>
@@ -13941,6 +13591,11 @@
         </p:txBody>
       </p:sp>
     </p:spTree>
+    <p:extLst>
+      <p:ext uri="{BB962C8B-B14F-4D97-AF65-F5344CB8AC3E}">
+        <p14:creationId xmlns:p14="http://schemas.microsoft.com/office/powerpoint/2010/main" val="1119294828"/>
+      </p:ext>
+    </p:extLst>
   </p:cSld>
   <p:clrMapOvr>
     <a:masterClrMapping/>
@@ -13967,7 +13622,7 @@
       </p:grpSpPr>
       <p:sp>
         <p:nvSpPr>
-          <p:cNvPr id="2" name="Title 1"/>
+          <p:cNvPr id="33794" name="Title 1"/>
           <p:cNvSpPr>
             <a:spLocks noGrp="1"/>
           </p:cNvSpPr>
@@ -13980,16 +13635,25 @@
           <a:bodyPr/>
           <a:lstStyle/>
           <a:p>
-            <a:r>
-              <a:rPr lang="en-US" dirty="0"/>
-              <a:t>5-minute Articulation Therapy</a:t>
-            </a:r>
-          </a:p>
-        </p:txBody>
-      </p:sp>
-      <p:sp>
-        <p:nvSpPr>
-          <p:cNvPr id="3" name="Content Placeholder 2"/>
+            <a:pPr eaLnBrk="1" hangingPunct="1">
+              <a:defRPr/>
+            </a:pPr>
+            <a:r>
+              <a:rPr lang="en-US">
+                <a:effectLst>
+                  <a:outerShdw blurRad="38100" dist="38100" dir="2700000" algn="tl">
+                    <a:srgbClr val="DDDDDD"/>
+                  </a:outerShdw>
+                </a:effectLst>
+              </a:rPr>
+              <a:t>Phonological Therapy</a:t>
+            </a:r>
+          </a:p>
+        </p:txBody>
+      </p:sp>
+      <p:sp>
+        <p:nvSpPr>
+          <p:cNvPr id="57347" name="Content Placeholder 2"/>
           <p:cNvSpPr>
             <a:spLocks noGrp="1"/>
           </p:cNvSpPr>
@@ -14002,16 +13666,32 @@
           <a:bodyPr/>
           <a:lstStyle/>
           <a:p>
+            <a:pPr eaLnBrk="1" hangingPunct="1"/>
+            <a:r>
+              <a:rPr lang="en-US">
+                <a:ea typeface="ＭＳ Ｐゴシック" pitchFamily="-111" charset="-128"/>
+                <a:cs typeface="ＭＳ Ｐゴシック" pitchFamily="-111" charset="-128"/>
+              </a:rPr>
+              <a:t>Emphasis on changing the patterns of errors or underlying phonological knowledge</a:t>
+            </a:r>
+          </a:p>
+          <a:p>
+            <a:pPr eaLnBrk="1" hangingPunct="1"/>
+            <a:r>
+              <a:rPr lang="en-US">
+                <a:ea typeface="ＭＳ Ｐゴシック" pitchFamily="-111" charset="-128"/>
+                <a:cs typeface="ＭＳ Ｐゴシック" pitchFamily="-111" charset="-128"/>
+              </a:rPr>
+              <a:t>Appropriate for children who are highly unintelligible </a:t>
+            </a:r>
+          </a:p>
+          <a:p>
+            <a:pPr lvl="1" eaLnBrk="1" hangingPunct="1"/>
             <a:endParaRPr lang="en-US"/>
           </a:p>
         </p:txBody>
       </p:sp>
     </p:spTree>
-    <p:extLst>
-      <p:ext uri="{BB962C8B-B14F-4D97-AF65-F5344CB8AC3E}">
-        <p14:creationId xmlns:p14="http://schemas.microsoft.com/office/powerpoint/2010/main" val="1119294828"/>
-      </p:ext>
-    </p:extLst>
   </p:cSld>
   <p:clrMapOvr>
     <a:masterClrMapping/>
@@ -14020,102 +13700,6 @@
 </file>
 
 <file path=ppt/slides/slide33.xml><?xml version="1.0" encoding="utf-8"?>
-<p:sld xmlns:a="http://schemas.openxmlformats.org/drawingml/2006/main" xmlns:r="http://schemas.openxmlformats.org/officeDocument/2006/relationships" xmlns:p="http://schemas.openxmlformats.org/presentationml/2006/main">
-  <p:cSld>
-    <p:spTree>
-      <p:nvGrpSpPr>
-        <p:cNvPr id="1" name=""/>
-        <p:cNvGrpSpPr/>
-        <p:nvPr/>
-      </p:nvGrpSpPr>
-      <p:grpSpPr>
-        <a:xfrm>
-          <a:off x="0" y="0"/>
-          <a:ext cx="0" cy="0"/>
-          <a:chOff x="0" y="0"/>
-          <a:chExt cx="0" cy="0"/>
-        </a:xfrm>
-      </p:grpSpPr>
-      <p:sp>
-        <p:nvSpPr>
-          <p:cNvPr id="33794" name="Title 1"/>
-          <p:cNvSpPr>
-            <a:spLocks noGrp="1"/>
-          </p:cNvSpPr>
-          <p:nvPr>
-            <p:ph type="title"/>
-          </p:nvPr>
-        </p:nvSpPr>
-        <p:spPr/>
-        <p:txBody>
-          <a:bodyPr/>
-          <a:lstStyle/>
-          <a:p>
-            <a:pPr eaLnBrk="1" hangingPunct="1">
-              <a:defRPr/>
-            </a:pPr>
-            <a:r>
-              <a:rPr lang="en-US">
-                <a:effectLst>
-                  <a:outerShdw blurRad="38100" dist="38100" dir="2700000" algn="tl">
-                    <a:srgbClr val="DDDDDD"/>
-                  </a:outerShdw>
-                </a:effectLst>
-              </a:rPr>
-              <a:t>Phonological Therapy</a:t>
-            </a:r>
-          </a:p>
-        </p:txBody>
-      </p:sp>
-      <p:sp>
-        <p:nvSpPr>
-          <p:cNvPr id="57347" name="Content Placeholder 2"/>
-          <p:cNvSpPr>
-            <a:spLocks noGrp="1"/>
-          </p:cNvSpPr>
-          <p:nvPr>
-            <p:ph idx="1"/>
-          </p:nvPr>
-        </p:nvSpPr>
-        <p:spPr/>
-        <p:txBody>
-          <a:bodyPr/>
-          <a:lstStyle/>
-          <a:p>
-            <a:pPr eaLnBrk="1" hangingPunct="1"/>
-            <a:r>
-              <a:rPr lang="en-US">
-                <a:ea typeface="ＭＳ Ｐゴシック" pitchFamily="-111" charset="-128"/>
-                <a:cs typeface="ＭＳ Ｐゴシック" pitchFamily="-111" charset="-128"/>
-              </a:rPr>
-              <a:t>Emphasis on changing the patterns of errors or underlying phonological knowledge</a:t>
-            </a:r>
-          </a:p>
-          <a:p>
-            <a:pPr eaLnBrk="1" hangingPunct="1"/>
-            <a:r>
-              <a:rPr lang="en-US">
-                <a:ea typeface="ＭＳ Ｐゴシック" pitchFamily="-111" charset="-128"/>
-                <a:cs typeface="ＭＳ Ｐゴシック" pitchFamily="-111" charset="-128"/>
-              </a:rPr>
-              <a:t>Appropriate for children who are highly unintelligible </a:t>
-            </a:r>
-          </a:p>
-          <a:p>
-            <a:pPr lvl="1" eaLnBrk="1" hangingPunct="1"/>
-            <a:endParaRPr lang="en-US"/>
-          </a:p>
-        </p:txBody>
-      </p:sp>
-    </p:spTree>
-  </p:cSld>
-  <p:clrMapOvr>
-    <a:masterClrMapping/>
-  </p:clrMapOvr>
-</p:sld>
-</file>
-
-<file path=ppt/slides/slide34.xml><?xml version="1.0" encoding="utf-8"?>
 <p:sld xmlns:a="http://schemas.openxmlformats.org/drawingml/2006/main" xmlns:r="http://schemas.openxmlformats.org/officeDocument/2006/relationships" xmlns:p="http://schemas.openxmlformats.org/presentationml/2006/main">
   <p:cSld>
     <p:spTree>
@@ -14271,7 +13855,7 @@
 </p:sld>
 </file>
 
-<file path=ppt/slides/slide35.xml><?xml version="1.0" encoding="utf-8"?>
+<file path=ppt/slides/slide34.xml><?xml version="1.0" encoding="utf-8"?>
 <p:sld xmlns:a="http://schemas.openxmlformats.org/drawingml/2006/main" xmlns:r="http://schemas.openxmlformats.org/officeDocument/2006/relationships" xmlns:p="http://schemas.openxmlformats.org/presentationml/2006/main">
   <p:cSld>
     <p:spTree>
@@ -14521,10 +14105,10 @@
       </p:grpSpPr>
       <p:sp>
         <p:nvSpPr>
-          <p:cNvPr id="3" name="Rectangle 2">
+          <p:cNvPr id="2" name="Rectangle 1">
             <a:extLst>
               <a:ext uri="{FF2B5EF4-FFF2-40B4-BE49-F238E27FC236}">
-                <a16:creationId xmlns:a16="http://schemas.microsoft.com/office/drawing/2014/main" id="{976EB552-DD1D-B443-8BD6-64BC1DA008E4}"/>
+                <a16:creationId xmlns:a16="http://schemas.microsoft.com/office/drawing/2014/main" id="{50510142-F93B-0F46-B98F-DE6D2B3538EF}"/>
               </a:ext>
             </a:extLst>
           </p:cNvPr>
@@ -14533,8 +14117,8 @@
         </p:nvSpPr>
         <p:spPr>
           <a:xfrm>
-            <a:off x="2137954" y="901337"/>
-            <a:ext cx="7837715" cy="1938992"/>
+            <a:off x="2224850" y="914602"/>
+            <a:ext cx="8242662" cy="1323439"/>
           </a:xfrm>
           <a:prstGeom prst="rect">
             <a:avLst/>
@@ -14555,7 +14139,7 @@
                 <a:latin typeface="Garamond" panose="02020404030301010803" pitchFamily="18" charset="0"/>
                 <a:ea typeface="Calibri" panose="020F0502020204030204" pitchFamily="34" charset="0"/>
               </a:rPr>
-              <a:t>Contrast the difference between Phonological Disorders and Articulation Disorders</a:t>
+              <a:t>How do SSDs relate to Language Development?</a:t>
             </a:r>
             <a:endParaRPr lang="en-US" sz="4000" b="1" dirty="0">
               <a:latin typeface="Times New Roman" panose="02020603050405020304" pitchFamily="18" charset="0"/>
@@ -14566,10 +14150,10 @@
       </p:sp>
       <p:sp>
         <p:nvSpPr>
-          <p:cNvPr id="2" name="TextBox 1">
+          <p:cNvPr id="3" name="TextBox 2">
             <a:extLst>
               <a:ext uri="{FF2B5EF4-FFF2-40B4-BE49-F238E27FC236}">
-                <a16:creationId xmlns:a16="http://schemas.microsoft.com/office/drawing/2014/main" id="{321128BA-F93E-0248-ACCA-8A43CD4F5B21}"/>
+                <a16:creationId xmlns:a16="http://schemas.microsoft.com/office/drawing/2014/main" id="{BBB07768-D6CC-DD4E-8242-7779F67E833B}"/>
               </a:ext>
             </a:extLst>
           </p:cNvPr>
@@ -14578,8 +14162,8 @@
         </p:nvSpPr>
         <p:spPr>
           <a:xfrm>
-            <a:off x="2274628" y="2975213"/>
-            <a:ext cx="7837715" cy="2554545"/>
+            <a:off x="1974669" y="2238040"/>
+            <a:ext cx="8242663" cy="4278094"/>
           </a:xfrm>
           <a:prstGeom prst="rect">
             <a:avLst/>
@@ -14593,34 +14177,67 @@
           <a:lstStyle/>
           <a:p>
             <a:r>
-              <a:rPr lang="en-US" sz="3200" b="1" dirty="0"/>
-              <a:t>Articulation</a:t>
-            </a:r>
-            <a:r>
-              <a:rPr lang="en-US" sz="3200" dirty="0"/>
-              <a:t>:  errors (distortions, substitutions) of individual speech sounds</a:t>
-            </a:r>
-          </a:p>
-          <a:p>
-            <a:endParaRPr lang="en-US" sz="3200" dirty="0"/>
-          </a:p>
-          <a:p>
-            <a:r>
-              <a:rPr lang="en-US" sz="3200" b="1" dirty="0"/>
-              <a:t>Phonological: </a:t>
-            </a:r>
-            <a:r>
-              <a:rPr lang="en-US" sz="3200" dirty="0"/>
-              <a:t>predictable, rule-based patterns that impact more than one sound.</a:t>
-            </a:r>
-            <a:endParaRPr lang="en-US" sz="3200" b="1" dirty="0"/>
+              <a:rPr lang="en-US" sz="2400" dirty="0"/>
+              <a:t>Language testing/screening is included in a comprehensive speech sound assessment because of the high incidence of co-occurring language problems.</a:t>
+            </a:r>
+          </a:p>
+          <a:p>
+            <a:endParaRPr lang="en-US" sz="2400" dirty="0"/>
+          </a:p>
+          <a:p>
+            <a:pPr marL="285750" indent="-285750">
+              <a:buFont typeface="Arial" panose="020B0604020202020204" pitchFamily="34" charset="0"/>
+              <a:buChar char="•"/>
+            </a:pPr>
+            <a:r>
+              <a:rPr lang="en-US" dirty="0"/>
+              <a:t>	</a:t>
+            </a:r>
+            <a:r>
+              <a:rPr lang="en-US" sz="2400" dirty="0"/>
+              <a:t>35-50% of children with SSD have language problems</a:t>
+            </a:r>
+          </a:p>
+          <a:p>
+            <a:pPr marL="285750" indent="-285750">
+              <a:buFont typeface="Arial" panose="020B0604020202020204" pitchFamily="34" charset="0"/>
+              <a:buChar char="•"/>
+            </a:pPr>
+            <a:endParaRPr lang="en-US" sz="1600" dirty="0"/>
+          </a:p>
+          <a:p>
+            <a:pPr marL="342900" indent="-342900">
+              <a:buFont typeface="Arial" panose="020B0604020202020204" pitchFamily="34" charset="0"/>
+              <a:buChar char="•"/>
+            </a:pPr>
+            <a:r>
+              <a:rPr lang="en-US" sz="2400" dirty="0"/>
+              <a:t>	50-75% of children with SSD have long term academic problems</a:t>
+            </a:r>
+          </a:p>
+          <a:p>
+            <a:pPr marL="342900" indent="-342900">
+              <a:buFont typeface="Arial" panose="020B0604020202020204" pitchFamily="34" charset="0"/>
+              <a:buChar char="•"/>
+            </a:pPr>
+            <a:endParaRPr lang="en-US" sz="1600" dirty="0"/>
+          </a:p>
+          <a:p>
+            <a:pPr marL="342900" indent="-342900">
+              <a:buFont typeface="Arial" panose="020B0604020202020204" pitchFamily="34" charset="0"/>
+              <a:buChar char="•"/>
+            </a:pPr>
+            <a:r>
+              <a:rPr lang="en-US" sz="2400" dirty="0"/>
+              <a:t>	Children with SSD may also have difficulty with phonological awareness; phonological memory, phonological recoding in lexical access</a:t>
+            </a:r>
           </a:p>
         </p:txBody>
       </p:sp>
     </p:spTree>
     <p:extLst>
       <p:ext uri="{BB962C8B-B14F-4D97-AF65-F5344CB8AC3E}">
-        <p14:creationId xmlns:p14="http://schemas.microsoft.com/office/powerpoint/2010/main" val="4165466082"/>
+        <p14:creationId xmlns:p14="http://schemas.microsoft.com/office/powerpoint/2010/main" val="519111626"/>
       </p:ext>
     </p:extLst>
   </p:cSld>
@@ -14661,8 +14278,8 @@
         </p:nvSpPr>
         <p:spPr>
           <a:xfrm>
-            <a:off x="2224850" y="914602"/>
-            <a:ext cx="8242662" cy="1323439"/>
+            <a:off x="3261360" y="1232654"/>
+            <a:ext cx="6426926" cy="1323439"/>
           </a:xfrm>
           <a:prstGeom prst="rect">
             <a:avLst/>
@@ -14674,7 +14291,7 @@
           </a:bodyPr>
           <a:lstStyle/>
           <a:p>
-            <a:pPr marL="342900" indent="-342900" algn="ctr">
+            <a:pPr marL="342900" indent="-342900">
               <a:buFont typeface="Symbol" pitchFamily="2" charset="2"/>
               <a:buChar char=""/>
             </a:pPr>
@@ -14683,7 +14300,7 @@
                 <a:latin typeface="Garamond" panose="02020404030301010803" pitchFamily="18" charset="0"/>
                 <a:ea typeface="Calibri" panose="020F0502020204030204" pitchFamily="34" charset="0"/>
               </a:rPr>
-              <a:t>How do SSDs relate to Language Development?</a:t>
+              <a:t>How do SSDs relate to Reading Disorders?</a:t>
             </a:r>
             <a:endParaRPr lang="en-US" sz="4000" b="1" dirty="0">
               <a:latin typeface="Times New Roman" panose="02020603050405020304" pitchFamily="18" charset="0"/>
@@ -14706,8 +14323,8 @@
         </p:nvSpPr>
         <p:spPr>
           <a:xfrm>
-            <a:off x="1974669" y="2238040"/>
-            <a:ext cx="8242663" cy="4278094"/>
+            <a:off x="2085703" y="2651761"/>
+            <a:ext cx="8242663" cy="3323987"/>
           </a:xfrm>
           <a:prstGeom prst="rect">
             <a:avLst/>
@@ -14722,66 +14339,56 @@
           <a:p>
             <a:r>
               <a:rPr lang="en-US" sz="2400" dirty="0"/>
-              <a:t>Language testing/screening is included in a comprehensive speech sound assessment because of the high incidence of co-occurring language problems.</a:t>
+              <a:t>Consider the findings of the National Reading Panel (2000) which identified effective methods for reading instruction, the Big Five:</a:t>
             </a:r>
           </a:p>
           <a:p>
             <a:endParaRPr lang="en-US" sz="2400" dirty="0"/>
           </a:p>
           <a:p>
-            <a:pPr marL="285750" indent="-285750">
-              <a:buFont typeface="Arial" panose="020B0604020202020204" pitchFamily="34" charset="0"/>
-              <a:buChar char="•"/>
-            </a:pPr>
-            <a:r>
-              <a:rPr lang="en-US" dirty="0"/>
-              <a:t>	</a:t>
-            </a:r>
+            <a:pPr algn="ctr"/>
             <a:r>
               <a:rPr lang="en-US" sz="2400" dirty="0"/>
-              <a:t>35-50% of children with SSD have language problems</a:t>
-            </a:r>
-          </a:p>
-          <a:p>
-            <a:pPr marL="285750" indent="-285750">
-              <a:buFont typeface="Arial" panose="020B0604020202020204" pitchFamily="34" charset="0"/>
-              <a:buChar char="•"/>
-            </a:pPr>
-            <a:endParaRPr lang="en-US" sz="1600" dirty="0"/>
-          </a:p>
-          <a:p>
-            <a:pPr marL="342900" indent="-342900">
-              <a:buFont typeface="Arial" panose="020B0604020202020204" pitchFamily="34" charset="0"/>
-              <a:buChar char="•"/>
-            </a:pPr>
+              <a:t>Phonemic Awareness</a:t>
+            </a:r>
+          </a:p>
+          <a:p>
+            <a:pPr algn="ctr"/>
             <a:r>
               <a:rPr lang="en-US" sz="2400" dirty="0"/>
-              <a:t>	50-75% of children with SSD have long term academic problems</a:t>
-            </a:r>
-          </a:p>
-          <a:p>
-            <a:pPr marL="342900" indent="-342900">
-              <a:buFont typeface="Arial" panose="020B0604020202020204" pitchFamily="34" charset="0"/>
-              <a:buChar char="•"/>
-            </a:pPr>
-            <a:endParaRPr lang="en-US" sz="1600" dirty="0"/>
-          </a:p>
-          <a:p>
-            <a:pPr marL="342900" indent="-342900">
-              <a:buFont typeface="Arial" panose="020B0604020202020204" pitchFamily="34" charset="0"/>
-              <a:buChar char="•"/>
-            </a:pPr>
+              <a:t>Phonics</a:t>
+            </a:r>
+          </a:p>
+          <a:p>
+            <a:pPr algn="ctr"/>
             <a:r>
               <a:rPr lang="en-US" sz="2400" dirty="0"/>
-              <a:t>	Children with SSD may also have difficulty with phonological awareness; phonological memory, phonological recoding in lexical access</a:t>
-            </a:r>
+              <a:t>Fluency</a:t>
+            </a:r>
+          </a:p>
+          <a:p>
+            <a:pPr algn="ctr"/>
+            <a:r>
+              <a:rPr lang="en-US" sz="2400" dirty="0"/>
+              <a:t>Vocabulary</a:t>
+            </a:r>
+          </a:p>
+          <a:p>
+            <a:pPr algn="ctr"/>
+            <a:r>
+              <a:rPr lang="en-US" sz="2400" dirty="0"/>
+              <a:t>Reading Comprehension</a:t>
+            </a:r>
+          </a:p>
+          <a:p>
+            <a:endParaRPr lang="en-US" dirty="0"/>
           </a:p>
         </p:txBody>
       </p:sp>
     </p:spTree>
     <p:extLst>
       <p:ext uri="{BB962C8B-B14F-4D97-AF65-F5344CB8AC3E}">
-        <p14:creationId xmlns:p14="http://schemas.microsoft.com/office/powerpoint/2010/main" val="519111626"/>
+        <p14:creationId xmlns:p14="http://schemas.microsoft.com/office/powerpoint/2010/main" val="1701068513"/>
       </p:ext>
     </p:extLst>
   </p:cSld>
@@ -14813,7 +14420,7 @@
           <p:cNvPr id="2" name="Rectangle 1">
             <a:extLst>
               <a:ext uri="{FF2B5EF4-FFF2-40B4-BE49-F238E27FC236}">
-                <a16:creationId xmlns:a16="http://schemas.microsoft.com/office/drawing/2014/main" id="{50510142-F93B-0F46-B98F-DE6D2B3538EF}"/>
+                <a16:creationId xmlns:a16="http://schemas.microsoft.com/office/drawing/2014/main" id="{1DC24E13-2F75-CE44-BB9B-2D9169BE3419}"/>
               </a:ext>
             </a:extLst>
           </p:cNvPr>
@@ -14822,8 +14429,8 @@
         </p:nvSpPr>
         <p:spPr>
           <a:xfrm>
-            <a:off x="3261360" y="1232654"/>
-            <a:ext cx="6426926" cy="1323439"/>
+            <a:off x="2165500" y="891397"/>
+            <a:ext cx="7861000" cy="1600438"/>
           </a:xfrm>
           <a:prstGeom prst="rect">
             <a:avLst/>
@@ -14835,7 +14442,7 @@
           </a:bodyPr>
           <a:lstStyle/>
           <a:p>
-            <a:pPr marL="342900" indent="-342900">
+            <a:pPr marL="342900" indent="-342900" algn="ctr">
               <a:buFont typeface="Symbol" pitchFamily="2" charset="2"/>
               <a:buChar char=""/>
             </a:pPr>
@@ -14844,13 +14451,27 @@
                 <a:latin typeface="Garamond" panose="02020404030301010803" pitchFamily="18" charset="0"/>
                 <a:ea typeface="Calibri" panose="020F0502020204030204" pitchFamily="34" charset="0"/>
               </a:rPr>
-              <a:t>How do SSDs relate to Reading Disorders?</a:t>
-            </a:r>
-            <a:endParaRPr lang="en-US" sz="4000" b="1" dirty="0">
+              <a:t>What’s the relationship between SSDs and Hearing?</a:t>
+            </a:r>
+            <a:endParaRPr lang="en-US" sz="4000" b="1" i="1" dirty="0">
               <a:latin typeface="Times New Roman" panose="02020603050405020304" pitchFamily="18" charset="0"/>
               <a:ea typeface="Calibri" panose="020F0502020204030204" pitchFamily="34" charset="0"/>
             </a:endParaRPr>
           </a:p>
+          <a:p>
+            <a:pPr algn="ctr"/>
+            <a:r>
+              <a:rPr lang="en-US" i="1" dirty="0">
+                <a:latin typeface="Garamond" panose="02020404030301010803" pitchFamily="18" charset="0"/>
+                <a:ea typeface="Calibri" panose="020F0502020204030204" pitchFamily="34" charset="0"/>
+              </a:rPr>
+              <a:t> </a:t>
+            </a:r>
+            <a:endParaRPr lang="en-US" dirty="0">
+              <a:latin typeface="Times New Roman" panose="02020603050405020304" pitchFamily="18" charset="0"/>
+              <a:ea typeface="Calibri" panose="020F0502020204030204" pitchFamily="34" charset="0"/>
+            </a:endParaRPr>
+          </a:p>
         </p:txBody>
       </p:sp>
       <p:sp>
@@ -14858,7 +14479,7 @@
           <p:cNvPr id="3" name="TextBox 2">
             <a:extLst>
               <a:ext uri="{FF2B5EF4-FFF2-40B4-BE49-F238E27FC236}">
-                <a16:creationId xmlns:a16="http://schemas.microsoft.com/office/drawing/2014/main" id="{BBB07768-D6CC-DD4E-8242-7779F67E833B}"/>
+                <a16:creationId xmlns:a16="http://schemas.microsoft.com/office/drawing/2014/main" id="{360E7F92-74C4-8047-8FD7-AD12AE1BDF5D}"/>
               </a:ext>
             </a:extLst>
           </p:cNvPr>
@@ -14867,8 +14488,8 @@
         </p:nvSpPr>
         <p:spPr>
           <a:xfrm>
-            <a:off x="2085703" y="2651761"/>
-            <a:ext cx="8242663" cy="3323987"/>
+            <a:off x="2011018" y="2166731"/>
+            <a:ext cx="7553739" cy="4524315"/>
           </a:xfrm>
           <a:prstGeom prst="rect">
             <a:avLst/>
@@ -14883,56 +14504,86 @@
           <a:p>
             <a:r>
               <a:rPr lang="en-US" sz="2400" dirty="0"/>
-              <a:t>Consider the findings of the National Reading Panel (2000) which identified effective methods for reading instruction, the Big Five:</a:t>
+              <a:t>Hearing loss can affect speech perception and production to varying degrees depending on age of onset and severity.</a:t>
             </a:r>
           </a:p>
           <a:p>
             <a:endParaRPr lang="en-US" sz="2400" dirty="0"/>
           </a:p>
           <a:p>
-            <a:pPr algn="ctr"/>
             <a:r>
               <a:rPr lang="en-US" sz="2400" dirty="0"/>
-              <a:t>Phonemic Awareness</a:t>
-            </a:r>
-          </a:p>
-          <a:p>
-            <a:pPr algn="ctr"/>
+              <a:t>Characteristics include:</a:t>
+            </a:r>
+          </a:p>
+          <a:p>
+            <a:pPr marL="342900" indent="-342900">
+              <a:buFont typeface="Arial" panose="020B0604020202020204" pitchFamily="34" charset="0"/>
+              <a:buChar char="•"/>
+            </a:pPr>
             <a:r>
               <a:rPr lang="en-US" sz="2400" dirty="0"/>
-              <a:t>Phonics</a:t>
-            </a:r>
-          </a:p>
-          <a:p>
-            <a:pPr algn="ctr"/>
+              <a:t>	consonant deletions (especially final consonants)</a:t>
+            </a:r>
+          </a:p>
+          <a:p>
+            <a:pPr marL="342900" indent="-342900">
+              <a:buFont typeface="Arial" panose="020B0604020202020204" pitchFamily="34" charset="0"/>
+              <a:buChar char="•"/>
+            </a:pPr>
             <a:r>
               <a:rPr lang="en-US" sz="2400" dirty="0"/>
-              <a:t>Fluency</a:t>
-            </a:r>
-          </a:p>
-          <a:p>
-            <a:pPr algn="ctr"/>
+              <a:t>	consonant substitutions</a:t>
+            </a:r>
+          </a:p>
+          <a:p>
             <a:r>
               <a:rPr lang="en-US" sz="2400" dirty="0"/>
-              <a:t>Vocabulary</a:t>
-            </a:r>
-          </a:p>
-          <a:p>
-            <a:pPr algn="ctr"/>
+              <a:t>		voiced/voiceless cognates</a:t>
+            </a:r>
+          </a:p>
+          <a:p>
             <a:r>
               <a:rPr lang="en-US" sz="2400" dirty="0"/>
-              <a:t>Reading Comprehension</a:t>
-            </a:r>
-          </a:p>
-          <a:p>
-            <a:endParaRPr lang="en-US" dirty="0"/>
+              <a:t>		stops for fricatives and liquids</a:t>
+            </a:r>
+          </a:p>
+          <a:p>
+            <a:pPr marL="342900" indent="-342900">
+              <a:buFont typeface="Arial" panose="020B0604020202020204" pitchFamily="34" charset="0"/>
+              <a:buChar char="•"/>
+            </a:pPr>
+            <a:r>
+              <a:rPr lang="en-US" sz="2400" dirty="0"/>
+              <a:t>	vowels tend to be neutralized</a:t>
+            </a:r>
+          </a:p>
+          <a:p>
+            <a:pPr marL="342900" indent="-342900">
+              <a:buFont typeface="Arial" panose="020B0604020202020204" pitchFamily="34" charset="0"/>
+              <a:buChar char="•"/>
+            </a:pPr>
+            <a:r>
+              <a:rPr lang="en-US" sz="2400" dirty="0"/>
+              <a:t>	reduced speech intelligibility particularly as linguistic complexity increases</a:t>
+            </a:r>
+          </a:p>
+          <a:p>
+            <a:pPr marL="342900" indent="-342900">
+              <a:buFont typeface="Arial" panose="020B0604020202020204" pitchFamily="34" charset="0"/>
+              <a:buChar char="•"/>
+            </a:pPr>
+            <a:r>
+              <a:rPr lang="en-US" sz="2400" dirty="0"/>
+              <a:t>	distorted resonance</a:t>
+            </a:r>
           </a:p>
         </p:txBody>
       </p:sp>
     </p:spTree>
     <p:extLst>
       <p:ext uri="{BB962C8B-B14F-4D97-AF65-F5344CB8AC3E}">
-        <p14:creationId xmlns:p14="http://schemas.microsoft.com/office/powerpoint/2010/main" val="1701068513"/>
+        <p14:creationId xmlns:p14="http://schemas.microsoft.com/office/powerpoint/2010/main" val="3701101387"/>
       </p:ext>
     </p:extLst>
   </p:cSld>
@@ -14964,7 +14615,7 @@
           <p:cNvPr id="2" name="Rectangle 1">
             <a:extLst>
               <a:ext uri="{FF2B5EF4-FFF2-40B4-BE49-F238E27FC236}">
-                <a16:creationId xmlns:a16="http://schemas.microsoft.com/office/drawing/2014/main" id="{1DC24E13-2F75-CE44-BB9B-2D9169BE3419}"/>
+                <a16:creationId xmlns:a16="http://schemas.microsoft.com/office/drawing/2014/main" id="{60DD3A2F-BDF9-C243-B709-B15FE94EFEF3}"/>
               </a:ext>
             </a:extLst>
           </p:cNvPr>
@@ -14973,8 +14624,8 @@
         </p:nvSpPr>
         <p:spPr>
           <a:xfrm>
-            <a:off x="2165500" y="891397"/>
-            <a:ext cx="7861000" cy="1600438"/>
+            <a:off x="2542903" y="819836"/>
+            <a:ext cx="7445828" cy="1938992"/>
           </a:xfrm>
           <a:prstGeom prst="rect">
             <a:avLst/>
@@ -14986,7 +14637,7 @@
           </a:bodyPr>
           <a:lstStyle/>
           <a:p>
-            <a:pPr marL="342900" indent="-342900" algn="ctr">
+            <a:pPr marL="342900" indent="-342900">
               <a:buFont typeface="Symbol" pitchFamily="2" charset="2"/>
               <a:buChar char=""/>
             </a:pPr>
@@ -14995,139 +14646,19 @@
                 <a:latin typeface="Garamond" panose="02020404030301010803" pitchFamily="18" charset="0"/>
                 <a:ea typeface="Calibri" panose="020F0502020204030204" pitchFamily="34" charset="0"/>
               </a:rPr>
-              <a:t>What’s the relationship between SSDs and Hearing?</a:t>
-            </a:r>
-            <a:endParaRPr lang="en-US" sz="4000" b="1" i="1" dirty="0">
+              <a:t>List informal/formal assessment methods commonly used with children with SSD?</a:t>
+            </a:r>
+            <a:endParaRPr lang="en-US" sz="4000" b="1" dirty="0">
               <a:latin typeface="Times New Roman" panose="02020603050405020304" pitchFamily="18" charset="0"/>
               <a:ea typeface="Calibri" panose="020F0502020204030204" pitchFamily="34" charset="0"/>
             </a:endParaRPr>
           </a:p>
-          <a:p>
-            <a:pPr algn="ctr"/>
-            <a:r>
-              <a:rPr lang="en-US" i="1" dirty="0">
-                <a:latin typeface="Garamond" panose="02020404030301010803" pitchFamily="18" charset="0"/>
-                <a:ea typeface="Calibri" panose="020F0502020204030204" pitchFamily="34" charset="0"/>
-              </a:rPr>
-              <a:t> </a:t>
-            </a:r>
-            <a:endParaRPr lang="en-US" dirty="0">
-              <a:latin typeface="Times New Roman" panose="02020603050405020304" pitchFamily="18" charset="0"/>
-              <a:ea typeface="Calibri" panose="020F0502020204030204" pitchFamily="34" charset="0"/>
-            </a:endParaRPr>
-          </a:p>
-        </p:txBody>
-      </p:sp>
-      <p:sp>
-        <p:nvSpPr>
-          <p:cNvPr id="3" name="TextBox 2">
-            <a:extLst>
-              <a:ext uri="{FF2B5EF4-FFF2-40B4-BE49-F238E27FC236}">
-                <a16:creationId xmlns:a16="http://schemas.microsoft.com/office/drawing/2014/main" id="{360E7F92-74C4-8047-8FD7-AD12AE1BDF5D}"/>
-              </a:ext>
-            </a:extLst>
-          </p:cNvPr>
-          <p:cNvSpPr txBox="1"/>
-          <p:nvPr/>
-        </p:nvSpPr>
-        <p:spPr>
-          <a:xfrm>
-            <a:off x="2011018" y="2166731"/>
-            <a:ext cx="7553739" cy="4524315"/>
-          </a:xfrm>
-          <a:prstGeom prst="rect">
-            <a:avLst/>
-          </a:prstGeom>
-          <a:noFill/>
-        </p:spPr>
-        <p:txBody>
-          <a:bodyPr wrap="square" rtlCol="0">
-            <a:spAutoFit/>
-          </a:bodyPr>
-          <a:lstStyle/>
-          <a:p>
-            <a:r>
-              <a:rPr lang="en-US" sz="2400" dirty="0"/>
-              <a:t>Hearing loss can affect speech perception and production to varying degrees depending on age of onset and severity.</a:t>
-            </a:r>
-          </a:p>
-          <a:p>
-            <a:endParaRPr lang="en-US" sz="2400" dirty="0"/>
-          </a:p>
-          <a:p>
-            <a:r>
-              <a:rPr lang="en-US" sz="2400" dirty="0"/>
-              <a:t>Characteristics include:</a:t>
-            </a:r>
-          </a:p>
-          <a:p>
-            <a:pPr marL="342900" indent="-342900">
-              <a:buFont typeface="Arial" panose="020B0604020202020204" pitchFamily="34" charset="0"/>
-              <a:buChar char="•"/>
-            </a:pPr>
-            <a:r>
-              <a:rPr lang="en-US" sz="2400" dirty="0"/>
-              <a:t>	consonant deletions (especially final consonants)</a:t>
-            </a:r>
-          </a:p>
-          <a:p>
-            <a:pPr marL="342900" indent="-342900">
-              <a:buFont typeface="Arial" panose="020B0604020202020204" pitchFamily="34" charset="0"/>
-              <a:buChar char="•"/>
-            </a:pPr>
-            <a:r>
-              <a:rPr lang="en-US" sz="2400" dirty="0"/>
-              <a:t>	consonant substitutions</a:t>
-            </a:r>
-          </a:p>
-          <a:p>
-            <a:r>
-              <a:rPr lang="en-US" sz="2400" dirty="0"/>
-              <a:t>		voiced/voiceless cognates</a:t>
-            </a:r>
-          </a:p>
-          <a:p>
-            <a:r>
-              <a:rPr lang="en-US" sz="2400" dirty="0"/>
-              <a:t>		stops for fricatives and liquids</a:t>
-            </a:r>
-          </a:p>
-          <a:p>
-            <a:pPr marL="342900" indent="-342900">
-              <a:buFont typeface="Arial" panose="020B0604020202020204" pitchFamily="34" charset="0"/>
-              <a:buChar char="•"/>
-            </a:pPr>
-            <a:r>
-              <a:rPr lang="en-US" sz="2400" dirty="0"/>
-              <a:t>	vowels tend to be neutralized</a:t>
-            </a:r>
-          </a:p>
-          <a:p>
-            <a:pPr marL="342900" indent="-342900">
-              <a:buFont typeface="Arial" panose="020B0604020202020204" pitchFamily="34" charset="0"/>
-              <a:buChar char="•"/>
-            </a:pPr>
-            <a:r>
-              <a:rPr lang="en-US" sz="2400" dirty="0"/>
-              <a:t>	reduced speech intelligibility particularly as linguistic complexity increases</a:t>
-            </a:r>
-          </a:p>
-          <a:p>
-            <a:pPr marL="342900" indent="-342900">
-              <a:buFont typeface="Arial" panose="020B0604020202020204" pitchFamily="34" charset="0"/>
-              <a:buChar char="•"/>
-            </a:pPr>
-            <a:r>
-              <a:rPr lang="en-US" sz="2400" dirty="0"/>
-              <a:t>	distorted resonance</a:t>
-            </a:r>
-          </a:p>
         </p:txBody>
       </p:sp>
     </p:spTree>
     <p:extLst>
       <p:ext uri="{BB962C8B-B14F-4D97-AF65-F5344CB8AC3E}">
-        <p14:creationId xmlns:p14="http://schemas.microsoft.com/office/powerpoint/2010/main" val="3701101387"/>
+        <p14:creationId xmlns:p14="http://schemas.microsoft.com/office/powerpoint/2010/main" val="185759395"/>
       </p:ext>
     </p:extLst>
   </p:cSld>
@@ -15156,53 +14687,156 @@
       </p:grpSpPr>
       <p:sp>
         <p:nvSpPr>
-          <p:cNvPr id="2" name="Rectangle 1">
+          <p:cNvPr id="2" name="TextBox 1">
             <a:extLst>
               <a:ext uri="{FF2B5EF4-FFF2-40B4-BE49-F238E27FC236}">
-                <a16:creationId xmlns:a16="http://schemas.microsoft.com/office/drawing/2014/main" id="{60DD3A2F-BDF9-C243-B709-B15FE94EFEF3}"/>
+                <a16:creationId xmlns:a16="http://schemas.microsoft.com/office/drawing/2014/main" id="{412D2B41-4CCE-AB4E-9E65-8AA1296F4B9A}"/>
               </a:ext>
             </a:extLst>
           </p:cNvPr>
-          <p:cNvSpPr/>
+          <p:cNvSpPr txBox="1"/>
           <p:nvPr/>
         </p:nvSpPr>
         <p:spPr>
           <a:xfrm>
-            <a:off x="2542903" y="819836"/>
-            <a:ext cx="7445828" cy="1938992"/>
+            <a:off x="1968138" y="600891"/>
+            <a:ext cx="8320483" cy="1323439"/>
           </a:xfrm>
           <a:prstGeom prst="rect">
             <a:avLst/>
           </a:prstGeom>
+          <a:noFill/>
         </p:spPr>
         <p:txBody>
-          <a:bodyPr wrap="square">
+          <a:bodyPr wrap="none" rtlCol="0">
             <a:spAutoFit/>
           </a:bodyPr>
           <a:lstStyle/>
           <a:p>
-            <a:pPr marL="342900" indent="-342900">
-              <a:buFont typeface="Symbol" pitchFamily="2" charset="2"/>
-              <a:buChar char=""/>
-            </a:pPr>
-            <a:r>
-              <a:rPr lang="en-US" sz="4000" b="1" i="1" dirty="0">
-                <a:latin typeface="Garamond" panose="02020404030301010803" pitchFamily="18" charset="0"/>
-                <a:ea typeface="Calibri" panose="020F0502020204030204" pitchFamily="34" charset="0"/>
-              </a:rPr>
-              <a:t>List informal/formal assessment methods commonly used with children with SSD?</a:t>
-            </a:r>
-            <a:endParaRPr lang="en-US" sz="4000" b="1" dirty="0">
-              <a:latin typeface="Times New Roman" panose="02020603050405020304" pitchFamily="18" charset="0"/>
-              <a:ea typeface="Calibri" panose="020F0502020204030204" pitchFamily="34" charset="0"/>
-            </a:endParaRPr>
+            <a:r>
+              <a:rPr lang="en-US" sz="4000" b="1" i="1" dirty="0"/>
+              <a:t>Review 3 Intervention Methodologies</a:t>
+            </a:r>
+          </a:p>
+          <a:p>
+            <a:pPr algn="ctr"/>
+            <a:r>
+              <a:rPr lang="en-US" sz="4000" b="1" i="1" dirty="0"/>
+              <a:t> for SSD</a:t>
+            </a:r>
+          </a:p>
+        </p:txBody>
+      </p:sp>
+      <p:sp>
+        <p:nvSpPr>
+          <p:cNvPr id="4" name="TextBox 3">
+            <a:extLst>
+              <a:ext uri="{FF2B5EF4-FFF2-40B4-BE49-F238E27FC236}">
+                <a16:creationId xmlns:a16="http://schemas.microsoft.com/office/drawing/2014/main" id="{5773B25D-4DC5-0A4F-BC1B-66666DEADD0E}"/>
+              </a:ext>
+            </a:extLst>
+          </p:cNvPr>
+          <p:cNvSpPr txBox="1"/>
+          <p:nvPr/>
+        </p:nvSpPr>
+        <p:spPr>
+          <a:xfrm>
+            <a:off x="4306389" y="2769326"/>
+            <a:ext cx="3098669" cy="707886"/>
+          </a:xfrm>
+          <a:prstGeom prst="rect">
+            <a:avLst/>
+          </a:prstGeom>
+          <a:noFill/>
+        </p:spPr>
+        <p:txBody>
+          <a:bodyPr wrap="none" rtlCol="0">
+            <a:spAutoFit/>
+          </a:bodyPr>
+          <a:lstStyle/>
+          <a:p>
+            <a:r>
+              <a:rPr lang="en-US" sz="4000" b="1" dirty="0"/>
+              <a:t>Minimal Pairs</a:t>
+            </a:r>
+          </a:p>
+        </p:txBody>
+      </p:sp>
+      <p:sp>
+        <p:nvSpPr>
+          <p:cNvPr id="5" name="TextBox 4">
+            <a:extLst>
+              <a:ext uri="{FF2B5EF4-FFF2-40B4-BE49-F238E27FC236}">
+                <a16:creationId xmlns:a16="http://schemas.microsoft.com/office/drawing/2014/main" id="{463AF7BA-50BD-5243-86FB-40012708BEE6}"/>
+              </a:ext>
+            </a:extLst>
+          </p:cNvPr>
+          <p:cNvSpPr txBox="1"/>
+          <p:nvPr/>
+        </p:nvSpPr>
+        <p:spPr>
+          <a:xfrm>
+            <a:off x="5055892" y="3968266"/>
+            <a:ext cx="2144972" cy="707886"/>
+          </a:xfrm>
+          <a:prstGeom prst="rect">
+            <a:avLst/>
+          </a:prstGeom>
+          <a:noFill/>
+        </p:spPr>
+        <p:txBody>
+          <a:bodyPr wrap="square" rtlCol="0">
+            <a:spAutoFit/>
+          </a:bodyPr>
+          <a:lstStyle/>
+          <a:p>
+            <a:r>
+              <a:rPr lang="en-US" sz="4000" b="1" dirty="0"/>
+              <a:t>Cycles</a:t>
+            </a:r>
+          </a:p>
+        </p:txBody>
+      </p:sp>
+      <p:sp>
+        <p:nvSpPr>
+          <p:cNvPr id="6" name="TextBox 5">
+            <a:extLst>
+              <a:ext uri="{FF2B5EF4-FFF2-40B4-BE49-F238E27FC236}">
+                <a16:creationId xmlns:a16="http://schemas.microsoft.com/office/drawing/2014/main" id="{20E03F60-F7A9-2143-A5CE-94248648ABD9}"/>
+              </a:ext>
+            </a:extLst>
+          </p:cNvPr>
+          <p:cNvSpPr txBox="1"/>
+          <p:nvPr/>
+        </p:nvSpPr>
+        <p:spPr>
+          <a:xfrm>
+            <a:off x="4068744" y="5096206"/>
+            <a:ext cx="4119269" cy="707886"/>
+          </a:xfrm>
+          <a:prstGeom prst="rect">
+            <a:avLst/>
+          </a:prstGeom>
+          <a:noFill/>
+        </p:spPr>
+        <p:txBody>
+          <a:bodyPr wrap="none" rtlCol="0">
+            <a:spAutoFit/>
+          </a:bodyPr>
+          <a:lstStyle/>
+          <a:p>
+            <a:r>
+              <a:rPr lang="en-US" sz="4000" b="1" dirty="0" err="1"/>
+              <a:t>Metaphonological</a:t>
+            </a:r>
+            <a:endParaRPr lang="en-US" sz="4000" b="1" dirty="0"/>
           </a:p>
         </p:txBody>
       </p:sp>
     </p:spTree>
     <p:extLst>
       <p:ext uri="{BB962C8B-B14F-4D97-AF65-F5344CB8AC3E}">
-        <p14:creationId xmlns:p14="http://schemas.microsoft.com/office/powerpoint/2010/main" val="185759395"/>
+        <p14:creationId xmlns:p14="http://schemas.microsoft.com/office/powerpoint/2010/main" val="433703578"/>
       </p:ext>
     </p:extLst>
   </p:cSld>
@@ -15231,158 +14865,79 @@
       </p:grpSpPr>
       <p:sp>
         <p:nvSpPr>
-          <p:cNvPr id="2" name="TextBox 1">
-            <a:extLst>
-              <a:ext uri="{FF2B5EF4-FFF2-40B4-BE49-F238E27FC236}">
-                <a16:creationId xmlns:a16="http://schemas.microsoft.com/office/drawing/2014/main" id="{412D2B41-4CCE-AB4E-9E65-8AA1296F4B9A}"/>
-              </a:ext>
-            </a:extLst>
-          </p:cNvPr>
-          <p:cNvSpPr txBox="1"/>
-          <p:nvPr/>
+          <p:cNvPr id="22530" name="Title 1"/>
+          <p:cNvSpPr>
+            <a:spLocks noGrp="1"/>
+          </p:cNvSpPr>
+          <p:nvPr>
+            <p:ph type="ctrTitle"/>
+          </p:nvPr>
         </p:nvSpPr>
         <p:spPr>
           <a:xfrm>
-            <a:off x="1968138" y="600891"/>
-            <a:ext cx="8320483" cy="1323439"/>
+            <a:off x="2209800" y="4219575"/>
+            <a:ext cx="7772400" cy="2076450"/>
           </a:xfrm>
-          <a:prstGeom prst="rect">
-            <a:avLst/>
-          </a:prstGeom>
-          <a:noFill/>
         </p:spPr>
         <p:txBody>
-          <a:bodyPr wrap="none" rtlCol="0">
-            <a:spAutoFit/>
-          </a:bodyPr>
-          <a:lstStyle/>
-          <a:p>
-            <a:r>
-              <a:rPr lang="en-US" sz="4000" b="1" i="1" dirty="0"/>
-              <a:t>Review 3 Intervention Methodologies</a:t>
-            </a:r>
-          </a:p>
-          <a:p>
-            <a:pPr algn="ctr"/>
-            <a:r>
-              <a:rPr lang="en-US" sz="4000" b="1" i="1" dirty="0"/>
-              <a:t> for SSD</a:t>
-            </a:r>
-          </a:p>
-        </p:txBody>
-      </p:sp>
-      <p:sp>
-        <p:nvSpPr>
-          <p:cNvPr id="4" name="TextBox 3">
-            <a:extLst>
-              <a:ext uri="{FF2B5EF4-FFF2-40B4-BE49-F238E27FC236}">
-                <a16:creationId xmlns:a16="http://schemas.microsoft.com/office/drawing/2014/main" id="{5773B25D-4DC5-0A4F-BC1B-66666DEADD0E}"/>
-              </a:ext>
-            </a:extLst>
-          </p:cNvPr>
-          <p:cNvSpPr txBox="1"/>
-          <p:nvPr/>
+          <a:bodyPr/>
+          <a:lstStyle/>
+          <a:p>
+            <a:r>
+              <a:rPr lang="en-US" sz="4100">
+                <a:ea typeface="ＭＳ Ｐゴシック" pitchFamily="-111" charset="-128"/>
+                <a:cs typeface="ＭＳ Ｐゴシック" pitchFamily="-111" charset="-128"/>
+              </a:rPr>
+              <a:t>Speech Sound Disorders</a:t>
+            </a:r>
+            <a:br>
+              <a:rPr lang="en-US" sz="4100">
+                <a:ea typeface="ＭＳ Ｐゴシック" pitchFamily="-111" charset="-128"/>
+                <a:cs typeface="ＭＳ Ｐゴシック" pitchFamily="-111" charset="-128"/>
+              </a:rPr>
+            </a:br>
+            <a:endParaRPr lang="en-US" sz="4100">
+              <a:ea typeface="ＭＳ Ｐゴシック" pitchFamily="-111" charset="-128"/>
+              <a:cs typeface="ＭＳ Ｐゴシック" pitchFamily="-111" charset="-128"/>
+            </a:endParaRPr>
+          </a:p>
+        </p:txBody>
+      </p:sp>
+      <p:sp>
+        <p:nvSpPr>
+          <p:cNvPr id="22531" name="Subtitle 2"/>
+          <p:cNvSpPr>
+            <a:spLocks noGrp="1"/>
+          </p:cNvSpPr>
+          <p:nvPr>
+            <p:ph type="subTitle" idx="1"/>
+          </p:nvPr>
         </p:nvSpPr>
         <p:spPr>
           <a:xfrm>
-            <a:off x="4306389" y="2769326"/>
-            <a:ext cx="3098669" cy="707886"/>
+            <a:off x="4724401" y="5673725"/>
+            <a:ext cx="5459413" cy="622300"/>
           </a:xfrm>
-          <a:prstGeom prst="rect">
-            <a:avLst/>
-          </a:prstGeom>
-          <a:noFill/>
         </p:spPr>
         <p:txBody>
-          <a:bodyPr wrap="none" rtlCol="0">
-            <a:spAutoFit/>
-          </a:bodyPr>
-          <a:lstStyle/>
-          <a:p>
-            <a:r>
-              <a:rPr lang="en-US" sz="4000" b="1" dirty="0"/>
-              <a:t>Minimal Pairs</a:t>
-            </a:r>
-          </a:p>
-        </p:txBody>
-      </p:sp>
-      <p:sp>
-        <p:nvSpPr>
-          <p:cNvPr id="5" name="TextBox 4">
-            <a:extLst>
-              <a:ext uri="{FF2B5EF4-FFF2-40B4-BE49-F238E27FC236}">
-                <a16:creationId xmlns:a16="http://schemas.microsoft.com/office/drawing/2014/main" id="{463AF7BA-50BD-5243-86FB-40012708BEE6}"/>
-              </a:ext>
-            </a:extLst>
-          </p:cNvPr>
-          <p:cNvSpPr txBox="1"/>
-          <p:nvPr/>
-        </p:nvSpPr>
-        <p:spPr>
-          <a:xfrm>
-            <a:off x="5055892" y="3968266"/>
-            <a:ext cx="2144972" cy="707886"/>
-          </a:xfrm>
-          <a:prstGeom prst="rect">
-            <a:avLst/>
-          </a:prstGeom>
-          <a:noFill/>
-        </p:spPr>
-        <p:txBody>
-          <a:bodyPr wrap="square" rtlCol="0">
-            <a:spAutoFit/>
-          </a:bodyPr>
-          <a:lstStyle/>
-          <a:p>
-            <a:r>
-              <a:rPr lang="en-US" sz="4000" b="1" dirty="0"/>
-              <a:t>Cycles</a:t>
-            </a:r>
-          </a:p>
-        </p:txBody>
-      </p:sp>
-      <p:sp>
-        <p:nvSpPr>
-          <p:cNvPr id="6" name="TextBox 5">
-            <a:extLst>
-              <a:ext uri="{FF2B5EF4-FFF2-40B4-BE49-F238E27FC236}">
-                <a16:creationId xmlns:a16="http://schemas.microsoft.com/office/drawing/2014/main" id="{20E03F60-F7A9-2143-A5CE-94248648ABD9}"/>
-              </a:ext>
-            </a:extLst>
-          </p:cNvPr>
-          <p:cNvSpPr txBox="1"/>
-          <p:nvPr/>
-        </p:nvSpPr>
-        <p:spPr>
-          <a:xfrm>
-            <a:off x="4068744" y="5096206"/>
-            <a:ext cx="4119269" cy="707886"/>
-          </a:xfrm>
-          <a:prstGeom prst="rect">
-            <a:avLst/>
-          </a:prstGeom>
-          <a:noFill/>
-        </p:spPr>
-        <p:txBody>
-          <a:bodyPr wrap="none" rtlCol="0">
-            <a:spAutoFit/>
-          </a:bodyPr>
-          <a:lstStyle/>
-          <a:p>
-            <a:r>
-              <a:rPr lang="en-US" sz="4000" b="1" dirty="0" err="1"/>
-              <a:t>Metaphonological</a:t>
-            </a:r>
-            <a:endParaRPr lang="en-US" sz="4000" b="1" dirty="0"/>
+          <a:bodyPr/>
+          <a:lstStyle/>
+          <a:p>
+            <a:pPr>
+              <a:spcBef>
+                <a:spcPct val="0"/>
+              </a:spcBef>
+              <a:buFont typeface="Arial" pitchFamily="-111" charset="0"/>
+              <a:buNone/>
+            </a:pPr>
+            <a:endParaRPr lang="en-US">
+              <a:ea typeface="ＭＳ Ｐゴシック" pitchFamily="-111" charset="-128"/>
+              <a:cs typeface="ＭＳ Ｐゴシック" pitchFamily="-111" charset="-128"/>
+            </a:endParaRPr>
           </a:p>
         </p:txBody>
       </p:sp>
     </p:spTree>
-    <p:extLst>
-      <p:ext uri="{BB962C8B-B14F-4D97-AF65-F5344CB8AC3E}">
-        <p14:creationId xmlns:p14="http://schemas.microsoft.com/office/powerpoint/2010/main" val="433703578"/>
-      </p:ext>
-    </p:extLst>
   </p:cSld>
   <p:clrMapOvr>
     <a:masterClrMapping/>
